--- a/assets/projectDocuments/Design 1.0.pptx
+++ b/assets/projectDocuments/Design 1.0.pptx
@@ -1,24 +1,119 @@
 
 <file path=ppt/presentation.xml><?xml version="1.0" encoding="utf-8"?>
-<p:presentation xmlns:a="http://schemas.openxmlformats.org/drawingml/2006/main" xmlns:p="http://schemas.openxmlformats.org/presentationml/2006/main" xmlns:r="http://schemas.openxmlformats.org/officeDocument/2006/relationships" xmlns:p14="http://schemas.microsoft.com/office/powerpoint/2010/main" xmlns:p15="http://schemas.microsoft.com/office/powerpoint/2012/main" xmlns:mc="http://schemas.openxmlformats.org/markup-compatibility/2006">
+<p:presentation xmlns:a="http://schemas.openxmlformats.org/drawingml/2006/main" xmlns:r="http://schemas.openxmlformats.org/officeDocument/2006/relationships" xmlns:p="http://schemas.openxmlformats.org/presentationml/2006/main">
   <p:sldMasterIdLst>
-    <p:sldMasterId id="2147483648" r:id="rId2"/>
-    <p:sldMasterId id="2147483661" r:id="rId3"/>
+    <p:sldMasterId id="2147483648" r:id="rId1"/>
+    <p:sldMasterId id="2147483661" r:id="rId2"/>
   </p:sldMasterIdLst>
   <p:sldIdLst>
-    <p:sldId id="256" r:id="rId4"/>
-    <p:sldId id="257" r:id="rId5"/>
-    <p:sldId id="258" r:id="rId6"/>
-    <p:sldId id="259" r:id="rId7"/>
-    <p:sldId id="260" r:id="rId8"/>
+    <p:sldId id="256" r:id="rId3"/>
+    <p:sldId id="257" r:id="rId4"/>
+    <p:sldId id="258" r:id="rId5"/>
+    <p:sldId id="259" r:id="rId6"/>
+    <p:sldId id="260" r:id="rId7"/>
   </p:sldIdLst>
   <p:sldSz cx="12192000" cy="6858000"/>
-  <p:notesSz cx="7559675" cy="10691812"/>
+  <p:notesSz cx="7559675" cy="10691813"/>
+  <p:defaultTextStyle>
+    <a:defPPr>
+      <a:defRPr lang="en-US"/>
+    </a:defPPr>
+    <a:lvl1pPr marL="0" algn="l" defTabSz="914400" rtl="0" eaLnBrk="1" latinLnBrk="0" hangingPunct="1">
+      <a:defRPr sz="1800" kern="1200">
+        <a:solidFill>
+          <a:schemeClr val="tx1"/>
+        </a:solidFill>
+        <a:latin typeface="+mn-lt"/>
+        <a:ea typeface="+mn-ea"/>
+        <a:cs typeface="+mn-cs"/>
+      </a:defRPr>
+    </a:lvl1pPr>
+    <a:lvl2pPr marL="457200" algn="l" defTabSz="914400" rtl="0" eaLnBrk="1" latinLnBrk="0" hangingPunct="1">
+      <a:defRPr sz="1800" kern="1200">
+        <a:solidFill>
+          <a:schemeClr val="tx1"/>
+        </a:solidFill>
+        <a:latin typeface="+mn-lt"/>
+        <a:ea typeface="+mn-ea"/>
+        <a:cs typeface="+mn-cs"/>
+      </a:defRPr>
+    </a:lvl2pPr>
+    <a:lvl3pPr marL="914400" algn="l" defTabSz="914400" rtl="0" eaLnBrk="1" latinLnBrk="0" hangingPunct="1">
+      <a:defRPr sz="1800" kern="1200">
+        <a:solidFill>
+          <a:schemeClr val="tx1"/>
+        </a:solidFill>
+        <a:latin typeface="+mn-lt"/>
+        <a:ea typeface="+mn-ea"/>
+        <a:cs typeface="+mn-cs"/>
+      </a:defRPr>
+    </a:lvl3pPr>
+    <a:lvl4pPr marL="1371600" algn="l" defTabSz="914400" rtl="0" eaLnBrk="1" latinLnBrk="0" hangingPunct="1">
+      <a:defRPr sz="1800" kern="1200">
+        <a:solidFill>
+          <a:schemeClr val="tx1"/>
+        </a:solidFill>
+        <a:latin typeface="+mn-lt"/>
+        <a:ea typeface="+mn-ea"/>
+        <a:cs typeface="+mn-cs"/>
+      </a:defRPr>
+    </a:lvl4pPr>
+    <a:lvl5pPr marL="1828800" algn="l" defTabSz="914400" rtl="0" eaLnBrk="1" latinLnBrk="0" hangingPunct="1">
+      <a:defRPr sz="1800" kern="1200">
+        <a:solidFill>
+          <a:schemeClr val="tx1"/>
+        </a:solidFill>
+        <a:latin typeface="+mn-lt"/>
+        <a:ea typeface="+mn-ea"/>
+        <a:cs typeface="+mn-cs"/>
+      </a:defRPr>
+    </a:lvl5pPr>
+    <a:lvl6pPr marL="2286000" algn="l" defTabSz="914400" rtl="0" eaLnBrk="1" latinLnBrk="0" hangingPunct="1">
+      <a:defRPr sz="1800" kern="1200">
+        <a:solidFill>
+          <a:schemeClr val="tx1"/>
+        </a:solidFill>
+        <a:latin typeface="+mn-lt"/>
+        <a:ea typeface="+mn-ea"/>
+        <a:cs typeface="+mn-cs"/>
+      </a:defRPr>
+    </a:lvl6pPr>
+    <a:lvl7pPr marL="2743200" algn="l" defTabSz="914400" rtl="0" eaLnBrk="1" latinLnBrk="0" hangingPunct="1">
+      <a:defRPr sz="1800" kern="1200">
+        <a:solidFill>
+          <a:schemeClr val="tx1"/>
+        </a:solidFill>
+        <a:latin typeface="+mn-lt"/>
+        <a:ea typeface="+mn-ea"/>
+        <a:cs typeface="+mn-cs"/>
+      </a:defRPr>
+    </a:lvl7pPr>
+    <a:lvl8pPr marL="3200400" algn="l" defTabSz="914400" rtl="0" eaLnBrk="1" latinLnBrk="0" hangingPunct="1">
+      <a:defRPr sz="1800" kern="1200">
+        <a:solidFill>
+          <a:schemeClr val="tx1"/>
+        </a:solidFill>
+        <a:latin typeface="+mn-lt"/>
+        <a:ea typeface="+mn-ea"/>
+        <a:cs typeface="+mn-cs"/>
+      </a:defRPr>
+    </a:lvl8pPr>
+    <a:lvl9pPr marL="3657600" algn="l" defTabSz="914400" rtl="0" eaLnBrk="1" latinLnBrk="0" hangingPunct="1">
+      <a:defRPr sz="1800" kern="1200">
+        <a:solidFill>
+          <a:schemeClr val="tx1"/>
+        </a:solidFill>
+        <a:latin typeface="+mn-lt"/>
+        <a:ea typeface="+mn-ea"/>
+        <a:cs typeface="+mn-cs"/>
+      </a:defRPr>
+    </a:lvl9pPr>
+  </p:defaultTextStyle>
 </p:presentation>
 </file>
 
 <file path=ppt/slideLayouts/slideLayout1.xml><?xml version="1.0" encoding="utf-8"?>
-<p:sldLayout xmlns:a="http://schemas.openxmlformats.org/drawingml/2006/main" xmlns:p="http://schemas.openxmlformats.org/presentationml/2006/main" xmlns:r="http://schemas.openxmlformats.org/officeDocument/2006/relationships" xmlns:p14="http://schemas.microsoft.com/office/powerpoint/2010/main" xmlns:p15="http://schemas.microsoft.com/office/powerpoint/2012/main" xmlns:mc="http://schemas.openxmlformats.org/markup-compatibility/2006" type="blank" preserve="1">
+<p:sldLayout xmlns:a="http://schemas.openxmlformats.org/drawingml/2006/main" xmlns:r="http://schemas.openxmlformats.org/officeDocument/2006/relationships" xmlns:p="http://schemas.openxmlformats.org/presentationml/2006/main" type="blank" preserve="1">
   <p:cSld name="Blank Slide">
     <p:spTree>
       <p:nvGrpSpPr>
@@ -36,11 +131,14 @@
       </p:grpSpPr>
     </p:spTree>
   </p:cSld>
+  <p:clrMapOvr>
+    <a:masterClrMapping/>
+  </p:clrMapOvr>
 </p:sldLayout>
 </file>
 
 <file path=ppt/slideLayouts/slideLayout10.xml><?xml version="1.0" encoding="utf-8"?>
-<p:sldLayout xmlns:a="http://schemas.openxmlformats.org/drawingml/2006/main" xmlns:p="http://schemas.openxmlformats.org/presentationml/2006/main" xmlns:r="http://schemas.openxmlformats.org/officeDocument/2006/relationships" xmlns:p14="http://schemas.microsoft.com/office/powerpoint/2010/main" xmlns:p15="http://schemas.microsoft.com/office/powerpoint/2012/main" xmlns:mc="http://schemas.openxmlformats.org/markup-compatibility/2006" type="objOverTx" preserve="1">
+<p:sldLayout xmlns:a="http://schemas.openxmlformats.org/drawingml/2006/main" xmlns:r="http://schemas.openxmlformats.org/officeDocument/2006/relationships" xmlns:p="http://schemas.openxmlformats.org/presentationml/2006/main" type="objOverTx" preserve="1">
   <p:cSld name="Title, Content over Content">
     <p:spTree>
       <p:nvGrpSpPr>
@@ -76,11 +174,12 @@
           </a:prstGeom>
         </p:spPr>
         <p:txBody>
-          <a:bodyPr lIns="0" rIns="0" tIns="0" bIns="0" anchor="ctr">
+          <a:bodyPr lIns="0" tIns="0" rIns="0" bIns="0" anchor="ctr">
             <a:noAutofit/>
           </a:bodyPr>
-          <a:p>
-            <a:endParaRPr b="0" lang="en-US" sz="1800" spc="-1" strike="noStrike">
+          <a:lstStyle/>
+          <a:p>
+            <a:endParaRPr lang="en-US" sz="1800" b="0" strike="noStrike" spc="-1">
               <a:solidFill>
                 <a:srgbClr val="000000"/>
               </a:solidFill>
@@ -109,11 +208,12 @@
           </a:prstGeom>
         </p:spPr>
         <p:txBody>
-          <a:bodyPr lIns="0" rIns="0" tIns="0" bIns="0">
+          <a:bodyPr lIns="0" tIns="0" rIns="0" bIns="0">
             <a:normAutofit/>
           </a:bodyPr>
-          <a:p>
-            <a:endParaRPr b="0" lang="en-US" sz="2800" spc="-1" strike="noStrike">
+          <a:lstStyle/>
+          <a:p>
+            <a:endParaRPr lang="en-US" sz="2800" b="0" strike="noStrike" spc="-1">
               <a:solidFill>
                 <a:srgbClr val="000000"/>
               </a:solidFill>
@@ -142,11 +242,12 @@
           </a:prstGeom>
         </p:spPr>
         <p:txBody>
-          <a:bodyPr lIns="0" rIns="0" tIns="0" bIns="0">
+          <a:bodyPr lIns="0" tIns="0" rIns="0" bIns="0">
             <a:normAutofit/>
           </a:bodyPr>
-          <a:p>
-            <a:endParaRPr b="0" lang="en-US" sz="2800" spc="-1" strike="noStrike">
+          <a:lstStyle/>
+          <a:p>
+            <a:endParaRPr lang="en-US" sz="2800" b="0" strike="noStrike" spc="-1">
               <a:solidFill>
                 <a:srgbClr val="000000"/>
               </a:solidFill>
@@ -157,11 +258,14 @@
       </p:sp>
     </p:spTree>
   </p:cSld>
+  <p:clrMapOvr>
+    <a:masterClrMapping/>
+  </p:clrMapOvr>
 </p:sldLayout>
 </file>
 
 <file path=ppt/slideLayouts/slideLayout11.xml><?xml version="1.0" encoding="utf-8"?>
-<p:sldLayout xmlns:a="http://schemas.openxmlformats.org/drawingml/2006/main" xmlns:p="http://schemas.openxmlformats.org/presentationml/2006/main" xmlns:r="http://schemas.openxmlformats.org/officeDocument/2006/relationships" xmlns:p14="http://schemas.microsoft.com/office/powerpoint/2010/main" xmlns:p15="http://schemas.microsoft.com/office/powerpoint/2012/main" xmlns:mc="http://schemas.openxmlformats.org/markup-compatibility/2006" type="fourObj" preserve="1">
+<p:sldLayout xmlns:a="http://schemas.openxmlformats.org/drawingml/2006/main" xmlns:r="http://schemas.openxmlformats.org/officeDocument/2006/relationships" xmlns:p="http://schemas.openxmlformats.org/presentationml/2006/main" type="fourObj" preserve="1">
   <p:cSld name="Title, 4 Content">
     <p:spTree>
       <p:nvGrpSpPr>
@@ -197,11 +301,12 @@
           </a:prstGeom>
         </p:spPr>
         <p:txBody>
-          <a:bodyPr lIns="0" rIns="0" tIns="0" bIns="0" anchor="ctr">
+          <a:bodyPr lIns="0" tIns="0" rIns="0" bIns="0" anchor="ctr">
             <a:noAutofit/>
           </a:bodyPr>
-          <a:p>
-            <a:endParaRPr b="0" lang="en-US" sz="1800" spc="-1" strike="noStrike">
+          <a:lstStyle/>
+          <a:p>
+            <a:endParaRPr lang="en-US" sz="1800" b="0" strike="noStrike" spc="-1">
               <a:solidFill>
                 <a:srgbClr val="000000"/>
               </a:solidFill>
@@ -230,11 +335,12 @@
           </a:prstGeom>
         </p:spPr>
         <p:txBody>
-          <a:bodyPr lIns="0" rIns="0" tIns="0" bIns="0">
+          <a:bodyPr lIns="0" tIns="0" rIns="0" bIns="0">
             <a:normAutofit/>
           </a:bodyPr>
-          <a:p>
-            <a:endParaRPr b="0" lang="en-US" sz="2800" spc="-1" strike="noStrike">
+          <a:lstStyle/>
+          <a:p>
+            <a:endParaRPr lang="en-US" sz="2800" b="0" strike="noStrike" spc="-1">
               <a:solidFill>
                 <a:srgbClr val="000000"/>
               </a:solidFill>
@@ -263,11 +369,12 @@
           </a:prstGeom>
         </p:spPr>
         <p:txBody>
-          <a:bodyPr lIns="0" rIns="0" tIns="0" bIns="0">
+          <a:bodyPr lIns="0" tIns="0" rIns="0" bIns="0">
             <a:normAutofit/>
           </a:bodyPr>
-          <a:p>
-            <a:endParaRPr b="0" lang="en-US" sz="2800" spc="-1" strike="noStrike">
+          <a:lstStyle/>
+          <a:p>
+            <a:endParaRPr lang="en-US" sz="2800" b="0" strike="noStrike" spc="-1">
               <a:solidFill>
                 <a:srgbClr val="000000"/>
               </a:solidFill>
@@ -296,11 +403,12 @@
           </a:prstGeom>
         </p:spPr>
         <p:txBody>
-          <a:bodyPr lIns="0" rIns="0" tIns="0" bIns="0">
+          <a:bodyPr lIns="0" tIns="0" rIns="0" bIns="0">
             <a:normAutofit/>
           </a:bodyPr>
-          <a:p>
-            <a:endParaRPr b="0" lang="en-US" sz="2800" spc="-1" strike="noStrike">
+          <a:lstStyle/>
+          <a:p>
+            <a:endParaRPr lang="en-US" sz="2800" b="0" strike="noStrike" spc="-1">
               <a:solidFill>
                 <a:srgbClr val="000000"/>
               </a:solidFill>
@@ -329,11 +437,12 @@
           </a:prstGeom>
         </p:spPr>
         <p:txBody>
-          <a:bodyPr lIns="0" rIns="0" tIns="0" bIns="0">
+          <a:bodyPr lIns="0" tIns="0" rIns="0" bIns="0">
             <a:normAutofit/>
           </a:bodyPr>
-          <a:p>
-            <a:endParaRPr b="0" lang="en-US" sz="2800" spc="-1" strike="noStrike">
+          <a:lstStyle/>
+          <a:p>
+            <a:endParaRPr lang="en-US" sz="2800" b="0" strike="noStrike" spc="-1">
               <a:solidFill>
                 <a:srgbClr val="000000"/>
               </a:solidFill>
@@ -344,11 +453,14 @@
       </p:sp>
     </p:spTree>
   </p:cSld>
+  <p:clrMapOvr>
+    <a:masterClrMapping/>
+  </p:clrMapOvr>
 </p:sldLayout>
 </file>
 
 <file path=ppt/slideLayouts/slideLayout12.xml><?xml version="1.0" encoding="utf-8"?>
-<p:sldLayout xmlns:a="http://schemas.openxmlformats.org/drawingml/2006/main" xmlns:p="http://schemas.openxmlformats.org/presentationml/2006/main" xmlns:r="http://schemas.openxmlformats.org/officeDocument/2006/relationships" xmlns:p14="http://schemas.microsoft.com/office/powerpoint/2010/main" xmlns:p15="http://schemas.microsoft.com/office/powerpoint/2012/main" xmlns:mc="http://schemas.openxmlformats.org/markup-compatibility/2006" type="blank" preserve="1">
+<p:sldLayout xmlns:a="http://schemas.openxmlformats.org/drawingml/2006/main" xmlns:r="http://schemas.openxmlformats.org/officeDocument/2006/relationships" xmlns:p="http://schemas.openxmlformats.org/presentationml/2006/main" type="blank" preserve="1">
   <p:cSld name="Title, 6 Content">
     <p:spTree>
       <p:nvGrpSpPr>
@@ -384,11 +496,12 @@
           </a:prstGeom>
         </p:spPr>
         <p:txBody>
-          <a:bodyPr lIns="0" rIns="0" tIns="0" bIns="0" anchor="ctr">
+          <a:bodyPr lIns="0" tIns="0" rIns="0" bIns="0" anchor="ctr">
             <a:noAutofit/>
           </a:bodyPr>
-          <a:p>
-            <a:endParaRPr b="0" lang="en-US" sz="1800" spc="-1" strike="noStrike">
+          <a:lstStyle/>
+          <a:p>
+            <a:endParaRPr lang="en-US" sz="1800" b="0" strike="noStrike" spc="-1">
               <a:solidFill>
                 <a:srgbClr val="000000"/>
               </a:solidFill>
@@ -417,11 +530,12 @@
           </a:prstGeom>
         </p:spPr>
         <p:txBody>
-          <a:bodyPr lIns="0" rIns="0" tIns="0" bIns="0">
+          <a:bodyPr lIns="0" tIns="0" rIns="0" bIns="0">
             <a:normAutofit/>
           </a:bodyPr>
-          <a:p>
-            <a:endParaRPr b="0" lang="en-US" sz="2800" spc="-1" strike="noStrike">
+          <a:lstStyle/>
+          <a:p>
+            <a:endParaRPr lang="en-US" sz="2800" b="0" strike="noStrike" spc="-1">
               <a:solidFill>
                 <a:srgbClr val="000000"/>
               </a:solidFill>
@@ -450,11 +564,12 @@
           </a:prstGeom>
         </p:spPr>
         <p:txBody>
-          <a:bodyPr lIns="0" rIns="0" tIns="0" bIns="0">
+          <a:bodyPr lIns="0" tIns="0" rIns="0" bIns="0">
             <a:normAutofit/>
           </a:bodyPr>
-          <a:p>
-            <a:endParaRPr b="0" lang="en-US" sz="2800" spc="-1" strike="noStrike">
+          <a:lstStyle/>
+          <a:p>
+            <a:endParaRPr lang="en-US" sz="2800" b="0" strike="noStrike" spc="-1">
               <a:solidFill>
                 <a:srgbClr val="000000"/>
               </a:solidFill>
@@ -483,11 +598,12 @@
           </a:prstGeom>
         </p:spPr>
         <p:txBody>
-          <a:bodyPr lIns="0" rIns="0" tIns="0" bIns="0">
+          <a:bodyPr lIns="0" tIns="0" rIns="0" bIns="0">
             <a:normAutofit/>
           </a:bodyPr>
-          <a:p>
-            <a:endParaRPr b="0" lang="en-US" sz="2800" spc="-1" strike="noStrike">
+          <a:lstStyle/>
+          <a:p>
+            <a:endParaRPr lang="en-US" sz="2800" b="0" strike="noStrike" spc="-1">
               <a:solidFill>
                 <a:srgbClr val="000000"/>
               </a:solidFill>
@@ -516,11 +632,12 @@
           </a:prstGeom>
         </p:spPr>
         <p:txBody>
-          <a:bodyPr lIns="0" rIns="0" tIns="0" bIns="0">
+          <a:bodyPr lIns="0" tIns="0" rIns="0" bIns="0">
             <a:normAutofit/>
           </a:bodyPr>
-          <a:p>
-            <a:endParaRPr b="0" lang="en-US" sz="2800" spc="-1" strike="noStrike">
+          <a:lstStyle/>
+          <a:p>
+            <a:endParaRPr lang="en-US" sz="2800" b="0" strike="noStrike" spc="-1">
               <a:solidFill>
                 <a:srgbClr val="000000"/>
               </a:solidFill>
@@ -549,11 +666,12 @@
           </a:prstGeom>
         </p:spPr>
         <p:txBody>
-          <a:bodyPr lIns="0" rIns="0" tIns="0" bIns="0">
+          <a:bodyPr lIns="0" tIns="0" rIns="0" bIns="0">
             <a:normAutofit/>
           </a:bodyPr>
-          <a:p>
-            <a:endParaRPr b="0" lang="en-US" sz="2800" spc="-1" strike="noStrike">
+          <a:lstStyle/>
+          <a:p>
+            <a:endParaRPr lang="en-US" sz="2800" b="0" strike="noStrike" spc="-1">
               <a:solidFill>
                 <a:srgbClr val="000000"/>
               </a:solidFill>
@@ -582,11 +700,12 @@
           </a:prstGeom>
         </p:spPr>
         <p:txBody>
-          <a:bodyPr lIns="0" rIns="0" tIns="0" bIns="0">
+          <a:bodyPr lIns="0" tIns="0" rIns="0" bIns="0">
             <a:normAutofit/>
           </a:bodyPr>
-          <a:p>
-            <a:endParaRPr b="0" lang="en-US" sz="2800" spc="-1" strike="noStrike">
+          <a:lstStyle/>
+          <a:p>
+            <a:endParaRPr lang="en-US" sz="2800" b="0" strike="noStrike" spc="-1">
               <a:solidFill>
                 <a:srgbClr val="000000"/>
               </a:solidFill>
@@ -597,11 +716,14 @@
       </p:sp>
     </p:spTree>
   </p:cSld>
+  <p:clrMapOvr>
+    <a:masterClrMapping/>
+  </p:clrMapOvr>
 </p:sldLayout>
 </file>
 
 <file path=ppt/slideLayouts/slideLayout13.xml><?xml version="1.0" encoding="utf-8"?>
-<p:sldLayout xmlns:a="http://schemas.openxmlformats.org/drawingml/2006/main" xmlns:p="http://schemas.openxmlformats.org/presentationml/2006/main" xmlns:r="http://schemas.openxmlformats.org/officeDocument/2006/relationships" xmlns:p14="http://schemas.microsoft.com/office/powerpoint/2010/main" xmlns:p15="http://schemas.microsoft.com/office/powerpoint/2012/main" xmlns:mc="http://schemas.openxmlformats.org/markup-compatibility/2006" type="blank" preserve="1">
+<p:sldLayout xmlns:a="http://schemas.openxmlformats.org/drawingml/2006/main" xmlns:r="http://schemas.openxmlformats.org/officeDocument/2006/relationships" xmlns:p="http://schemas.openxmlformats.org/presentationml/2006/main" type="blank" preserve="1">
   <p:cSld name="Blank Slide">
     <p:spTree>
       <p:nvGrpSpPr>
@@ -619,11 +741,14 @@
       </p:grpSpPr>
     </p:spTree>
   </p:cSld>
+  <p:clrMapOvr>
+    <a:masterClrMapping/>
+  </p:clrMapOvr>
 </p:sldLayout>
 </file>
 
 <file path=ppt/slideLayouts/slideLayout14.xml><?xml version="1.0" encoding="utf-8"?>
-<p:sldLayout xmlns:a="http://schemas.openxmlformats.org/drawingml/2006/main" xmlns:p="http://schemas.openxmlformats.org/presentationml/2006/main" xmlns:r="http://schemas.openxmlformats.org/officeDocument/2006/relationships" xmlns:p14="http://schemas.microsoft.com/office/powerpoint/2010/main" xmlns:p15="http://schemas.microsoft.com/office/powerpoint/2012/main" xmlns:mc="http://schemas.openxmlformats.org/markup-compatibility/2006" type="tx" preserve="1">
+<p:sldLayout xmlns:a="http://schemas.openxmlformats.org/drawingml/2006/main" xmlns:r="http://schemas.openxmlformats.org/officeDocument/2006/relationships" xmlns:p="http://schemas.openxmlformats.org/presentationml/2006/main" type="tx" preserve="1">
   <p:cSld name="Title Slide">
     <p:spTree>
       <p:nvGrpSpPr>
@@ -659,11 +784,12 @@
           </a:prstGeom>
         </p:spPr>
         <p:txBody>
-          <a:bodyPr lIns="0" rIns="0" tIns="0" bIns="0" anchor="ctr">
+          <a:bodyPr lIns="0" tIns="0" rIns="0" bIns="0" anchor="ctr">
             <a:noAutofit/>
           </a:bodyPr>
-          <a:p>
-            <a:endParaRPr b="0" lang="en-US" sz="1800" spc="-1" strike="noStrike">
+          <a:lstStyle/>
+          <a:p>
+            <a:endParaRPr lang="en-US" sz="1800" b="0" strike="noStrike" spc="-1">
               <a:solidFill>
                 <a:srgbClr val="000000"/>
               </a:solidFill>
@@ -692,12 +818,13 @@
           </a:prstGeom>
         </p:spPr>
         <p:txBody>
-          <a:bodyPr lIns="0" rIns="0" tIns="0" bIns="0" anchor="ctr">
+          <a:bodyPr lIns="0" tIns="0" rIns="0" bIns="0" anchor="ctr">
             <a:noAutofit/>
           </a:bodyPr>
+          <a:lstStyle/>
           <a:p>
             <a:pPr algn="ctr"/>
-            <a:endParaRPr b="0" lang="en-AU" sz="3200" spc="-1" strike="noStrike">
+            <a:endParaRPr lang="en-AU" sz="3200" b="0" strike="noStrike" spc="-1">
               <a:latin typeface="Arial"/>
             </a:endParaRPr>
           </a:p>
@@ -705,11 +832,14 @@
       </p:sp>
     </p:spTree>
   </p:cSld>
+  <p:clrMapOvr>
+    <a:masterClrMapping/>
+  </p:clrMapOvr>
 </p:sldLayout>
 </file>
 
 <file path=ppt/slideLayouts/slideLayout15.xml><?xml version="1.0" encoding="utf-8"?>
-<p:sldLayout xmlns:a="http://schemas.openxmlformats.org/drawingml/2006/main" xmlns:p="http://schemas.openxmlformats.org/presentationml/2006/main" xmlns:r="http://schemas.openxmlformats.org/officeDocument/2006/relationships" xmlns:p14="http://schemas.microsoft.com/office/powerpoint/2010/main" xmlns:p15="http://schemas.microsoft.com/office/powerpoint/2012/main" xmlns:mc="http://schemas.openxmlformats.org/markup-compatibility/2006" type="obj" preserve="1">
+<p:sldLayout xmlns:a="http://schemas.openxmlformats.org/drawingml/2006/main" xmlns:r="http://schemas.openxmlformats.org/officeDocument/2006/relationships" xmlns:p="http://schemas.openxmlformats.org/presentationml/2006/main" type="obj" preserve="1">
   <p:cSld name="Title, Content">
     <p:spTree>
       <p:nvGrpSpPr>
@@ -745,11 +875,12 @@
           </a:prstGeom>
         </p:spPr>
         <p:txBody>
-          <a:bodyPr lIns="0" rIns="0" tIns="0" bIns="0" anchor="ctr">
+          <a:bodyPr lIns="0" tIns="0" rIns="0" bIns="0" anchor="ctr">
             <a:noAutofit/>
           </a:bodyPr>
-          <a:p>
-            <a:endParaRPr b="0" lang="en-US" sz="1800" spc="-1" strike="noStrike">
+          <a:lstStyle/>
+          <a:p>
+            <a:endParaRPr lang="en-US" sz="1800" b="0" strike="noStrike" spc="-1">
               <a:solidFill>
                 <a:srgbClr val="000000"/>
               </a:solidFill>
@@ -778,11 +909,12 @@
           </a:prstGeom>
         </p:spPr>
         <p:txBody>
-          <a:bodyPr lIns="0" rIns="0" tIns="0" bIns="0">
+          <a:bodyPr lIns="0" tIns="0" rIns="0" bIns="0">
             <a:normAutofit/>
           </a:bodyPr>
-          <a:p>
-            <a:endParaRPr b="0" lang="en-US" sz="2800" spc="-1" strike="noStrike">
+          <a:lstStyle/>
+          <a:p>
+            <a:endParaRPr lang="en-US" sz="2800" b="0" strike="noStrike" spc="-1">
               <a:solidFill>
                 <a:srgbClr val="000000"/>
               </a:solidFill>
@@ -793,11 +925,14 @@
       </p:sp>
     </p:spTree>
   </p:cSld>
+  <p:clrMapOvr>
+    <a:masterClrMapping/>
+  </p:clrMapOvr>
 </p:sldLayout>
 </file>
 
 <file path=ppt/slideLayouts/slideLayout16.xml><?xml version="1.0" encoding="utf-8"?>
-<p:sldLayout xmlns:a="http://schemas.openxmlformats.org/drawingml/2006/main" xmlns:p="http://schemas.openxmlformats.org/presentationml/2006/main" xmlns:r="http://schemas.openxmlformats.org/officeDocument/2006/relationships" xmlns:p14="http://schemas.microsoft.com/office/powerpoint/2010/main" xmlns:p15="http://schemas.microsoft.com/office/powerpoint/2012/main" xmlns:mc="http://schemas.openxmlformats.org/markup-compatibility/2006" type="twoObj" preserve="1">
+<p:sldLayout xmlns:a="http://schemas.openxmlformats.org/drawingml/2006/main" xmlns:r="http://schemas.openxmlformats.org/officeDocument/2006/relationships" xmlns:p="http://schemas.openxmlformats.org/presentationml/2006/main" type="twoObj" preserve="1">
   <p:cSld name="Title, 2 Content">
     <p:spTree>
       <p:nvGrpSpPr>
@@ -833,11 +968,12 @@
           </a:prstGeom>
         </p:spPr>
         <p:txBody>
-          <a:bodyPr lIns="0" rIns="0" tIns="0" bIns="0" anchor="ctr">
+          <a:bodyPr lIns="0" tIns="0" rIns="0" bIns="0" anchor="ctr">
             <a:noAutofit/>
           </a:bodyPr>
-          <a:p>
-            <a:endParaRPr b="0" lang="en-US" sz="1800" spc="-1" strike="noStrike">
+          <a:lstStyle/>
+          <a:p>
+            <a:endParaRPr lang="en-US" sz="1800" b="0" strike="noStrike" spc="-1">
               <a:solidFill>
                 <a:srgbClr val="000000"/>
               </a:solidFill>
@@ -866,11 +1002,12 @@
           </a:prstGeom>
         </p:spPr>
         <p:txBody>
-          <a:bodyPr lIns="0" rIns="0" tIns="0" bIns="0">
+          <a:bodyPr lIns="0" tIns="0" rIns="0" bIns="0">
             <a:normAutofit/>
           </a:bodyPr>
-          <a:p>
-            <a:endParaRPr b="0" lang="en-US" sz="2800" spc="-1" strike="noStrike">
+          <a:lstStyle/>
+          <a:p>
+            <a:endParaRPr lang="en-US" sz="2800" b="0" strike="noStrike" spc="-1">
               <a:solidFill>
                 <a:srgbClr val="000000"/>
               </a:solidFill>
@@ -899,11 +1036,12 @@
           </a:prstGeom>
         </p:spPr>
         <p:txBody>
-          <a:bodyPr lIns="0" rIns="0" tIns="0" bIns="0">
+          <a:bodyPr lIns="0" tIns="0" rIns="0" bIns="0">
             <a:normAutofit/>
           </a:bodyPr>
-          <a:p>
-            <a:endParaRPr b="0" lang="en-US" sz="2800" spc="-1" strike="noStrike">
+          <a:lstStyle/>
+          <a:p>
+            <a:endParaRPr lang="en-US" sz="2800" b="0" strike="noStrike" spc="-1">
               <a:solidFill>
                 <a:srgbClr val="000000"/>
               </a:solidFill>
@@ -914,11 +1052,14 @@
       </p:sp>
     </p:spTree>
   </p:cSld>
+  <p:clrMapOvr>
+    <a:masterClrMapping/>
+  </p:clrMapOvr>
 </p:sldLayout>
 </file>
 
 <file path=ppt/slideLayouts/slideLayout17.xml><?xml version="1.0" encoding="utf-8"?>
-<p:sldLayout xmlns:a="http://schemas.openxmlformats.org/drawingml/2006/main" xmlns:p="http://schemas.openxmlformats.org/presentationml/2006/main" xmlns:r="http://schemas.openxmlformats.org/officeDocument/2006/relationships" xmlns:p14="http://schemas.microsoft.com/office/powerpoint/2010/main" xmlns:p15="http://schemas.microsoft.com/office/powerpoint/2012/main" xmlns:mc="http://schemas.openxmlformats.org/markup-compatibility/2006" type="titleOnly" preserve="1">
+<p:sldLayout xmlns:a="http://schemas.openxmlformats.org/drawingml/2006/main" xmlns:r="http://schemas.openxmlformats.org/officeDocument/2006/relationships" xmlns:p="http://schemas.openxmlformats.org/presentationml/2006/main" type="titleOnly" preserve="1">
   <p:cSld name="Title Only">
     <p:spTree>
       <p:nvGrpSpPr>
@@ -954,11 +1095,12 @@
           </a:prstGeom>
         </p:spPr>
         <p:txBody>
-          <a:bodyPr lIns="0" rIns="0" tIns="0" bIns="0" anchor="ctr">
+          <a:bodyPr lIns="0" tIns="0" rIns="0" bIns="0" anchor="ctr">
             <a:noAutofit/>
           </a:bodyPr>
-          <a:p>
-            <a:endParaRPr b="0" lang="en-US" sz="1800" spc="-1" strike="noStrike">
+          <a:lstStyle/>
+          <a:p>
+            <a:endParaRPr lang="en-US" sz="1800" b="0" strike="noStrike" spc="-1">
               <a:solidFill>
                 <a:srgbClr val="000000"/>
               </a:solidFill>
@@ -969,11 +1111,14 @@
       </p:sp>
     </p:spTree>
   </p:cSld>
+  <p:clrMapOvr>
+    <a:masterClrMapping/>
+  </p:clrMapOvr>
 </p:sldLayout>
 </file>
 
 <file path=ppt/slideLayouts/slideLayout18.xml><?xml version="1.0" encoding="utf-8"?>
-<p:sldLayout xmlns:a="http://schemas.openxmlformats.org/drawingml/2006/main" xmlns:p="http://schemas.openxmlformats.org/presentationml/2006/main" xmlns:r="http://schemas.openxmlformats.org/officeDocument/2006/relationships" xmlns:p14="http://schemas.microsoft.com/office/powerpoint/2010/main" xmlns:p15="http://schemas.microsoft.com/office/powerpoint/2012/main" xmlns:mc="http://schemas.openxmlformats.org/markup-compatibility/2006" type="objOnly" preserve="1">
+<p:sldLayout xmlns:a="http://schemas.openxmlformats.org/drawingml/2006/main" xmlns:r="http://schemas.openxmlformats.org/officeDocument/2006/relationships" xmlns:p="http://schemas.openxmlformats.org/presentationml/2006/main" type="objOnly" preserve="1">
   <p:cSld name="Centered Text">
     <p:spTree>
       <p:nvGrpSpPr>
@@ -1009,12 +1154,13 @@
           </a:prstGeom>
         </p:spPr>
         <p:txBody>
-          <a:bodyPr lIns="0" rIns="0" tIns="0" bIns="0" anchor="ctr">
+          <a:bodyPr lIns="0" tIns="0" rIns="0" bIns="0" anchor="ctr">
             <a:noAutofit/>
           </a:bodyPr>
+          <a:lstStyle/>
           <a:p>
             <a:pPr algn="ctr"/>
-            <a:endParaRPr b="0" lang="en-AU" sz="3200" spc="-1" strike="noStrike">
+            <a:endParaRPr lang="en-AU" sz="3200" b="0" strike="noStrike" spc="-1">
               <a:latin typeface="Arial"/>
             </a:endParaRPr>
           </a:p>
@@ -1022,11 +1168,14 @@
       </p:sp>
     </p:spTree>
   </p:cSld>
+  <p:clrMapOvr>
+    <a:masterClrMapping/>
+  </p:clrMapOvr>
 </p:sldLayout>
 </file>
 
 <file path=ppt/slideLayouts/slideLayout19.xml><?xml version="1.0" encoding="utf-8"?>
-<p:sldLayout xmlns:a="http://schemas.openxmlformats.org/drawingml/2006/main" xmlns:p="http://schemas.openxmlformats.org/presentationml/2006/main" xmlns:r="http://schemas.openxmlformats.org/officeDocument/2006/relationships" xmlns:p14="http://schemas.microsoft.com/office/powerpoint/2010/main" xmlns:p15="http://schemas.microsoft.com/office/powerpoint/2012/main" xmlns:mc="http://schemas.openxmlformats.org/markup-compatibility/2006" type="twoObjAndObj" preserve="1">
+<p:sldLayout xmlns:a="http://schemas.openxmlformats.org/drawingml/2006/main" xmlns:r="http://schemas.openxmlformats.org/officeDocument/2006/relationships" xmlns:p="http://schemas.openxmlformats.org/presentationml/2006/main" type="twoObjAndObj" preserve="1">
   <p:cSld name="Title, 2 Content and Content">
     <p:spTree>
       <p:nvGrpSpPr>
@@ -1062,11 +1211,12 @@
           </a:prstGeom>
         </p:spPr>
         <p:txBody>
-          <a:bodyPr lIns="0" rIns="0" tIns="0" bIns="0" anchor="ctr">
+          <a:bodyPr lIns="0" tIns="0" rIns="0" bIns="0" anchor="ctr">
             <a:noAutofit/>
           </a:bodyPr>
-          <a:p>
-            <a:endParaRPr b="0" lang="en-US" sz="1800" spc="-1" strike="noStrike">
+          <a:lstStyle/>
+          <a:p>
+            <a:endParaRPr lang="en-US" sz="1800" b="0" strike="noStrike" spc="-1">
               <a:solidFill>
                 <a:srgbClr val="000000"/>
               </a:solidFill>
@@ -1095,11 +1245,12 @@
           </a:prstGeom>
         </p:spPr>
         <p:txBody>
-          <a:bodyPr lIns="0" rIns="0" tIns="0" bIns="0">
+          <a:bodyPr lIns="0" tIns="0" rIns="0" bIns="0">
             <a:normAutofit/>
           </a:bodyPr>
-          <a:p>
-            <a:endParaRPr b="0" lang="en-US" sz="2800" spc="-1" strike="noStrike">
+          <a:lstStyle/>
+          <a:p>
+            <a:endParaRPr lang="en-US" sz="2800" b="0" strike="noStrike" spc="-1">
               <a:solidFill>
                 <a:srgbClr val="000000"/>
               </a:solidFill>
@@ -1128,11 +1279,12 @@
           </a:prstGeom>
         </p:spPr>
         <p:txBody>
-          <a:bodyPr lIns="0" rIns="0" tIns="0" bIns="0">
+          <a:bodyPr lIns="0" tIns="0" rIns="0" bIns="0">
             <a:normAutofit/>
           </a:bodyPr>
-          <a:p>
-            <a:endParaRPr b="0" lang="en-US" sz="2800" spc="-1" strike="noStrike">
+          <a:lstStyle/>
+          <a:p>
+            <a:endParaRPr lang="en-US" sz="2800" b="0" strike="noStrike" spc="-1">
               <a:solidFill>
                 <a:srgbClr val="000000"/>
               </a:solidFill>
@@ -1161,11 +1313,12 @@
           </a:prstGeom>
         </p:spPr>
         <p:txBody>
-          <a:bodyPr lIns="0" rIns="0" tIns="0" bIns="0">
+          <a:bodyPr lIns="0" tIns="0" rIns="0" bIns="0">
             <a:normAutofit/>
           </a:bodyPr>
-          <a:p>
-            <a:endParaRPr b="0" lang="en-US" sz="2800" spc="-1" strike="noStrike">
+          <a:lstStyle/>
+          <a:p>
+            <a:endParaRPr lang="en-US" sz="2800" b="0" strike="noStrike" spc="-1">
               <a:solidFill>
                 <a:srgbClr val="000000"/>
               </a:solidFill>
@@ -1176,11 +1329,14 @@
       </p:sp>
     </p:spTree>
   </p:cSld>
+  <p:clrMapOvr>
+    <a:masterClrMapping/>
+  </p:clrMapOvr>
 </p:sldLayout>
 </file>
 
 <file path=ppt/slideLayouts/slideLayout2.xml><?xml version="1.0" encoding="utf-8"?>
-<p:sldLayout xmlns:a="http://schemas.openxmlformats.org/drawingml/2006/main" xmlns:p="http://schemas.openxmlformats.org/presentationml/2006/main" xmlns:r="http://schemas.openxmlformats.org/officeDocument/2006/relationships" xmlns:p14="http://schemas.microsoft.com/office/powerpoint/2010/main" xmlns:p15="http://schemas.microsoft.com/office/powerpoint/2012/main" xmlns:mc="http://schemas.openxmlformats.org/markup-compatibility/2006" type="tx" preserve="1">
+<p:sldLayout xmlns:a="http://schemas.openxmlformats.org/drawingml/2006/main" xmlns:r="http://schemas.openxmlformats.org/officeDocument/2006/relationships" xmlns:p="http://schemas.openxmlformats.org/presentationml/2006/main" type="tx" preserve="1">
   <p:cSld name="Title Slide">
     <p:spTree>
       <p:nvGrpSpPr>
@@ -1216,11 +1372,12 @@
           </a:prstGeom>
         </p:spPr>
         <p:txBody>
-          <a:bodyPr lIns="0" rIns="0" tIns="0" bIns="0" anchor="ctr">
+          <a:bodyPr lIns="0" tIns="0" rIns="0" bIns="0" anchor="ctr">
             <a:noAutofit/>
           </a:bodyPr>
-          <a:p>
-            <a:endParaRPr b="0" lang="en-US" sz="1800" spc="-1" strike="noStrike">
+          <a:lstStyle/>
+          <a:p>
+            <a:endParaRPr lang="en-US" sz="1800" b="0" strike="noStrike" spc="-1">
               <a:solidFill>
                 <a:srgbClr val="000000"/>
               </a:solidFill>
@@ -1249,12 +1406,13 @@
           </a:prstGeom>
         </p:spPr>
         <p:txBody>
-          <a:bodyPr lIns="0" rIns="0" tIns="0" bIns="0" anchor="ctr">
+          <a:bodyPr lIns="0" tIns="0" rIns="0" bIns="0" anchor="ctr">
             <a:noAutofit/>
           </a:bodyPr>
+          <a:lstStyle/>
           <a:p>
             <a:pPr algn="ctr"/>
-            <a:endParaRPr b="0" lang="en-AU" sz="3200" spc="-1" strike="noStrike">
+            <a:endParaRPr lang="en-AU" sz="3200" b="0" strike="noStrike" spc="-1">
               <a:latin typeface="Arial"/>
             </a:endParaRPr>
           </a:p>
@@ -1262,11 +1420,14 @@
       </p:sp>
     </p:spTree>
   </p:cSld>
+  <p:clrMapOvr>
+    <a:masterClrMapping/>
+  </p:clrMapOvr>
 </p:sldLayout>
 </file>
 
 <file path=ppt/slideLayouts/slideLayout20.xml><?xml version="1.0" encoding="utf-8"?>
-<p:sldLayout xmlns:a="http://schemas.openxmlformats.org/drawingml/2006/main" xmlns:p="http://schemas.openxmlformats.org/presentationml/2006/main" xmlns:r="http://schemas.openxmlformats.org/officeDocument/2006/relationships" xmlns:p14="http://schemas.microsoft.com/office/powerpoint/2010/main" xmlns:p15="http://schemas.microsoft.com/office/powerpoint/2012/main" xmlns:mc="http://schemas.openxmlformats.org/markup-compatibility/2006" type="objAndTwoObj" preserve="1">
+<p:sldLayout xmlns:a="http://schemas.openxmlformats.org/drawingml/2006/main" xmlns:r="http://schemas.openxmlformats.org/officeDocument/2006/relationships" xmlns:p="http://schemas.openxmlformats.org/presentationml/2006/main" type="objAndTwoObj" preserve="1">
   <p:cSld name="Title Content and 2 Content">
     <p:spTree>
       <p:nvGrpSpPr>
@@ -1302,11 +1463,12 @@
           </a:prstGeom>
         </p:spPr>
         <p:txBody>
-          <a:bodyPr lIns="0" rIns="0" tIns="0" bIns="0" anchor="ctr">
+          <a:bodyPr lIns="0" tIns="0" rIns="0" bIns="0" anchor="ctr">
             <a:noAutofit/>
           </a:bodyPr>
-          <a:p>
-            <a:endParaRPr b="0" lang="en-US" sz="1800" spc="-1" strike="noStrike">
+          <a:lstStyle/>
+          <a:p>
+            <a:endParaRPr lang="en-US" sz="1800" b="0" strike="noStrike" spc="-1">
               <a:solidFill>
                 <a:srgbClr val="000000"/>
               </a:solidFill>
@@ -1335,11 +1497,12 @@
           </a:prstGeom>
         </p:spPr>
         <p:txBody>
-          <a:bodyPr lIns="0" rIns="0" tIns="0" bIns="0">
+          <a:bodyPr lIns="0" tIns="0" rIns="0" bIns="0">
             <a:normAutofit/>
           </a:bodyPr>
-          <a:p>
-            <a:endParaRPr b="0" lang="en-US" sz="2800" spc="-1" strike="noStrike">
+          <a:lstStyle/>
+          <a:p>
+            <a:endParaRPr lang="en-US" sz="2800" b="0" strike="noStrike" spc="-1">
               <a:solidFill>
                 <a:srgbClr val="000000"/>
               </a:solidFill>
@@ -1368,11 +1531,12 @@
           </a:prstGeom>
         </p:spPr>
         <p:txBody>
-          <a:bodyPr lIns="0" rIns="0" tIns="0" bIns="0">
+          <a:bodyPr lIns="0" tIns="0" rIns="0" bIns="0">
             <a:normAutofit/>
           </a:bodyPr>
-          <a:p>
-            <a:endParaRPr b="0" lang="en-US" sz="2800" spc="-1" strike="noStrike">
+          <a:lstStyle/>
+          <a:p>
+            <a:endParaRPr lang="en-US" sz="2800" b="0" strike="noStrike" spc="-1">
               <a:solidFill>
                 <a:srgbClr val="000000"/>
               </a:solidFill>
@@ -1401,11 +1565,12 @@
           </a:prstGeom>
         </p:spPr>
         <p:txBody>
-          <a:bodyPr lIns="0" rIns="0" tIns="0" bIns="0">
+          <a:bodyPr lIns="0" tIns="0" rIns="0" bIns="0">
             <a:normAutofit/>
           </a:bodyPr>
-          <a:p>
-            <a:endParaRPr b="0" lang="en-US" sz="2800" spc="-1" strike="noStrike">
+          <a:lstStyle/>
+          <a:p>
+            <a:endParaRPr lang="en-US" sz="2800" b="0" strike="noStrike" spc="-1">
               <a:solidFill>
                 <a:srgbClr val="000000"/>
               </a:solidFill>
@@ -1416,11 +1581,14 @@
       </p:sp>
     </p:spTree>
   </p:cSld>
+  <p:clrMapOvr>
+    <a:masterClrMapping/>
+  </p:clrMapOvr>
 </p:sldLayout>
 </file>
 
 <file path=ppt/slideLayouts/slideLayout21.xml><?xml version="1.0" encoding="utf-8"?>
-<p:sldLayout xmlns:a="http://schemas.openxmlformats.org/drawingml/2006/main" xmlns:p="http://schemas.openxmlformats.org/presentationml/2006/main" xmlns:r="http://schemas.openxmlformats.org/officeDocument/2006/relationships" xmlns:p14="http://schemas.microsoft.com/office/powerpoint/2010/main" xmlns:p15="http://schemas.microsoft.com/office/powerpoint/2012/main" xmlns:mc="http://schemas.openxmlformats.org/markup-compatibility/2006" type="twoObjOverTx" preserve="1">
+<p:sldLayout xmlns:a="http://schemas.openxmlformats.org/drawingml/2006/main" xmlns:r="http://schemas.openxmlformats.org/officeDocument/2006/relationships" xmlns:p="http://schemas.openxmlformats.org/presentationml/2006/main" type="twoObjOverTx" preserve="1">
   <p:cSld name="Title, 2 Content over Content">
     <p:spTree>
       <p:nvGrpSpPr>
@@ -1456,11 +1624,12 @@
           </a:prstGeom>
         </p:spPr>
         <p:txBody>
-          <a:bodyPr lIns="0" rIns="0" tIns="0" bIns="0" anchor="ctr">
+          <a:bodyPr lIns="0" tIns="0" rIns="0" bIns="0" anchor="ctr">
             <a:noAutofit/>
           </a:bodyPr>
-          <a:p>
-            <a:endParaRPr b="0" lang="en-US" sz="1800" spc="-1" strike="noStrike">
+          <a:lstStyle/>
+          <a:p>
+            <a:endParaRPr lang="en-US" sz="1800" b="0" strike="noStrike" spc="-1">
               <a:solidFill>
                 <a:srgbClr val="000000"/>
               </a:solidFill>
@@ -1489,11 +1658,12 @@
           </a:prstGeom>
         </p:spPr>
         <p:txBody>
-          <a:bodyPr lIns="0" rIns="0" tIns="0" bIns="0">
+          <a:bodyPr lIns="0" tIns="0" rIns="0" bIns="0">
             <a:normAutofit/>
           </a:bodyPr>
-          <a:p>
-            <a:endParaRPr b="0" lang="en-US" sz="2800" spc="-1" strike="noStrike">
+          <a:lstStyle/>
+          <a:p>
+            <a:endParaRPr lang="en-US" sz="2800" b="0" strike="noStrike" spc="-1">
               <a:solidFill>
                 <a:srgbClr val="000000"/>
               </a:solidFill>
@@ -1522,11 +1692,12 @@
           </a:prstGeom>
         </p:spPr>
         <p:txBody>
-          <a:bodyPr lIns="0" rIns="0" tIns="0" bIns="0">
+          <a:bodyPr lIns="0" tIns="0" rIns="0" bIns="0">
             <a:normAutofit/>
           </a:bodyPr>
-          <a:p>
-            <a:endParaRPr b="0" lang="en-US" sz="2800" spc="-1" strike="noStrike">
+          <a:lstStyle/>
+          <a:p>
+            <a:endParaRPr lang="en-US" sz="2800" b="0" strike="noStrike" spc="-1">
               <a:solidFill>
                 <a:srgbClr val="000000"/>
               </a:solidFill>
@@ -1555,11 +1726,12 @@
           </a:prstGeom>
         </p:spPr>
         <p:txBody>
-          <a:bodyPr lIns="0" rIns="0" tIns="0" bIns="0">
+          <a:bodyPr lIns="0" tIns="0" rIns="0" bIns="0">
             <a:normAutofit/>
           </a:bodyPr>
-          <a:p>
-            <a:endParaRPr b="0" lang="en-US" sz="2800" spc="-1" strike="noStrike">
+          <a:lstStyle/>
+          <a:p>
+            <a:endParaRPr lang="en-US" sz="2800" b="0" strike="noStrike" spc="-1">
               <a:solidFill>
                 <a:srgbClr val="000000"/>
               </a:solidFill>
@@ -1570,11 +1742,14 @@
       </p:sp>
     </p:spTree>
   </p:cSld>
+  <p:clrMapOvr>
+    <a:masterClrMapping/>
+  </p:clrMapOvr>
 </p:sldLayout>
 </file>
 
 <file path=ppt/slideLayouts/slideLayout22.xml><?xml version="1.0" encoding="utf-8"?>
-<p:sldLayout xmlns:a="http://schemas.openxmlformats.org/drawingml/2006/main" xmlns:p="http://schemas.openxmlformats.org/presentationml/2006/main" xmlns:r="http://schemas.openxmlformats.org/officeDocument/2006/relationships" xmlns:p14="http://schemas.microsoft.com/office/powerpoint/2010/main" xmlns:p15="http://schemas.microsoft.com/office/powerpoint/2012/main" xmlns:mc="http://schemas.openxmlformats.org/markup-compatibility/2006" type="objOverTx" preserve="1">
+<p:sldLayout xmlns:a="http://schemas.openxmlformats.org/drawingml/2006/main" xmlns:r="http://schemas.openxmlformats.org/officeDocument/2006/relationships" xmlns:p="http://schemas.openxmlformats.org/presentationml/2006/main" type="objOverTx" preserve="1">
   <p:cSld name="Title, Content over Content">
     <p:spTree>
       <p:nvGrpSpPr>
@@ -1610,11 +1785,12 @@
           </a:prstGeom>
         </p:spPr>
         <p:txBody>
-          <a:bodyPr lIns="0" rIns="0" tIns="0" bIns="0" anchor="ctr">
+          <a:bodyPr lIns="0" tIns="0" rIns="0" bIns="0" anchor="ctr">
             <a:noAutofit/>
           </a:bodyPr>
-          <a:p>
-            <a:endParaRPr b="0" lang="en-US" sz="1800" spc="-1" strike="noStrike">
+          <a:lstStyle/>
+          <a:p>
+            <a:endParaRPr lang="en-US" sz="1800" b="0" strike="noStrike" spc="-1">
               <a:solidFill>
                 <a:srgbClr val="000000"/>
               </a:solidFill>
@@ -1643,11 +1819,12 @@
           </a:prstGeom>
         </p:spPr>
         <p:txBody>
-          <a:bodyPr lIns="0" rIns="0" tIns="0" bIns="0">
+          <a:bodyPr lIns="0" tIns="0" rIns="0" bIns="0">
             <a:normAutofit/>
           </a:bodyPr>
-          <a:p>
-            <a:endParaRPr b="0" lang="en-US" sz="2800" spc="-1" strike="noStrike">
+          <a:lstStyle/>
+          <a:p>
+            <a:endParaRPr lang="en-US" sz="2800" b="0" strike="noStrike" spc="-1">
               <a:solidFill>
                 <a:srgbClr val="000000"/>
               </a:solidFill>
@@ -1676,11 +1853,12 @@
           </a:prstGeom>
         </p:spPr>
         <p:txBody>
-          <a:bodyPr lIns="0" rIns="0" tIns="0" bIns="0">
+          <a:bodyPr lIns="0" tIns="0" rIns="0" bIns="0">
             <a:normAutofit/>
           </a:bodyPr>
-          <a:p>
-            <a:endParaRPr b="0" lang="en-US" sz="2800" spc="-1" strike="noStrike">
+          <a:lstStyle/>
+          <a:p>
+            <a:endParaRPr lang="en-US" sz="2800" b="0" strike="noStrike" spc="-1">
               <a:solidFill>
                 <a:srgbClr val="000000"/>
               </a:solidFill>
@@ -1691,11 +1869,14 @@
       </p:sp>
     </p:spTree>
   </p:cSld>
+  <p:clrMapOvr>
+    <a:masterClrMapping/>
+  </p:clrMapOvr>
 </p:sldLayout>
 </file>
 
 <file path=ppt/slideLayouts/slideLayout23.xml><?xml version="1.0" encoding="utf-8"?>
-<p:sldLayout xmlns:a="http://schemas.openxmlformats.org/drawingml/2006/main" xmlns:p="http://schemas.openxmlformats.org/presentationml/2006/main" xmlns:r="http://schemas.openxmlformats.org/officeDocument/2006/relationships" xmlns:p14="http://schemas.microsoft.com/office/powerpoint/2010/main" xmlns:p15="http://schemas.microsoft.com/office/powerpoint/2012/main" xmlns:mc="http://schemas.openxmlformats.org/markup-compatibility/2006" type="fourObj" preserve="1">
+<p:sldLayout xmlns:a="http://schemas.openxmlformats.org/drawingml/2006/main" xmlns:r="http://schemas.openxmlformats.org/officeDocument/2006/relationships" xmlns:p="http://schemas.openxmlformats.org/presentationml/2006/main" type="fourObj" preserve="1">
   <p:cSld name="Title, 4 Content">
     <p:spTree>
       <p:nvGrpSpPr>
@@ -1731,11 +1912,12 @@
           </a:prstGeom>
         </p:spPr>
         <p:txBody>
-          <a:bodyPr lIns="0" rIns="0" tIns="0" bIns="0" anchor="ctr">
+          <a:bodyPr lIns="0" tIns="0" rIns="0" bIns="0" anchor="ctr">
             <a:noAutofit/>
           </a:bodyPr>
-          <a:p>
-            <a:endParaRPr b="0" lang="en-US" sz="1800" spc="-1" strike="noStrike">
+          <a:lstStyle/>
+          <a:p>
+            <a:endParaRPr lang="en-US" sz="1800" b="0" strike="noStrike" spc="-1">
               <a:solidFill>
                 <a:srgbClr val="000000"/>
               </a:solidFill>
@@ -1764,11 +1946,12 @@
           </a:prstGeom>
         </p:spPr>
         <p:txBody>
-          <a:bodyPr lIns="0" rIns="0" tIns="0" bIns="0">
+          <a:bodyPr lIns="0" tIns="0" rIns="0" bIns="0">
             <a:normAutofit/>
           </a:bodyPr>
-          <a:p>
-            <a:endParaRPr b="0" lang="en-US" sz="2800" spc="-1" strike="noStrike">
+          <a:lstStyle/>
+          <a:p>
+            <a:endParaRPr lang="en-US" sz="2800" b="0" strike="noStrike" spc="-1">
               <a:solidFill>
                 <a:srgbClr val="000000"/>
               </a:solidFill>
@@ -1797,11 +1980,12 @@
           </a:prstGeom>
         </p:spPr>
         <p:txBody>
-          <a:bodyPr lIns="0" rIns="0" tIns="0" bIns="0">
+          <a:bodyPr lIns="0" tIns="0" rIns="0" bIns="0">
             <a:normAutofit/>
           </a:bodyPr>
-          <a:p>
-            <a:endParaRPr b="0" lang="en-US" sz="2800" spc="-1" strike="noStrike">
+          <a:lstStyle/>
+          <a:p>
+            <a:endParaRPr lang="en-US" sz="2800" b="0" strike="noStrike" spc="-1">
               <a:solidFill>
                 <a:srgbClr val="000000"/>
               </a:solidFill>
@@ -1830,11 +2014,12 @@
           </a:prstGeom>
         </p:spPr>
         <p:txBody>
-          <a:bodyPr lIns="0" rIns="0" tIns="0" bIns="0">
+          <a:bodyPr lIns="0" tIns="0" rIns="0" bIns="0">
             <a:normAutofit/>
           </a:bodyPr>
-          <a:p>
-            <a:endParaRPr b="0" lang="en-US" sz="2800" spc="-1" strike="noStrike">
+          <a:lstStyle/>
+          <a:p>
+            <a:endParaRPr lang="en-US" sz="2800" b="0" strike="noStrike" spc="-1">
               <a:solidFill>
                 <a:srgbClr val="000000"/>
               </a:solidFill>
@@ -1863,11 +2048,12 @@
           </a:prstGeom>
         </p:spPr>
         <p:txBody>
-          <a:bodyPr lIns="0" rIns="0" tIns="0" bIns="0">
+          <a:bodyPr lIns="0" tIns="0" rIns="0" bIns="0">
             <a:normAutofit/>
           </a:bodyPr>
-          <a:p>
-            <a:endParaRPr b="0" lang="en-US" sz="2800" spc="-1" strike="noStrike">
+          <a:lstStyle/>
+          <a:p>
+            <a:endParaRPr lang="en-US" sz="2800" b="0" strike="noStrike" spc="-1">
               <a:solidFill>
                 <a:srgbClr val="000000"/>
               </a:solidFill>
@@ -1878,11 +2064,14 @@
       </p:sp>
     </p:spTree>
   </p:cSld>
+  <p:clrMapOvr>
+    <a:masterClrMapping/>
+  </p:clrMapOvr>
 </p:sldLayout>
 </file>
 
 <file path=ppt/slideLayouts/slideLayout24.xml><?xml version="1.0" encoding="utf-8"?>
-<p:sldLayout xmlns:a="http://schemas.openxmlformats.org/drawingml/2006/main" xmlns:p="http://schemas.openxmlformats.org/presentationml/2006/main" xmlns:r="http://schemas.openxmlformats.org/officeDocument/2006/relationships" xmlns:p14="http://schemas.microsoft.com/office/powerpoint/2010/main" xmlns:p15="http://schemas.microsoft.com/office/powerpoint/2012/main" xmlns:mc="http://schemas.openxmlformats.org/markup-compatibility/2006" type="blank" preserve="1">
+<p:sldLayout xmlns:a="http://schemas.openxmlformats.org/drawingml/2006/main" xmlns:r="http://schemas.openxmlformats.org/officeDocument/2006/relationships" xmlns:p="http://schemas.openxmlformats.org/presentationml/2006/main" type="blank" preserve="1">
   <p:cSld name="Title, 6 Content">
     <p:spTree>
       <p:nvGrpSpPr>
@@ -1918,11 +2107,12 @@
           </a:prstGeom>
         </p:spPr>
         <p:txBody>
-          <a:bodyPr lIns="0" rIns="0" tIns="0" bIns="0" anchor="ctr">
+          <a:bodyPr lIns="0" tIns="0" rIns="0" bIns="0" anchor="ctr">
             <a:noAutofit/>
           </a:bodyPr>
-          <a:p>
-            <a:endParaRPr b="0" lang="en-US" sz="1800" spc="-1" strike="noStrike">
+          <a:lstStyle/>
+          <a:p>
+            <a:endParaRPr lang="en-US" sz="1800" b="0" strike="noStrike" spc="-1">
               <a:solidFill>
                 <a:srgbClr val="000000"/>
               </a:solidFill>
@@ -1951,11 +2141,12 @@
           </a:prstGeom>
         </p:spPr>
         <p:txBody>
-          <a:bodyPr lIns="0" rIns="0" tIns="0" bIns="0">
+          <a:bodyPr lIns="0" tIns="0" rIns="0" bIns="0">
             <a:normAutofit/>
           </a:bodyPr>
-          <a:p>
-            <a:endParaRPr b="0" lang="en-US" sz="2800" spc="-1" strike="noStrike">
+          <a:lstStyle/>
+          <a:p>
+            <a:endParaRPr lang="en-US" sz="2800" b="0" strike="noStrike" spc="-1">
               <a:solidFill>
                 <a:srgbClr val="000000"/>
               </a:solidFill>
@@ -1984,11 +2175,12 @@
           </a:prstGeom>
         </p:spPr>
         <p:txBody>
-          <a:bodyPr lIns="0" rIns="0" tIns="0" bIns="0">
+          <a:bodyPr lIns="0" tIns="0" rIns="0" bIns="0">
             <a:normAutofit/>
           </a:bodyPr>
-          <a:p>
-            <a:endParaRPr b="0" lang="en-US" sz="2800" spc="-1" strike="noStrike">
+          <a:lstStyle/>
+          <a:p>
+            <a:endParaRPr lang="en-US" sz="2800" b="0" strike="noStrike" spc="-1">
               <a:solidFill>
                 <a:srgbClr val="000000"/>
               </a:solidFill>
@@ -2017,11 +2209,12 @@
           </a:prstGeom>
         </p:spPr>
         <p:txBody>
-          <a:bodyPr lIns="0" rIns="0" tIns="0" bIns="0">
+          <a:bodyPr lIns="0" tIns="0" rIns="0" bIns="0">
             <a:normAutofit/>
           </a:bodyPr>
-          <a:p>
-            <a:endParaRPr b="0" lang="en-US" sz="2800" spc="-1" strike="noStrike">
+          <a:lstStyle/>
+          <a:p>
+            <a:endParaRPr lang="en-US" sz="2800" b="0" strike="noStrike" spc="-1">
               <a:solidFill>
                 <a:srgbClr val="000000"/>
               </a:solidFill>
@@ -2050,11 +2243,12 @@
           </a:prstGeom>
         </p:spPr>
         <p:txBody>
-          <a:bodyPr lIns="0" rIns="0" tIns="0" bIns="0">
+          <a:bodyPr lIns="0" tIns="0" rIns="0" bIns="0">
             <a:normAutofit/>
           </a:bodyPr>
-          <a:p>
-            <a:endParaRPr b="0" lang="en-US" sz="2800" spc="-1" strike="noStrike">
+          <a:lstStyle/>
+          <a:p>
+            <a:endParaRPr lang="en-US" sz="2800" b="0" strike="noStrike" spc="-1">
               <a:solidFill>
                 <a:srgbClr val="000000"/>
               </a:solidFill>
@@ -2083,11 +2277,12 @@
           </a:prstGeom>
         </p:spPr>
         <p:txBody>
-          <a:bodyPr lIns="0" rIns="0" tIns="0" bIns="0">
+          <a:bodyPr lIns="0" tIns="0" rIns="0" bIns="0">
             <a:normAutofit/>
           </a:bodyPr>
-          <a:p>
-            <a:endParaRPr b="0" lang="en-US" sz="2800" spc="-1" strike="noStrike">
+          <a:lstStyle/>
+          <a:p>
+            <a:endParaRPr lang="en-US" sz="2800" b="0" strike="noStrike" spc="-1">
               <a:solidFill>
                 <a:srgbClr val="000000"/>
               </a:solidFill>
@@ -2116,11 +2311,12 @@
           </a:prstGeom>
         </p:spPr>
         <p:txBody>
-          <a:bodyPr lIns="0" rIns="0" tIns="0" bIns="0">
+          <a:bodyPr lIns="0" tIns="0" rIns="0" bIns="0">
             <a:normAutofit/>
           </a:bodyPr>
-          <a:p>
-            <a:endParaRPr b="0" lang="en-US" sz="2800" spc="-1" strike="noStrike">
+          <a:lstStyle/>
+          <a:p>
+            <a:endParaRPr lang="en-US" sz="2800" b="0" strike="noStrike" spc="-1">
               <a:solidFill>
                 <a:srgbClr val="000000"/>
               </a:solidFill>
@@ -2131,11 +2327,14 @@
       </p:sp>
     </p:spTree>
   </p:cSld>
+  <p:clrMapOvr>
+    <a:masterClrMapping/>
+  </p:clrMapOvr>
 </p:sldLayout>
 </file>
 
 <file path=ppt/slideLayouts/slideLayout3.xml><?xml version="1.0" encoding="utf-8"?>
-<p:sldLayout xmlns:a="http://schemas.openxmlformats.org/drawingml/2006/main" xmlns:p="http://schemas.openxmlformats.org/presentationml/2006/main" xmlns:r="http://schemas.openxmlformats.org/officeDocument/2006/relationships" xmlns:p14="http://schemas.microsoft.com/office/powerpoint/2010/main" xmlns:p15="http://schemas.microsoft.com/office/powerpoint/2012/main" xmlns:mc="http://schemas.openxmlformats.org/markup-compatibility/2006" type="obj" preserve="1">
+<p:sldLayout xmlns:a="http://schemas.openxmlformats.org/drawingml/2006/main" xmlns:r="http://schemas.openxmlformats.org/officeDocument/2006/relationships" xmlns:p="http://schemas.openxmlformats.org/presentationml/2006/main" type="obj" preserve="1">
   <p:cSld name="Title, Content">
     <p:spTree>
       <p:nvGrpSpPr>
@@ -2171,11 +2370,12 @@
           </a:prstGeom>
         </p:spPr>
         <p:txBody>
-          <a:bodyPr lIns="0" rIns="0" tIns="0" bIns="0" anchor="ctr">
+          <a:bodyPr lIns="0" tIns="0" rIns="0" bIns="0" anchor="ctr">
             <a:noAutofit/>
           </a:bodyPr>
-          <a:p>
-            <a:endParaRPr b="0" lang="en-US" sz="1800" spc="-1" strike="noStrike">
+          <a:lstStyle/>
+          <a:p>
+            <a:endParaRPr lang="en-US" sz="1800" b="0" strike="noStrike" spc="-1">
               <a:solidFill>
                 <a:srgbClr val="000000"/>
               </a:solidFill>
@@ -2204,11 +2404,12 @@
           </a:prstGeom>
         </p:spPr>
         <p:txBody>
-          <a:bodyPr lIns="0" rIns="0" tIns="0" bIns="0">
+          <a:bodyPr lIns="0" tIns="0" rIns="0" bIns="0">
             <a:normAutofit/>
           </a:bodyPr>
-          <a:p>
-            <a:endParaRPr b="0" lang="en-US" sz="2800" spc="-1" strike="noStrike">
+          <a:lstStyle/>
+          <a:p>
+            <a:endParaRPr lang="en-US" sz="2800" b="0" strike="noStrike" spc="-1">
               <a:solidFill>
                 <a:srgbClr val="000000"/>
               </a:solidFill>
@@ -2219,11 +2420,14 @@
       </p:sp>
     </p:spTree>
   </p:cSld>
+  <p:clrMapOvr>
+    <a:masterClrMapping/>
+  </p:clrMapOvr>
 </p:sldLayout>
 </file>
 
 <file path=ppt/slideLayouts/slideLayout4.xml><?xml version="1.0" encoding="utf-8"?>
-<p:sldLayout xmlns:a="http://schemas.openxmlformats.org/drawingml/2006/main" xmlns:p="http://schemas.openxmlformats.org/presentationml/2006/main" xmlns:r="http://schemas.openxmlformats.org/officeDocument/2006/relationships" xmlns:p14="http://schemas.microsoft.com/office/powerpoint/2010/main" xmlns:p15="http://schemas.microsoft.com/office/powerpoint/2012/main" xmlns:mc="http://schemas.openxmlformats.org/markup-compatibility/2006" type="twoObj" preserve="1">
+<p:sldLayout xmlns:a="http://schemas.openxmlformats.org/drawingml/2006/main" xmlns:r="http://schemas.openxmlformats.org/officeDocument/2006/relationships" xmlns:p="http://schemas.openxmlformats.org/presentationml/2006/main" type="twoObj" preserve="1">
   <p:cSld name="Title, 2 Content">
     <p:spTree>
       <p:nvGrpSpPr>
@@ -2259,11 +2463,12 @@
           </a:prstGeom>
         </p:spPr>
         <p:txBody>
-          <a:bodyPr lIns="0" rIns="0" tIns="0" bIns="0" anchor="ctr">
+          <a:bodyPr lIns="0" tIns="0" rIns="0" bIns="0" anchor="ctr">
             <a:noAutofit/>
           </a:bodyPr>
-          <a:p>
-            <a:endParaRPr b="0" lang="en-US" sz="1800" spc="-1" strike="noStrike">
+          <a:lstStyle/>
+          <a:p>
+            <a:endParaRPr lang="en-US" sz="1800" b="0" strike="noStrike" spc="-1">
               <a:solidFill>
                 <a:srgbClr val="000000"/>
               </a:solidFill>
@@ -2292,11 +2497,12 @@
           </a:prstGeom>
         </p:spPr>
         <p:txBody>
-          <a:bodyPr lIns="0" rIns="0" tIns="0" bIns="0">
+          <a:bodyPr lIns="0" tIns="0" rIns="0" bIns="0">
             <a:normAutofit/>
           </a:bodyPr>
-          <a:p>
-            <a:endParaRPr b="0" lang="en-US" sz="2800" spc="-1" strike="noStrike">
+          <a:lstStyle/>
+          <a:p>
+            <a:endParaRPr lang="en-US" sz="2800" b="0" strike="noStrike" spc="-1">
               <a:solidFill>
                 <a:srgbClr val="000000"/>
               </a:solidFill>
@@ -2325,11 +2531,12 @@
           </a:prstGeom>
         </p:spPr>
         <p:txBody>
-          <a:bodyPr lIns="0" rIns="0" tIns="0" bIns="0">
+          <a:bodyPr lIns="0" tIns="0" rIns="0" bIns="0">
             <a:normAutofit/>
           </a:bodyPr>
-          <a:p>
-            <a:endParaRPr b="0" lang="en-US" sz="2800" spc="-1" strike="noStrike">
+          <a:lstStyle/>
+          <a:p>
+            <a:endParaRPr lang="en-US" sz="2800" b="0" strike="noStrike" spc="-1">
               <a:solidFill>
                 <a:srgbClr val="000000"/>
               </a:solidFill>
@@ -2340,11 +2547,14 @@
       </p:sp>
     </p:spTree>
   </p:cSld>
+  <p:clrMapOvr>
+    <a:masterClrMapping/>
+  </p:clrMapOvr>
 </p:sldLayout>
 </file>
 
 <file path=ppt/slideLayouts/slideLayout5.xml><?xml version="1.0" encoding="utf-8"?>
-<p:sldLayout xmlns:a="http://schemas.openxmlformats.org/drawingml/2006/main" xmlns:p="http://schemas.openxmlformats.org/presentationml/2006/main" xmlns:r="http://schemas.openxmlformats.org/officeDocument/2006/relationships" xmlns:p14="http://schemas.microsoft.com/office/powerpoint/2010/main" xmlns:p15="http://schemas.microsoft.com/office/powerpoint/2012/main" xmlns:mc="http://schemas.openxmlformats.org/markup-compatibility/2006" type="titleOnly" preserve="1">
+<p:sldLayout xmlns:a="http://schemas.openxmlformats.org/drawingml/2006/main" xmlns:r="http://schemas.openxmlformats.org/officeDocument/2006/relationships" xmlns:p="http://schemas.openxmlformats.org/presentationml/2006/main" type="titleOnly" preserve="1">
   <p:cSld name="Title Only">
     <p:spTree>
       <p:nvGrpSpPr>
@@ -2380,11 +2590,12 @@
           </a:prstGeom>
         </p:spPr>
         <p:txBody>
-          <a:bodyPr lIns="0" rIns="0" tIns="0" bIns="0" anchor="ctr">
+          <a:bodyPr lIns="0" tIns="0" rIns="0" bIns="0" anchor="ctr">
             <a:noAutofit/>
           </a:bodyPr>
-          <a:p>
-            <a:endParaRPr b="0" lang="en-US" sz="1800" spc="-1" strike="noStrike">
+          <a:lstStyle/>
+          <a:p>
+            <a:endParaRPr lang="en-US" sz="1800" b="0" strike="noStrike" spc="-1">
               <a:solidFill>
                 <a:srgbClr val="000000"/>
               </a:solidFill>
@@ -2395,11 +2606,14 @@
       </p:sp>
     </p:spTree>
   </p:cSld>
+  <p:clrMapOvr>
+    <a:masterClrMapping/>
+  </p:clrMapOvr>
 </p:sldLayout>
 </file>
 
 <file path=ppt/slideLayouts/slideLayout6.xml><?xml version="1.0" encoding="utf-8"?>
-<p:sldLayout xmlns:a="http://schemas.openxmlformats.org/drawingml/2006/main" xmlns:p="http://schemas.openxmlformats.org/presentationml/2006/main" xmlns:r="http://schemas.openxmlformats.org/officeDocument/2006/relationships" xmlns:p14="http://schemas.microsoft.com/office/powerpoint/2010/main" xmlns:p15="http://schemas.microsoft.com/office/powerpoint/2012/main" xmlns:mc="http://schemas.openxmlformats.org/markup-compatibility/2006" type="objOnly" preserve="1">
+<p:sldLayout xmlns:a="http://schemas.openxmlformats.org/drawingml/2006/main" xmlns:r="http://schemas.openxmlformats.org/officeDocument/2006/relationships" xmlns:p="http://schemas.openxmlformats.org/presentationml/2006/main" type="objOnly" preserve="1">
   <p:cSld name="Centered Text">
     <p:spTree>
       <p:nvGrpSpPr>
@@ -2435,12 +2649,13 @@
           </a:prstGeom>
         </p:spPr>
         <p:txBody>
-          <a:bodyPr lIns="0" rIns="0" tIns="0" bIns="0" anchor="ctr">
+          <a:bodyPr lIns="0" tIns="0" rIns="0" bIns="0" anchor="ctr">
             <a:noAutofit/>
           </a:bodyPr>
+          <a:lstStyle/>
           <a:p>
             <a:pPr algn="ctr"/>
-            <a:endParaRPr b="0" lang="en-AU" sz="3200" spc="-1" strike="noStrike">
+            <a:endParaRPr lang="en-AU" sz="3200" b="0" strike="noStrike" spc="-1">
               <a:latin typeface="Arial"/>
             </a:endParaRPr>
           </a:p>
@@ -2448,11 +2663,14 @@
       </p:sp>
     </p:spTree>
   </p:cSld>
+  <p:clrMapOvr>
+    <a:masterClrMapping/>
+  </p:clrMapOvr>
 </p:sldLayout>
 </file>
 
 <file path=ppt/slideLayouts/slideLayout7.xml><?xml version="1.0" encoding="utf-8"?>
-<p:sldLayout xmlns:a="http://schemas.openxmlformats.org/drawingml/2006/main" xmlns:p="http://schemas.openxmlformats.org/presentationml/2006/main" xmlns:r="http://schemas.openxmlformats.org/officeDocument/2006/relationships" xmlns:p14="http://schemas.microsoft.com/office/powerpoint/2010/main" xmlns:p15="http://schemas.microsoft.com/office/powerpoint/2012/main" xmlns:mc="http://schemas.openxmlformats.org/markup-compatibility/2006" type="twoObjAndObj" preserve="1">
+<p:sldLayout xmlns:a="http://schemas.openxmlformats.org/drawingml/2006/main" xmlns:r="http://schemas.openxmlformats.org/officeDocument/2006/relationships" xmlns:p="http://schemas.openxmlformats.org/presentationml/2006/main" type="twoObjAndObj" preserve="1">
   <p:cSld name="Title, 2 Content and Content">
     <p:spTree>
       <p:nvGrpSpPr>
@@ -2488,11 +2706,12 @@
           </a:prstGeom>
         </p:spPr>
         <p:txBody>
-          <a:bodyPr lIns="0" rIns="0" tIns="0" bIns="0" anchor="ctr">
+          <a:bodyPr lIns="0" tIns="0" rIns="0" bIns="0" anchor="ctr">
             <a:noAutofit/>
           </a:bodyPr>
-          <a:p>
-            <a:endParaRPr b="0" lang="en-US" sz="1800" spc="-1" strike="noStrike">
+          <a:lstStyle/>
+          <a:p>
+            <a:endParaRPr lang="en-US" sz="1800" b="0" strike="noStrike" spc="-1">
               <a:solidFill>
                 <a:srgbClr val="000000"/>
               </a:solidFill>
@@ -2521,11 +2740,12 @@
           </a:prstGeom>
         </p:spPr>
         <p:txBody>
-          <a:bodyPr lIns="0" rIns="0" tIns="0" bIns="0">
+          <a:bodyPr lIns="0" tIns="0" rIns="0" bIns="0">
             <a:normAutofit/>
           </a:bodyPr>
-          <a:p>
-            <a:endParaRPr b="0" lang="en-US" sz="2800" spc="-1" strike="noStrike">
+          <a:lstStyle/>
+          <a:p>
+            <a:endParaRPr lang="en-US" sz="2800" b="0" strike="noStrike" spc="-1">
               <a:solidFill>
                 <a:srgbClr val="000000"/>
               </a:solidFill>
@@ -2554,11 +2774,12 @@
           </a:prstGeom>
         </p:spPr>
         <p:txBody>
-          <a:bodyPr lIns="0" rIns="0" tIns="0" bIns="0">
+          <a:bodyPr lIns="0" tIns="0" rIns="0" bIns="0">
             <a:normAutofit/>
           </a:bodyPr>
-          <a:p>
-            <a:endParaRPr b="0" lang="en-US" sz="2800" spc="-1" strike="noStrike">
+          <a:lstStyle/>
+          <a:p>
+            <a:endParaRPr lang="en-US" sz="2800" b="0" strike="noStrike" spc="-1">
               <a:solidFill>
                 <a:srgbClr val="000000"/>
               </a:solidFill>
@@ -2587,11 +2808,12 @@
           </a:prstGeom>
         </p:spPr>
         <p:txBody>
-          <a:bodyPr lIns="0" rIns="0" tIns="0" bIns="0">
+          <a:bodyPr lIns="0" tIns="0" rIns="0" bIns="0">
             <a:normAutofit/>
           </a:bodyPr>
-          <a:p>
-            <a:endParaRPr b="0" lang="en-US" sz="2800" spc="-1" strike="noStrike">
+          <a:lstStyle/>
+          <a:p>
+            <a:endParaRPr lang="en-US" sz="2800" b="0" strike="noStrike" spc="-1">
               <a:solidFill>
                 <a:srgbClr val="000000"/>
               </a:solidFill>
@@ -2602,11 +2824,14 @@
       </p:sp>
     </p:spTree>
   </p:cSld>
+  <p:clrMapOvr>
+    <a:masterClrMapping/>
+  </p:clrMapOvr>
 </p:sldLayout>
 </file>
 
 <file path=ppt/slideLayouts/slideLayout8.xml><?xml version="1.0" encoding="utf-8"?>
-<p:sldLayout xmlns:a="http://schemas.openxmlformats.org/drawingml/2006/main" xmlns:p="http://schemas.openxmlformats.org/presentationml/2006/main" xmlns:r="http://schemas.openxmlformats.org/officeDocument/2006/relationships" xmlns:p14="http://schemas.microsoft.com/office/powerpoint/2010/main" xmlns:p15="http://schemas.microsoft.com/office/powerpoint/2012/main" xmlns:mc="http://schemas.openxmlformats.org/markup-compatibility/2006" type="objAndTwoObj" preserve="1">
+<p:sldLayout xmlns:a="http://schemas.openxmlformats.org/drawingml/2006/main" xmlns:r="http://schemas.openxmlformats.org/officeDocument/2006/relationships" xmlns:p="http://schemas.openxmlformats.org/presentationml/2006/main" type="objAndTwoObj" preserve="1">
   <p:cSld name="Title Content and 2 Content">
     <p:spTree>
       <p:nvGrpSpPr>
@@ -2642,11 +2867,12 @@
           </a:prstGeom>
         </p:spPr>
         <p:txBody>
-          <a:bodyPr lIns="0" rIns="0" tIns="0" bIns="0" anchor="ctr">
+          <a:bodyPr lIns="0" tIns="0" rIns="0" bIns="0" anchor="ctr">
             <a:noAutofit/>
           </a:bodyPr>
-          <a:p>
-            <a:endParaRPr b="0" lang="en-US" sz="1800" spc="-1" strike="noStrike">
+          <a:lstStyle/>
+          <a:p>
+            <a:endParaRPr lang="en-US" sz="1800" b="0" strike="noStrike" spc="-1">
               <a:solidFill>
                 <a:srgbClr val="000000"/>
               </a:solidFill>
@@ -2675,11 +2901,12 @@
           </a:prstGeom>
         </p:spPr>
         <p:txBody>
-          <a:bodyPr lIns="0" rIns="0" tIns="0" bIns="0">
+          <a:bodyPr lIns="0" tIns="0" rIns="0" bIns="0">
             <a:normAutofit/>
           </a:bodyPr>
-          <a:p>
-            <a:endParaRPr b="0" lang="en-US" sz="2800" spc="-1" strike="noStrike">
+          <a:lstStyle/>
+          <a:p>
+            <a:endParaRPr lang="en-US" sz="2800" b="0" strike="noStrike" spc="-1">
               <a:solidFill>
                 <a:srgbClr val="000000"/>
               </a:solidFill>
@@ -2708,11 +2935,12 @@
           </a:prstGeom>
         </p:spPr>
         <p:txBody>
-          <a:bodyPr lIns="0" rIns="0" tIns="0" bIns="0">
+          <a:bodyPr lIns="0" tIns="0" rIns="0" bIns="0">
             <a:normAutofit/>
           </a:bodyPr>
-          <a:p>
-            <a:endParaRPr b="0" lang="en-US" sz="2800" spc="-1" strike="noStrike">
+          <a:lstStyle/>
+          <a:p>
+            <a:endParaRPr lang="en-US" sz="2800" b="0" strike="noStrike" spc="-1">
               <a:solidFill>
                 <a:srgbClr val="000000"/>
               </a:solidFill>
@@ -2741,11 +2969,12 @@
           </a:prstGeom>
         </p:spPr>
         <p:txBody>
-          <a:bodyPr lIns="0" rIns="0" tIns="0" bIns="0">
+          <a:bodyPr lIns="0" tIns="0" rIns="0" bIns="0">
             <a:normAutofit/>
           </a:bodyPr>
-          <a:p>
-            <a:endParaRPr b="0" lang="en-US" sz="2800" spc="-1" strike="noStrike">
+          <a:lstStyle/>
+          <a:p>
+            <a:endParaRPr lang="en-US" sz="2800" b="0" strike="noStrike" spc="-1">
               <a:solidFill>
                 <a:srgbClr val="000000"/>
               </a:solidFill>
@@ -2756,11 +2985,14 @@
       </p:sp>
     </p:spTree>
   </p:cSld>
+  <p:clrMapOvr>
+    <a:masterClrMapping/>
+  </p:clrMapOvr>
 </p:sldLayout>
 </file>
 
 <file path=ppt/slideLayouts/slideLayout9.xml><?xml version="1.0" encoding="utf-8"?>
-<p:sldLayout xmlns:a="http://schemas.openxmlformats.org/drawingml/2006/main" xmlns:p="http://schemas.openxmlformats.org/presentationml/2006/main" xmlns:r="http://schemas.openxmlformats.org/officeDocument/2006/relationships" xmlns:p14="http://schemas.microsoft.com/office/powerpoint/2010/main" xmlns:p15="http://schemas.microsoft.com/office/powerpoint/2012/main" xmlns:mc="http://schemas.openxmlformats.org/markup-compatibility/2006" type="twoObjOverTx" preserve="1">
+<p:sldLayout xmlns:a="http://schemas.openxmlformats.org/drawingml/2006/main" xmlns:r="http://schemas.openxmlformats.org/officeDocument/2006/relationships" xmlns:p="http://schemas.openxmlformats.org/presentationml/2006/main" type="twoObjOverTx" preserve="1">
   <p:cSld name="Title, 2 Content over Content">
     <p:spTree>
       <p:nvGrpSpPr>
@@ -2796,11 +3028,12 @@
           </a:prstGeom>
         </p:spPr>
         <p:txBody>
-          <a:bodyPr lIns="0" rIns="0" tIns="0" bIns="0" anchor="ctr">
+          <a:bodyPr lIns="0" tIns="0" rIns="0" bIns="0" anchor="ctr">
             <a:noAutofit/>
           </a:bodyPr>
-          <a:p>
-            <a:endParaRPr b="0" lang="en-US" sz="1800" spc="-1" strike="noStrike">
+          <a:lstStyle/>
+          <a:p>
+            <a:endParaRPr lang="en-US" sz="1800" b="0" strike="noStrike" spc="-1">
               <a:solidFill>
                 <a:srgbClr val="000000"/>
               </a:solidFill>
@@ -2829,11 +3062,12 @@
           </a:prstGeom>
         </p:spPr>
         <p:txBody>
-          <a:bodyPr lIns="0" rIns="0" tIns="0" bIns="0">
+          <a:bodyPr lIns="0" tIns="0" rIns="0" bIns="0">
             <a:normAutofit/>
           </a:bodyPr>
-          <a:p>
-            <a:endParaRPr b="0" lang="en-US" sz="2800" spc="-1" strike="noStrike">
+          <a:lstStyle/>
+          <a:p>
+            <a:endParaRPr lang="en-US" sz="2800" b="0" strike="noStrike" spc="-1">
               <a:solidFill>
                 <a:srgbClr val="000000"/>
               </a:solidFill>
@@ -2862,11 +3096,12 @@
           </a:prstGeom>
         </p:spPr>
         <p:txBody>
-          <a:bodyPr lIns="0" rIns="0" tIns="0" bIns="0">
+          <a:bodyPr lIns="0" tIns="0" rIns="0" bIns="0">
             <a:normAutofit/>
           </a:bodyPr>
-          <a:p>
-            <a:endParaRPr b="0" lang="en-US" sz="2800" spc="-1" strike="noStrike">
+          <a:lstStyle/>
+          <a:p>
+            <a:endParaRPr lang="en-US" sz="2800" b="0" strike="noStrike" spc="-1">
               <a:solidFill>
                 <a:srgbClr val="000000"/>
               </a:solidFill>
@@ -2895,11 +3130,12 @@
           </a:prstGeom>
         </p:spPr>
         <p:txBody>
-          <a:bodyPr lIns="0" rIns="0" tIns="0" bIns="0">
+          <a:bodyPr lIns="0" tIns="0" rIns="0" bIns="0">
             <a:normAutofit/>
           </a:bodyPr>
-          <a:p>
-            <a:endParaRPr b="0" lang="en-US" sz="2800" spc="-1" strike="noStrike">
+          <a:lstStyle/>
+          <a:p>
+            <a:endParaRPr lang="en-US" sz="2800" b="0" strike="noStrike" spc="-1">
               <a:solidFill>
                 <a:srgbClr val="000000"/>
               </a:solidFill>
@@ -2910,17 +3146,21 @@
       </p:sp>
     </p:spTree>
   </p:cSld>
+  <p:clrMapOvr>
+    <a:masterClrMapping/>
+  </p:clrMapOvr>
 </p:sldLayout>
 </file>
 
 <file path=ppt/slideMasters/slideMaster1.xml><?xml version="1.0" encoding="utf-8"?>
-<p:sldMaster xmlns:a="http://schemas.openxmlformats.org/drawingml/2006/main" xmlns:p="http://schemas.openxmlformats.org/presentationml/2006/main" xmlns:r="http://schemas.openxmlformats.org/officeDocument/2006/relationships" xmlns:p14="http://schemas.microsoft.com/office/powerpoint/2010/main" xmlns:p15="http://schemas.microsoft.com/office/powerpoint/2012/main" xmlns:mc="http://schemas.openxmlformats.org/markup-compatibility/2006">
+<p:sldMaster xmlns:a="http://schemas.openxmlformats.org/drawingml/2006/main" xmlns:r="http://schemas.openxmlformats.org/officeDocument/2006/relationships" xmlns:p="http://schemas.openxmlformats.org/presentationml/2006/main">
   <p:cSld>
     <p:bg>
       <p:bgPr>
         <a:solidFill>
-          <a:srgbClr val="ffffff"/>
+          <a:srgbClr val="FFFFFF"/>
         </a:solidFill>
+        <a:effectLst/>
       </p:bgPr>
     </p:bg>
     <p:spTree>
@@ -2939,7 +3179,7 @@
       </p:grpSpPr>
       <p:sp>
         <p:nvSpPr>
-          <p:cNvPr id="0" name="PlaceHolder 1"/>
+          <p:cNvPr id="5" name="PlaceHolder 1"/>
           <p:cNvSpPr>
             <a:spLocks noGrp="1"/>
           </p:cNvSpPr>
@@ -2960,6 +3200,7 @@
           <a:bodyPr anchor="b">
             <a:noAutofit/>
           </a:bodyPr>
+          <a:lstStyle/>
           <a:p>
             <a:pPr algn="ctr">
               <a:lnSpc>
@@ -2967,7 +3208,7 @@
               </a:lnSpc>
             </a:pPr>
             <a:r>
-              <a:rPr b="0" lang="en-US" sz="6000" spc="-1" strike="noStrike">
+              <a:rPr lang="en-US" sz="6000" b="0" strike="noStrike" spc="-1">
                 <a:solidFill>
                   <a:srgbClr val="000000"/>
                 </a:solidFill>
@@ -2975,7 +3216,7 @@
               </a:rPr>
               <a:t>Click to edit Master title style</a:t>
             </a:r>
-            <a:endParaRPr b="0" lang="en-US" sz="6000" spc="-1" strike="noStrike">
+            <a:endParaRPr lang="en-US" sz="6000" b="0" strike="noStrike" spc="-1">
               <a:solidFill>
                 <a:srgbClr val="000000"/>
               </a:solidFill>
@@ -2986,7 +3227,7 @@
       </p:sp>
       <p:sp>
         <p:nvSpPr>
-          <p:cNvPr id="1" name="PlaceHolder 2"/>
+          <p:cNvPr id="6" name="PlaceHolder 2"/>
           <p:cNvSpPr>
             <a:spLocks noGrp="1"/>
           </p:cNvSpPr>
@@ -3007,6 +3248,7 @@
           <a:bodyPr anchor="ctr">
             <a:noAutofit/>
           </a:bodyPr>
+          <a:lstStyle/>
           <a:p>
             <a:pPr>
               <a:lnSpc>
@@ -3014,15 +3256,15 @@
               </a:lnSpc>
             </a:pPr>
             <a:fld id="{986BEB6E-5CFA-4F49-BE40-D81567A49D9F}" type="datetime">
-              <a:rPr b="0" lang="en-AU" sz="1200" spc="-1" strike="noStrike">
+              <a:rPr lang="en-AU" sz="1200" b="0" strike="noStrike" spc="-1">
                 <a:solidFill>
-                  <a:srgbClr val="8b8b8b"/>
+                  <a:srgbClr val="8B8B8B"/>
                 </a:solidFill>
                 <a:latin typeface="Calibri"/>
               </a:rPr>
-              <a:t>6/01/22</a:t>
+              <a:t>11/01/2022</a:t>
             </a:fld>
-            <a:endParaRPr b="0" lang="en-AU" sz="1200" spc="-1" strike="noStrike">
+            <a:endParaRPr lang="en-AU" sz="1200" b="0" strike="noStrike" spc="-1">
               <a:latin typeface="Times New Roman"/>
             </a:endParaRPr>
           </a:p>
@@ -3051,8 +3293,9 @@
           <a:bodyPr anchor="ctr">
             <a:noAutofit/>
           </a:bodyPr>
-          <a:p>
-            <a:endParaRPr b="0" lang="en-AU" sz="2400" spc="-1" strike="noStrike">
+          <a:lstStyle/>
+          <a:p>
+            <a:endParaRPr lang="en-AU" sz="2400" b="0" strike="noStrike" spc="-1">
               <a:latin typeface="Times New Roman"/>
             </a:endParaRPr>
           </a:p>
@@ -3081,6 +3324,7 @@
           <a:bodyPr anchor="ctr">
             <a:noAutofit/>
           </a:bodyPr>
+          <a:lstStyle/>
           <a:p>
             <a:pPr algn="r">
               <a:lnSpc>
@@ -3088,15 +3332,15 @@
               </a:lnSpc>
             </a:pPr>
             <a:fld id="{E967F77E-050D-4CF0-B27B-5CB64706CE26}" type="slidenum">
-              <a:rPr b="0" lang="en-AU" sz="1200" spc="-1" strike="noStrike">
+              <a:rPr lang="en-AU" sz="1200" b="0" strike="noStrike" spc="-1">
                 <a:solidFill>
-                  <a:srgbClr val="8b8b8b"/>
+                  <a:srgbClr val="8B8B8B"/>
                 </a:solidFill>
                 <a:latin typeface="Calibri"/>
               </a:rPr>
-              <a:t>&lt;number&gt;</a:t>
+              <a:t>‹#›</a:t>
             </a:fld>
-            <a:endParaRPr b="0" lang="en-AU" sz="1200" spc="-1" strike="noStrike">
+            <a:endParaRPr lang="en-AU" sz="1200" b="0" strike="noStrike" spc="-1">
               <a:latin typeface="Times New Roman"/>
             </a:endParaRPr>
           </a:p>
@@ -3122,9 +3366,10 @@
           </a:prstGeom>
         </p:spPr>
         <p:txBody>
-          <a:bodyPr lIns="0" rIns="0" tIns="0" bIns="0">
+          <a:bodyPr lIns="0" tIns="0" rIns="0" bIns="0">
             <a:normAutofit/>
           </a:bodyPr>
+          <a:lstStyle/>
           <a:p>
             <a:pPr marL="432000" indent="-324000">
               <a:spcBef>
@@ -3138,7 +3383,7 @@
               <a:buChar char=""/>
             </a:pPr>
             <a:r>
-              <a:rPr b="0" lang="en-US" sz="2800" spc="-1" strike="noStrike">
+              <a:rPr lang="en-US" sz="2800" b="0" strike="noStrike" spc="-1">
                 <a:solidFill>
                   <a:srgbClr val="000000"/>
                 </a:solidFill>
@@ -3146,15 +3391,9 @@
               </a:rPr>
               <a:t>Click to edit the outline text format</a:t>
             </a:r>
-            <a:endParaRPr b="0" lang="en-US" sz="2800" spc="-1" strike="noStrike">
-              <a:solidFill>
-                <a:srgbClr val="000000"/>
-              </a:solidFill>
-              <a:latin typeface="Calibri"/>
-            </a:endParaRPr>
-          </a:p>
-          <a:p>
-            <a:pPr lvl="1" marL="864000" indent="-324000">
+          </a:p>
+          <a:p>
+            <a:pPr marL="864000" lvl="1" indent="-324000">
               <a:spcBef>
                 <a:spcPts val="1134"/>
               </a:spcBef>
@@ -3166,7 +3405,7 @@
               <a:buChar char=""/>
             </a:pPr>
             <a:r>
-              <a:rPr b="0" lang="en-US" sz="2000" spc="-1" strike="noStrike">
+              <a:rPr lang="en-US" sz="2000" b="0" strike="noStrike" spc="-1">
                 <a:solidFill>
                   <a:srgbClr val="000000"/>
                 </a:solidFill>
@@ -3174,15 +3413,9 @@
               </a:rPr>
               <a:t>Second Outline Level</a:t>
             </a:r>
-            <a:endParaRPr b="0" lang="en-US" sz="2000" spc="-1" strike="noStrike">
-              <a:solidFill>
-                <a:srgbClr val="000000"/>
-              </a:solidFill>
-              <a:latin typeface="Calibri"/>
-            </a:endParaRPr>
-          </a:p>
-          <a:p>
-            <a:pPr lvl="2" marL="1296000" indent="-288000">
+          </a:p>
+          <a:p>
+            <a:pPr marL="1296000" lvl="2" indent="-288000">
               <a:spcBef>
                 <a:spcPts val="850"/>
               </a:spcBef>
@@ -3194,7 +3427,7 @@
               <a:buChar char=""/>
             </a:pPr>
             <a:r>
-              <a:rPr b="0" lang="en-US" sz="1800" spc="-1" strike="noStrike">
+              <a:rPr lang="en-US" sz="1800" b="0" strike="noStrike" spc="-1">
                 <a:solidFill>
                   <a:srgbClr val="000000"/>
                 </a:solidFill>
@@ -3202,15 +3435,9 @@
               </a:rPr>
               <a:t>Third Outline Level</a:t>
             </a:r>
-            <a:endParaRPr b="0" lang="en-US" sz="1800" spc="-1" strike="noStrike">
-              <a:solidFill>
-                <a:srgbClr val="000000"/>
-              </a:solidFill>
-              <a:latin typeface="Calibri"/>
-            </a:endParaRPr>
-          </a:p>
-          <a:p>
-            <a:pPr lvl="3" marL="1728000" indent="-216000">
+          </a:p>
+          <a:p>
+            <a:pPr marL="1728000" lvl="3" indent="-216000">
               <a:spcBef>
                 <a:spcPts val="567"/>
               </a:spcBef>
@@ -3222,7 +3449,7 @@
               <a:buChar char=""/>
             </a:pPr>
             <a:r>
-              <a:rPr b="0" lang="en-US" sz="1800" spc="-1" strike="noStrike">
+              <a:rPr lang="en-US" sz="1800" b="0" strike="noStrike" spc="-1">
                 <a:solidFill>
                   <a:srgbClr val="000000"/>
                 </a:solidFill>
@@ -3230,15 +3457,9 @@
               </a:rPr>
               <a:t>Fourth Outline Level</a:t>
             </a:r>
-            <a:endParaRPr b="0" lang="en-US" sz="1800" spc="-1" strike="noStrike">
-              <a:solidFill>
-                <a:srgbClr val="000000"/>
-              </a:solidFill>
-              <a:latin typeface="Calibri"/>
-            </a:endParaRPr>
-          </a:p>
-          <a:p>
-            <a:pPr lvl="4" marL="2160000" indent="-216000">
+          </a:p>
+          <a:p>
+            <a:pPr marL="2160000" lvl="4" indent="-216000">
               <a:spcBef>
                 <a:spcPts val="283"/>
               </a:spcBef>
@@ -3250,7 +3471,7 @@
               <a:buChar char=""/>
             </a:pPr>
             <a:r>
-              <a:rPr b="0" lang="en-US" sz="2000" spc="-1" strike="noStrike">
+              <a:rPr lang="en-US" sz="2000" b="0" strike="noStrike" spc="-1">
                 <a:solidFill>
                   <a:srgbClr val="000000"/>
                 </a:solidFill>
@@ -3258,15 +3479,9 @@
               </a:rPr>
               <a:t>Fifth Outline Level</a:t>
             </a:r>
-            <a:endParaRPr b="0" lang="en-US" sz="2000" spc="-1" strike="noStrike">
-              <a:solidFill>
-                <a:srgbClr val="000000"/>
-              </a:solidFill>
-              <a:latin typeface="Calibri"/>
-            </a:endParaRPr>
-          </a:p>
-          <a:p>
-            <a:pPr lvl="5" marL="2592000" indent="-216000">
+          </a:p>
+          <a:p>
+            <a:pPr marL="2592000" lvl="5" indent="-216000">
               <a:spcBef>
                 <a:spcPts val="283"/>
               </a:spcBef>
@@ -3278,7 +3493,7 @@
               <a:buChar char=""/>
             </a:pPr>
             <a:r>
-              <a:rPr b="0" lang="en-US" sz="2000" spc="-1" strike="noStrike">
+              <a:rPr lang="en-US" sz="2000" b="0" strike="noStrike" spc="-1">
                 <a:solidFill>
                   <a:srgbClr val="000000"/>
                 </a:solidFill>
@@ -3286,15 +3501,9 @@
               </a:rPr>
               <a:t>Sixth Outline Level</a:t>
             </a:r>
-            <a:endParaRPr b="0" lang="en-US" sz="2000" spc="-1" strike="noStrike">
-              <a:solidFill>
-                <a:srgbClr val="000000"/>
-              </a:solidFill>
-              <a:latin typeface="Calibri"/>
-            </a:endParaRPr>
-          </a:p>
-          <a:p>
-            <a:pPr lvl="6" marL="3024000" indent="-216000">
+          </a:p>
+          <a:p>
+            <a:pPr marL="3024000" lvl="6" indent="-216000">
               <a:spcBef>
                 <a:spcPts val="283"/>
               </a:spcBef>
@@ -3306,7 +3515,7 @@
               <a:buChar char=""/>
             </a:pPr>
             <a:r>
-              <a:rPr b="0" lang="en-US" sz="2000" spc="-1" strike="noStrike">
+              <a:rPr lang="en-US" sz="2000" b="0" strike="noStrike" spc="-1">
                 <a:solidFill>
                   <a:srgbClr val="000000"/>
                 </a:solidFill>
@@ -3314,43 +3523,318 @@
               </a:rPr>
               <a:t>Seventh Outline Level</a:t>
             </a:r>
-            <a:endParaRPr b="0" lang="en-US" sz="2000" spc="-1" strike="noStrike">
-              <a:solidFill>
-                <a:srgbClr val="000000"/>
-              </a:solidFill>
-              <a:latin typeface="Calibri"/>
-            </a:endParaRPr>
           </a:p>
         </p:txBody>
       </p:sp>
     </p:spTree>
   </p:cSld>
-  <p:clrMap bg1="lt1" bg2="lt2" tx1="dk1" tx2="dk2" accent1="accent1" accent2="accent2" accent3="accent3" accent4="accent4" accent5="accent5" accent6="accent6" hlink="hlink" folHlink="folHlink"/>
+  <p:clrMap bg1="lt1" tx1="dk1" bg2="lt2" tx2="dk2" accent1="accent1" accent2="accent2" accent3="accent3" accent4="accent4" accent5="accent5" accent6="accent6" hlink="hlink" folHlink="folHlink"/>
   <p:sldLayoutIdLst>
-    <p:sldLayoutId id="2147483649" r:id="rId2"/>
-    <p:sldLayoutId id="2147483650" r:id="rId3"/>
-    <p:sldLayoutId id="2147483651" r:id="rId4"/>
-    <p:sldLayoutId id="2147483652" r:id="rId5"/>
-    <p:sldLayoutId id="2147483653" r:id="rId6"/>
-    <p:sldLayoutId id="2147483654" r:id="rId7"/>
-    <p:sldLayoutId id="2147483655" r:id="rId8"/>
-    <p:sldLayoutId id="2147483656" r:id="rId9"/>
-    <p:sldLayoutId id="2147483657" r:id="rId10"/>
-    <p:sldLayoutId id="2147483658" r:id="rId11"/>
-    <p:sldLayoutId id="2147483659" r:id="rId12"/>
-    <p:sldLayoutId id="2147483660" r:id="rId13"/>
+    <p:sldLayoutId id="2147483649" r:id="rId1"/>
+    <p:sldLayoutId id="2147483650" r:id="rId2"/>
+    <p:sldLayoutId id="2147483651" r:id="rId3"/>
+    <p:sldLayoutId id="2147483652" r:id="rId4"/>
+    <p:sldLayoutId id="2147483653" r:id="rId5"/>
+    <p:sldLayoutId id="2147483654" r:id="rId6"/>
+    <p:sldLayoutId id="2147483655" r:id="rId7"/>
+    <p:sldLayoutId id="2147483656" r:id="rId8"/>
+    <p:sldLayoutId id="2147483657" r:id="rId9"/>
+    <p:sldLayoutId id="2147483658" r:id="rId10"/>
+    <p:sldLayoutId id="2147483659" r:id="rId11"/>
+    <p:sldLayoutId id="2147483660" r:id="rId12"/>
   </p:sldLayoutIdLst>
+  <p:txStyles>
+    <p:titleStyle>
+      <a:lvl1pPr algn="l" defTabSz="914400" rtl="0" eaLnBrk="1" latinLnBrk="0" hangingPunct="1">
+        <a:lnSpc>
+          <a:spcPct val="90000"/>
+        </a:lnSpc>
+        <a:spcBef>
+          <a:spcPct val="0"/>
+        </a:spcBef>
+        <a:buNone/>
+        <a:defRPr sz="4400" kern="1200">
+          <a:solidFill>
+            <a:schemeClr val="tx1"/>
+          </a:solidFill>
+          <a:latin typeface="+mj-lt"/>
+          <a:ea typeface="+mj-ea"/>
+          <a:cs typeface="+mj-cs"/>
+        </a:defRPr>
+      </a:lvl1pPr>
+    </p:titleStyle>
+    <p:bodyStyle>
+      <a:lvl1pPr marL="228600" indent="-228600" algn="l" defTabSz="914400" rtl="0" eaLnBrk="1" latinLnBrk="0" hangingPunct="1">
+        <a:lnSpc>
+          <a:spcPct val="90000"/>
+        </a:lnSpc>
+        <a:spcBef>
+          <a:spcPts val="1000"/>
+        </a:spcBef>
+        <a:buFont typeface="Arial" panose="020B0604020202020204" pitchFamily="34" charset="0"/>
+        <a:buChar char="•"/>
+        <a:defRPr sz="2800" kern="1200">
+          <a:solidFill>
+            <a:schemeClr val="tx1"/>
+          </a:solidFill>
+          <a:latin typeface="+mn-lt"/>
+          <a:ea typeface="+mn-ea"/>
+          <a:cs typeface="+mn-cs"/>
+        </a:defRPr>
+      </a:lvl1pPr>
+      <a:lvl2pPr marL="685800" indent="-228600" algn="l" defTabSz="914400" rtl="0" eaLnBrk="1" latinLnBrk="0" hangingPunct="1">
+        <a:lnSpc>
+          <a:spcPct val="90000"/>
+        </a:lnSpc>
+        <a:spcBef>
+          <a:spcPts val="500"/>
+        </a:spcBef>
+        <a:buFont typeface="Arial" panose="020B0604020202020204" pitchFamily="34" charset="0"/>
+        <a:buChar char="•"/>
+        <a:defRPr sz="2400" kern="1200">
+          <a:solidFill>
+            <a:schemeClr val="tx1"/>
+          </a:solidFill>
+          <a:latin typeface="+mn-lt"/>
+          <a:ea typeface="+mn-ea"/>
+          <a:cs typeface="+mn-cs"/>
+        </a:defRPr>
+      </a:lvl2pPr>
+      <a:lvl3pPr marL="1143000" indent="-228600" algn="l" defTabSz="914400" rtl="0" eaLnBrk="1" latinLnBrk="0" hangingPunct="1">
+        <a:lnSpc>
+          <a:spcPct val="90000"/>
+        </a:lnSpc>
+        <a:spcBef>
+          <a:spcPts val="500"/>
+        </a:spcBef>
+        <a:buFont typeface="Arial" panose="020B0604020202020204" pitchFamily="34" charset="0"/>
+        <a:buChar char="•"/>
+        <a:defRPr sz="2000" kern="1200">
+          <a:solidFill>
+            <a:schemeClr val="tx1"/>
+          </a:solidFill>
+          <a:latin typeface="+mn-lt"/>
+          <a:ea typeface="+mn-ea"/>
+          <a:cs typeface="+mn-cs"/>
+        </a:defRPr>
+      </a:lvl3pPr>
+      <a:lvl4pPr marL="1600200" indent="-228600" algn="l" defTabSz="914400" rtl="0" eaLnBrk="1" latinLnBrk="0" hangingPunct="1">
+        <a:lnSpc>
+          <a:spcPct val="90000"/>
+        </a:lnSpc>
+        <a:spcBef>
+          <a:spcPts val="500"/>
+        </a:spcBef>
+        <a:buFont typeface="Arial" panose="020B0604020202020204" pitchFamily="34" charset="0"/>
+        <a:buChar char="•"/>
+        <a:defRPr sz="1800" kern="1200">
+          <a:solidFill>
+            <a:schemeClr val="tx1"/>
+          </a:solidFill>
+          <a:latin typeface="+mn-lt"/>
+          <a:ea typeface="+mn-ea"/>
+          <a:cs typeface="+mn-cs"/>
+        </a:defRPr>
+      </a:lvl4pPr>
+      <a:lvl5pPr marL="2057400" indent="-228600" algn="l" defTabSz="914400" rtl="0" eaLnBrk="1" latinLnBrk="0" hangingPunct="1">
+        <a:lnSpc>
+          <a:spcPct val="90000"/>
+        </a:lnSpc>
+        <a:spcBef>
+          <a:spcPts val="500"/>
+        </a:spcBef>
+        <a:buFont typeface="Arial" panose="020B0604020202020204" pitchFamily="34" charset="0"/>
+        <a:buChar char="•"/>
+        <a:defRPr sz="1800" kern="1200">
+          <a:solidFill>
+            <a:schemeClr val="tx1"/>
+          </a:solidFill>
+          <a:latin typeface="+mn-lt"/>
+          <a:ea typeface="+mn-ea"/>
+          <a:cs typeface="+mn-cs"/>
+        </a:defRPr>
+      </a:lvl5pPr>
+      <a:lvl6pPr marL="2514600" indent="-228600" algn="l" defTabSz="914400" rtl="0" eaLnBrk="1" latinLnBrk="0" hangingPunct="1">
+        <a:lnSpc>
+          <a:spcPct val="90000"/>
+        </a:lnSpc>
+        <a:spcBef>
+          <a:spcPts val="500"/>
+        </a:spcBef>
+        <a:buFont typeface="Arial" panose="020B0604020202020204" pitchFamily="34" charset="0"/>
+        <a:buChar char="•"/>
+        <a:defRPr sz="1800" kern="1200">
+          <a:solidFill>
+            <a:schemeClr val="tx1"/>
+          </a:solidFill>
+          <a:latin typeface="+mn-lt"/>
+          <a:ea typeface="+mn-ea"/>
+          <a:cs typeface="+mn-cs"/>
+        </a:defRPr>
+      </a:lvl6pPr>
+      <a:lvl7pPr marL="2971800" indent="-228600" algn="l" defTabSz="914400" rtl="0" eaLnBrk="1" latinLnBrk="0" hangingPunct="1">
+        <a:lnSpc>
+          <a:spcPct val="90000"/>
+        </a:lnSpc>
+        <a:spcBef>
+          <a:spcPts val="500"/>
+        </a:spcBef>
+        <a:buFont typeface="Arial" panose="020B0604020202020204" pitchFamily="34" charset="0"/>
+        <a:buChar char="•"/>
+        <a:defRPr sz="1800" kern="1200">
+          <a:solidFill>
+            <a:schemeClr val="tx1"/>
+          </a:solidFill>
+          <a:latin typeface="+mn-lt"/>
+          <a:ea typeface="+mn-ea"/>
+          <a:cs typeface="+mn-cs"/>
+        </a:defRPr>
+      </a:lvl7pPr>
+      <a:lvl8pPr marL="3429000" indent="-228600" algn="l" defTabSz="914400" rtl="0" eaLnBrk="1" latinLnBrk="0" hangingPunct="1">
+        <a:lnSpc>
+          <a:spcPct val="90000"/>
+        </a:lnSpc>
+        <a:spcBef>
+          <a:spcPts val="500"/>
+        </a:spcBef>
+        <a:buFont typeface="Arial" panose="020B0604020202020204" pitchFamily="34" charset="0"/>
+        <a:buChar char="•"/>
+        <a:defRPr sz="1800" kern="1200">
+          <a:solidFill>
+            <a:schemeClr val="tx1"/>
+          </a:solidFill>
+          <a:latin typeface="+mn-lt"/>
+          <a:ea typeface="+mn-ea"/>
+          <a:cs typeface="+mn-cs"/>
+        </a:defRPr>
+      </a:lvl8pPr>
+      <a:lvl9pPr marL="3886200" indent="-228600" algn="l" defTabSz="914400" rtl="0" eaLnBrk="1" latinLnBrk="0" hangingPunct="1">
+        <a:lnSpc>
+          <a:spcPct val="90000"/>
+        </a:lnSpc>
+        <a:spcBef>
+          <a:spcPts val="500"/>
+        </a:spcBef>
+        <a:buFont typeface="Arial" panose="020B0604020202020204" pitchFamily="34" charset="0"/>
+        <a:buChar char="•"/>
+        <a:defRPr sz="1800" kern="1200">
+          <a:solidFill>
+            <a:schemeClr val="tx1"/>
+          </a:solidFill>
+          <a:latin typeface="+mn-lt"/>
+          <a:ea typeface="+mn-ea"/>
+          <a:cs typeface="+mn-cs"/>
+        </a:defRPr>
+      </a:lvl9pPr>
+    </p:bodyStyle>
+    <p:otherStyle>
+      <a:defPPr>
+        <a:defRPr lang="en-US"/>
+      </a:defPPr>
+      <a:lvl1pPr marL="0" algn="l" defTabSz="914400" rtl="0" eaLnBrk="1" latinLnBrk="0" hangingPunct="1">
+        <a:defRPr sz="1800" kern="1200">
+          <a:solidFill>
+            <a:schemeClr val="tx1"/>
+          </a:solidFill>
+          <a:latin typeface="+mn-lt"/>
+          <a:ea typeface="+mn-ea"/>
+          <a:cs typeface="+mn-cs"/>
+        </a:defRPr>
+      </a:lvl1pPr>
+      <a:lvl2pPr marL="457200" algn="l" defTabSz="914400" rtl="0" eaLnBrk="1" latinLnBrk="0" hangingPunct="1">
+        <a:defRPr sz="1800" kern="1200">
+          <a:solidFill>
+            <a:schemeClr val="tx1"/>
+          </a:solidFill>
+          <a:latin typeface="+mn-lt"/>
+          <a:ea typeface="+mn-ea"/>
+          <a:cs typeface="+mn-cs"/>
+        </a:defRPr>
+      </a:lvl2pPr>
+      <a:lvl3pPr marL="914400" algn="l" defTabSz="914400" rtl="0" eaLnBrk="1" latinLnBrk="0" hangingPunct="1">
+        <a:defRPr sz="1800" kern="1200">
+          <a:solidFill>
+            <a:schemeClr val="tx1"/>
+          </a:solidFill>
+          <a:latin typeface="+mn-lt"/>
+          <a:ea typeface="+mn-ea"/>
+          <a:cs typeface="+mn-cs"/>
+        </a:defRPr>
+      </a:lvl3pPr>
+      <a:lvl4pPr marL="1371600" algn="l" defTabSz="914400" rtl="0" eaLnBrk="1" latinLnBrk="0" hangingPunct="1">
+        <a:defRPr sz="1800" kern="1200">
+          <a:solidFill>
+            <a:schemeClr val="tx1"/>
+          </a:solidFill>
+          <a:latin typeface="+mn-lt"/>
+          <a:ea typeface="+mn-ea"/>
+          <a:cs typeface="+mn-cs"/>
+        </a:defRPr>
+      </a:lvl4pPr>
+      <a:lvl5pPr marL="1828800" algn="l" defTabSz="914400" rtl="0" eaLnBrk="1" latinLnBrk="0" hangingPunct="1">
+        <a:defRPr sz="1800" kern="1200">
+          <a:solidFill>
+            <a:schemeClr val="tx1"/>
+          </a:solidFill>
+          <a:latin typeface="+mn-lt"/>
+          <a:ea typeface="+mn-ea"/>
+          <a:cs typeface="+mn-cs"/>
+        </a:defRPr>
+      </a:lvl5pPr>
+      <a:lvl6pPr marL="2286000" algn="l" defTabSz="914400" rtl="0" eaLnBrk="1" latinLnBrk="0" hangingPunct="1">
+        <a:defRPr sz="1800" kern="1200">
+          <a:solidFill>
+            <a:schemeClr val="tx1"/>
+          </a:solidFill>
+          <a:latin typeface="+mn-lt"/>
+          <a:ea typeface="+mn-ea"/>
+          <a:cs typeface="+mn-cs"/>
+        </a:defRPr>
+      </a:lvl6pPr>
+      <a:lvl7pPr marL="2743200" algn="l" defTabSz="914400" rtl="0" eaLnBrk="1" latinLnBrk="0" hangingPunct="1">
+        <a:defRPr sz="1800" kern="1200">
+          <a:solidFill>
+            <a:schemeClr val="tx1"/>
+          </a:solidFill>
+          <a:latin typeface="+mn-lt"/>
+          <a:ea typeface="+mn-ea"/>
+          <a:cs typeface="+mn-cs"/>
+        </a:defRPr>
+      </a:lvl7pPr>
+      <a:lvl8pPr marL="3200400" algn="l" defTabSz="914400" rtl="0" eaLnBrk="1" latinLnBrk="0" hangingPunct="1">
+        <a:defRPr sz="1800" kern="1200">
+          <a:solidFill>
+            <a:schemeClr val="tx1"/>
+          </a:solidFill>
+          <a:latin typeface="+mn-lt"/>
+          <a:ea typeface="+mn-ea"/>
+          <a:cs typeface="+mn-cs"/>
+        </a:defRPr>
+      </a:lvl8pPr>
+      <a:lvl9pPr marL="3657600" algn="l" defTabSz="914400" rtl="0" eaLnBrk="1" latinLnBrk="0" hangingPunct="1">
+        <a:defRPr sz="1800" kern="1200">
+          <a:solidFill>
+            <a:schemeClr val="tx1"/>
+          </a:solidFill>
+          <a:latin typeface="+mn-lt"/>
+          <a:ea typeface="+mn-ea"/>
+          <a:cs typeface="+mn-cs"/>
+        </a:defRPr>
+      </a:lvl9pPr>
+    </p:otherStyle>
+  </p:txStyles>
 </p:sldMaster>
 </file>
 
 <file path=ppt/slideMasters/slideMaster2.xml><?xml version="1.0" encoding="utf-8"?>
-<p:sldMaster xmlns:a="http://schemas.openxmlformats.org/drawingml/2006/main" xmlns:p="http://schemas.openxmlformats.org/presentationml/2006/main" xmlns:r="http://schemas.openxmlformats.org/officeDocument/2006/relationships" xmlns:p14="http://schemas.microsoft.com/office/powerpoint/2010/main" xmlns:p15="http://schemas.microsoft.com/office/powerpoint/2012/main" xmlns:mc="http://schemas.openxmlformats.org/markup-compatibility/2006">
+<p:sldMaster xmlns:a="http://schemas.openxmlformats.org/drawingml/2006/main" xmlns:r="http://schemas.openxmlformats.org/officeDocument/2006/relationships" xmlns:p="http://schemas.openxmlformats.org/presentationml/2006/main">
   <p:cSld>
     <p:bg>
       <p:bgPr>
         <a:solidFill>
-          <a:srgbClr val="ffffff"/>
+          <a:srgbClr val="FFFFFF"/>
         </a:solidFill>
+        <a:effectLst/>
       </p:bgPr>
     </p:bg>
     <p:spTree>
@@ -3390,6 +3874,7 @@
           <a:bodyPr anchor="ctr">
             <a:noAutofit/>
           </a:bodyPr>
+          <a:lstStyle/>
           <a:p>
             <a:pPr>
               <a:lnSpc>
@@ -3397,7 +3882,7 @@
               </a:lnSpc>
             </a:pPr>
             <a:r>
-              <a:rPr b="0" lang="en-US" sz="4400" spc="-1" strike="noStrike">
+              <a:rPr lang="en-US" sz="4400" b="0" strike="noStrike" spc="-1">
                 <a:solidFill>
                   <a:srgbClr val="000000"/>
                 </a:solidFill>
@@ -3405,7 +3890,7 @@
               </a:rPr>
               <a:t>Click to edit Master title style</a:t>
             </a:r>
-            <a:endParaRPr b="0" lang="en-US" sz="4400" spc="-1" strike="noStrike">
+            <a:endParaRPr lang="en-US" sz="4400" b="0" strike="noStrike" spc="-1">
               <a:solidFill>
                 <a:srgbClr val="000000"/>
               </a:solidFill>
@@ -3437,6 +3922,7 @@
           <a:bodyPr>
             <a:noAutofit/>
           </a:bodyPr>
+          <a:lstStyle/>
           <a:p>
             <a:pPr marL="228600" indent="-228240">
               <a:lnSpc>
@@ -3452,7 +3938,7 @@
               <a:buChar char="•"/>
             </a:pPr>
             <a:r>
-              <a:rPr b="0" lang="en-US" sz="2800" spc="-1" strike="noStrike">
+              <a:rPr lang="en-US" sz="2800" b="0" strike="noStrike" spc="-1">
                 <a:solidFill>
                   <a:srgbClr val="000000"/>
                 </a:solidFill>
@@ -3460,15 +3946,9 @@
               </a:rPr>
               <a:t>Click to edit Master text styles</a:t>
             </a:r>
-            <a:endParaRPr b="0" lang="en-US" sz="2800" spc="-1" strike="noStrike">
-              <a:solidFill>
-                <a:srgbClr val="000000"/>
-              </a:solidFill>
-              <a:latin typeface="Calibri"/>
-            </a:endParaRPr>
-          </a:p>
-          <a:p>
-            <a:pPr lvl="1" marL="685800" indent="-228240">
+          </a:p>
+          <a:p>
+            <a:pPr marL="685800" lvl="1" indent="-228240">
               <a:lnSpc>
                 <a:spcPct val="90000"/>
               </a:lnSpc>
@@ -3482,7 +3962,7 @@
               <a:buChar char="•"/>
             </a:pPr>
             <a:r>
-              <a:rPr b="0" lang="en-US" sz="2400" spc="-1" strike="noStrike">
+              <a:rPr lang="en-US" sz="2400" b="0" strike="noStrike" spc="-1">
                 <a:solidFill>
                   <a:srgbClr val="000000"/>
                 </a:solidFill>
@@ -3490,15 +3970,9 @@
               </a:rPr>
               <a:t>Second level</a:t>
             </a:r>
-            <a:endParaRPr b="0" lang="en-US" sz="2400" spc="-1" strike="noStrike">
-              <a:solidFill>
-                <a:srgbClr val="000000"/>
-              </a:solidFill>
-              <a:latin typeface="Calibri"/>
-            </a:endParaRPr>
-          </a:p>
-          <a:p>
-            <a:pPr lvl="2" marL="1143000" indent="-228240">
+          </a:p>
+          <a:p>
+            <a:pPr marL="1143000" lvl="2" indent="-228240">
               <a:lnSpc>
                 <a:spcPct val="90000"/>
               </a:lnSpc>
@@ -3512,7 +3986,7 @@
               <a:buChar char="•"/>
             </a:pPr>
             <a:r>
-              <a:rPr b="0" lang="en-US" sz="2000" spc="-1" strike="noStrike">
+              <a:rPr lang="en-US" sz="2000" b="0" strike="noStrike" spc="-1">
                 <a:solidFill>
                   <a:srgbClr val="000000"/>
                 </a:solidFill>
@@ -3520,15 +3994,9 @@
               </a:rPr>
               <a:t>Third level</a:t>
             </a:r>
-            <a:endParaRPr b="0" lang="en-US" sz="2000" spc="-1" strike="noStrike">
-              <a:solidFill>
-                <a:srgbClr val="000000"/>
-              </a:solidFill>
-              <a:latin typeface="Calibri"/>
-            </a:endParaRPr>
-          </a:p>
-          <a:p>
-            <a:pPr lvl="3" marL="1600200" indent="-228240">
+          </a:p>
+          <a:p>
+            <a:pPr marL="1600200" lvl="3" indent="-228240">
               <a:lnSpc>
                 <a:spcPct val="90000"/>
               </a:lnSpc>
@@ -3542,7 +4010,7 @@
               <a:buChar char="•"/>
             </a:pPr>
             <a:r>
-              <a:rPr b="0" lang="en-US" sz="1800" spc="-1" strike="noStrike">
+              <a:rPr lang="en-US" sz="1800" b="0" strike="noStrike" spc="-1">
                 <a:solidFill>
                   <a:srgbClr val="000000"/>
                 </a:solidFill>
@@ -3550,15 +4018,9 @@
               </a:rPr>
               <a:t>Fourth level</a:t>
             </a:r>
-            <a:endParaRPr b="0" lang="en-US" sz="1800" spc="-1" strike="noStrike">
-              <a:solidFill>
-                <a:srgbClr val="000000"/>
-              </a:solidFill>
-              <a:latin typeface="Calibri"/>
-            </a:endParaRPr>
-          </a:p>
-          <a:p>
-            <a:pPr lvl="4" marL="2057400" indent="-228240">
+          </a:p>
+          <a:p>
+            <a:pPr marL="2057400" lvl="4" indent="-228240">
               <a:lnSpc>
                 <a:spcPct val="90000"/>
               </a:lnSpc>
@@ -3572,7 +4034,7 @@
               <a:buChar char="•"/>
             </a:pPr>
             <a:r>
-              <a:rPr b="0" lang="en-US" sz="1800" spc="-1" strike="noStrike">
+              <a:rPr lang="en-US" sz="1800" b="0" strike="noStrike" spc="-1">
                 <a:solidFill>
                   <a:srgbClr val="000000"/>
                 </a:solidFill>
@@ -3580,12 +4042,6 @@
               </a:rPr>
               <a:t>Fifth level</a:t>
             </a:r>
-            <a:endParaRPr b="0" lang="en-US" sz="1800" spc="-1" strike="noStrike">
-              <a:solidFill>
-                <a:srgbClr val="000000"/>
-              </a:solidFill>
-              <a:latin typeface="Calibri"/>
-            </a:endParaRPr>
           </a:p>
         </p:txBody>
       </p:sp>
@@ -3612,6 +4068,7 @@
           <a:bodyPr anchor="ctr">
             <a:noAutofit/>
           </a:bodyPr>
+          <a:lstStyle/>
           <a:p>
             <a:pPr>
               <a:lnSpc>
@@ -3619,15 +4076,15 @@
               </a:lnSpc>
             </a:pPr>
             <a:fld id="{EEE7BB98-0854-4777-AE81-E07C933539B4}" type="datetime">
-              <a:rPr b="0" lang="en-AU" sz="1200" spc="-1" strike="noStrike">
+              <a:rPr lang="en-AU" sz="1200" b="0" strike="noStrike" spc="-1">
                 <a:solidFill>
-                  <a:srgbClr val="8b8b8b"/>
+                  <a:srgbClr val="8B8B8B"/>
                 </a:solidFill>
                 <a:latin typeface="Calibri"/>
               </a:rPr>
-              <a:t>6/01/22</a:t>
+              <a:t>11/01/2022</a:t>
             </a:fld>
-            <a:endParaRPr b="0" lang="en-AU" sz="1200" spc="-1" strike="noStrike">
+            <a:endParaRPr lang="en-AU" sz="1200" b="0" strike="noStrike" spc="-1">
               <a:latin typeface="Times New Roman"/>
             </a:endParaRPr>
           </a:p>
@@ -3656,8 +4113,9 @@
           <a:bodyPr anchor="ctr">
             <a:noAutofit/>
           </a:bodyPr>
-          <a:p>
-            <a:endParaRPr b="0" lang="en-AU" sz="2400" spc="-1" strike="noStrike">
+          <a:lstStyle/>
+          <a:p>
+            <a:endParaRPr lang="en-AU" sz="2400" b="0" strike="noStrike" spc="-1">
               <a:latin typeface="Times New Roman"/>
             </a:endParaRPr>
           </a:p>
@@ -3686,6 +4144,7 @@
           <a:bodyPr anchor="ctr">
             <a:noAutofit/>
           </a:bodyPr>
+          <a:lstStyle/>
           <a:p>
             <a:pPr algn="r">
               <a:lnSpc>
@@ -3693,15 +4152,15 @@
               </a:lnSpc>
             </a:pPr>
             <a:fld id="{2B0A56F1-CD00-4210-9B68-FDF714A89E43}" type="slidenum">
-              <a:rPr b="0" lang="en-AU" sz="1200" spc="-1" strike="noStrike">
+              <a:rPr lang="en-AU" sz="1200" b="0" strike="noStrike" spc="-1">
                 <a:solidFill>
-                  <a:srgbClr val="8b8b8b"/>
+                  <a:srgbClr val="8B8B8B"/>
                 </a:solidFill>
                 <a:latin typeface="Calibri"/>
               </a:rPr>
-              <a:t>&lt;number&gt;</a:t>
+              <a:t>‹#›</a:t>
             </a:fld>
-            <a:endParaRPr b="0" lang="en-AU" sz="1200" spc="-1" strike="noStrike">
+            <a:endParaRPr lang="en-AU" sz="1200" b="0" strike="noStrike" spc="-1">
               <a:latin typeface="Times New Roman"/>
             </a:endParaRPr>
           </a:p>
@@ -3709,26 +4168,306 @@
       </p:sp>
     </p:spTree>
   </p:cSld>
-  <p:clrMap bg1="lt1" bg2="lt2" tx1="dk1" tx2="dk2" accent1="accent1" accent2="accent2" accent3="accent3" accent4="accent4" accent5="accent5" accent6="accent6" hlink="hlink" folHlink="folHlink"/>
+  <p:clrMap bg1="lt1" tx1="dk1" bg2="lt2" tx2="dk2" accent1="accent1" accent2="accent2" accent3="accent3" accent4="accent4" accent5="accent5" accent6="accent6" hlink="hlink" folHlink="folHlink"/>
   <p:sldLayoutIdLst>
-    <p:sldLayoutId id="2147483662" r:id="rId2"/>
-    <p:sldLayoutId id="2147483663" r:id="rId3"/>
-    <p:sldLayoutId id="2147483664" r:id="rId4"/>
-    <p:sldLayoutId id="2147483665" r:id="rId5"/>
-    <p:sldLayoutId id="2147483666" r:id="rId6"/>
-    <p:sldLayoutId id="2147483667" r:id="rId7"/>
-    <p:sldLayoutId id="2147483668" r:id="rId8"/>
-    <p:sldLayoutId id="2147483669" r:id="rId9"/>
-    <p:sldLayoutId id="2147483670" r:id="rId10"/>
-    <p:sldLayoutId id="2147483671" r:id="rId11"/>
-    <p:sldLayoutId id="2147483672" r:id="rId12"/>
-    <p:sldLayoutId id="2147483673" r:id="rId13"/>
+    <p:sldLayoutId id="2147483662" r:id="rId1"/>
+    <p:sldLayoutId id="2147483663" r:id="rId2"/>
+    <p:sldLayoutId id="2147483664" r:id="rId3"/>
+    <p:sldLayoutId id="2147483665" r:id="rId4"/>
+    <p:sldLayoutId id="2147483666" r:id="rId5"/>
+    <p:sldLayoutId id="2147483667" r:id="rId6"/>
+    <p:sldLayoutId id="2147483668" r:id="rId7"/>
+    <p:sldLayoutId id="2147483669" r:id="rId8"/>
+    <p:sldLayoutId id="2147483670" r:id="rId9"/>
+    <p:sldLayoutId id="2147483671" r:id="rId10"/>
+    <p:sldLayoutId id="2147483672" r:id="rId11"/>
+    <p:sldLayoutId id="2147483673" r:id="rId12"/>
   </p:sldLayoutIdLst>
+  <p:txStyles>
+    <p:titleStyle>
+      <a:lvl1pPr algn="l" defTabSz="914400" rtl="0" eaLnBrk="1" latinLnBrk="0" hangingPunct="1">
+        <a:lnSpc>
+          <a:spcPct val="90000"/>
+        </a:lnSpc>
+        <a:spcBef>
+          <a:spcPct val="0"/>
+        </a:spcBef>
+        <a:buNone/>
+        <a:defRPr sz="4400" kern="1200">
+          <a:solidFill>
+            <a:schemeClr val="tx1"/>
+          </a:solidFill>
+          <a:latin typeface="+mj-lt"/>
+          <a:ea typeface="+mj-ea"/>
+          <a:cs typeface="+mj-cs"/>
+        </a:defRPr>
+      </a:lvl1pPr>
+    </p:titleStyle>
+    <p:bodyStyle>
+      <a:lvl1pPr marL="228600" indent="-228600" algn="l" defTabSz="914400" rtl="0" eaLnBrk="1" latinLnBrk="0" hangingPunct="1">
+        <a:lnSpc>
+          <a:spcPct val="90000"/>
+        </a:lnSpc>
+        <a:spcBef>
+          <a:spcPts val="1000"/>
+        </a:spcBef>
+        <a:buFont typeface="Arial" panose="020B0604020202020204" pitchFamily="34" charset="0"/>
+        <a:buChar char="•"/>
+        <a:defRPr sz="2800" kern="1200">
+          <a:solidFill>
+            <a:schemeClr val="tx1"/>
+          </a:solidFill>
+          <a:latin typeface="+mn-lt"/>
+          <a:ea typeface="+mn-ea"/>
+          <a:cs typeface="+mn-cs"/>
+        </a:defRPr>
+      </a:lvl1pPr>
+      <a:lvl2pPr marL="685800" indent="-228600" algn="l" defTabSz="914400" rtl="0" eaLnBrk="1" latinLnBrk="0" hangingPunct="1">
+        <a:lnSpc>
+          <a:spcPct val="90000"/>
+        </a:lnSpc>
+        <a:spcBef>
+          <a:spcPts val="500"/>
+        </a:spcBef>
+        <a:buFont typeface="Arial" panose="020B0604020202020204" pitchFamily="34" charset="0"/>
+        <a:buChar char="•"/>
+        <a:defRPr sz="2400" kern="1200">
+          <a:solidFill>
+            <a:schemeClr val="tx1"/>
+          </a:solidFill>
+          <a:latin typeface="+mn-lt"/>
+          <a:ea typeface="+mn-ea"/>
+          <a:cs typeface="+mn-cs"/>
+        </a:defRPr>
+      </a:lvl2pPr>
+      <a:lvl3pPr marL="1143000" indent="-228600" algn="l" defTabSz="914400" rtl="0" eaLnBrk="1" latinLnBrk="0" hangingPunct="1">
+        <a:lnSpc>
+          <a:spcPct val="90000"/>
+        </a:lnSpc>
+        <a:spcBef>
+          <a:spcPts val="500"/>
+        </a:spcBef>
+        <a:buFont typeface="Arial" panose="020B0604020202020204" pitchFamily="34" charset="0"/>
+        <a:buChar char="•"/>
+        <a:defRPr sz="2000" kern="1200">
+          <a:solidFill>
+            <a:schemeClr val="tx1"/>
+          </a:solidFill>
+          <a:latin typeface="+mn-lt"/>
+          <a:ea typeface="+mn-ea"/>
+          <a:cs typeface="+mn-cs"/>
+        </a:defRPr>
+      </a:lvl3pPr>
+      <a:lvl4pPr marL="1600200" indent="-228600" algn="l" defTabSz="914400" rtl="0" eaLnBrk="1" latinLnBrk="0" hangingPunct="1">
+        <a:lnSpc>
+          <a:spcPct val="90000"/>
+        </a:lnSpc>
+        <a:spcBef>
+          <a:spcPts val="500"/>
+        </a:spcBef>
+        <a:buFont typeface="Arial" panose="020B0604020202020204" pitchFamily="34" charset="0"/>
+        <a:buChar char="•"/>
+        <a:defRPr sz="1800" kern="1200">
+          <a:solidFill>
+            <a:schemeClr val="tx1"/>
+          </a:solidFill>
+          <a:latin typeface="+mn-lt"/>
+          <a:ea typeface="+mn-ea"/>
+          <a:cs typeface="+mn-cs"/>
+        </a:defRPr>
+      </a:lvl4pPr>
+      <a:lvl5pPr marL="2057400" indent="-228600" algn="l" defTabSz="914400" rtl="0" eaLnBrk="1" latinLnBrk="0" hangingPunct="1">
+        <a:lnSpc>
+          <a:spcPct val="90000"/>
+        </a:lnSpc>
+        <a:spcBef>
+          <a:spcPts val="500"/>
+        </a:spcBef>
+        <a:buFont typeface="Arial" panose="020B0604020202020204" pitchFamily="34" charset="0"/>
+        <a:buChar char="•"/>
+        <a:defRPr sz="1800" kern="1200">
+          <a:solidFill>
+            <a:schemeClr val="tx1"/>
+          </a:solidFill>
+          <a:latin typeface="+mn-lt"/>
+          <a:ea typeface="+mn-ea"/>
+          <a:cs typeface="+mn-cs"/>
+        </a:defRPr>
+      </a:lvl5pPr>
+      <a:lvl6pPr marL="2514600" indent="-228600" algn="l" defTabSz="914400" rtl="0" eaLnBrk="1" latinLnBrk="0" hangingPunct="1">
+        <a:lnSpc>
+          <a:spcPct val="90000"/>
+        </a:lnSpc>
+        <a:spcBef>
+          <a:spcPts val="500"/>
+        </a:spcBef>
+        <a:buFont typeface="Arial" panose="020B0604020202020204" pitchFamily="34" charset="0"/>
+        <a:buChar char="•"/>
+        <a:defRPr sz="1800" kern="1200">
+          <a:solidFill>
+            <a:schemeClr val="tx1"/>
+          </a:solidFill>
+          <a:latin typeface="+mn-lt"/>
+          <a:ea typeface="+mn-ea"/>
+          <a:cs typeface="+mn-cs"/>
+        </a:defRPr>
+      </a:lvl6pPr>
+      <a:lvl7pPr marL="2971800" indent="-228600" algn="l" defTabSz="914400" rtl="0" eaLnBrk="1" latinLnBrk="0" hangingPunct="1">
+        <a:lnSpc>
+          <a:spcPct val="90000"/>
+        </a:lnSpc>
+        <a:spcBef>
+          <a:spcPts val="500"/>
+        </a:spcBef>
+        <a:buFont typeface="Arial" panose="020B0604020202020204" pitchFamily="34" charset="0"/>
+        <a:buChar char="•"/>
+        <a:defRPr sz="1800" kern="1200">
+          <a:solidFill>
+            <a:schemeClr val="tx1"/>
+          </a:solidFill>
+          <a:latin typeface="+mn-lt"/>
+          <a:ea typeface="+mn-ea"/>
+          <a:cs typeface="+mn-cs"/>
+        </a:defRPr>
+      </a:lvl7pPr>
+      <a:lvl8pPr marL="3429000" indent="-228600" algn="l" defTabSz="914400" rtl="0" eaLnBrk="1" latinLnBrk="0" hangingPunct="1">
+        <a:lnSpc>
+          <a:spcPct val="90000"/>
+        </a:lnSpc>
+        <a:spcBef>
+          <a:spcPts val="500"/>
+        </a:spcBef>
+        <a:buFont typeface="Arial" panose="020B0604020202020204" pitchFamily="34" charset="0"/>
+        <a:buChar char="•"/>
+        <a:defRPr sz="1800" kern="1200">
+          <a:solidFill>
+            <a:schemeClr val="tx1"/>
+          </a:solidFill>
+          <a:latin typeface="+mn-lt"/>
+          <a:ea typeface="+mn-ea"/>
+          <a:cs typeface="+mn-cs"/>
+        </a:defRPr>
+      </a:lvl8pPr>
+      <a:lvl9pPr marL="3886200" indent="-228600" algn="l" defTabSz="914400" rtl="0" eaLnBrk="1" latinLnBrk="0" hangingPunct="1">
+        <a:lnSpc>
+          <a:spcPct val="90000"/>
+        </a:lnSpc>
+        <a:spcBef>
+          <a:spcPts val="500"/>
+        </a:spcBef>
+        <a:buFont typeface="Arial" panose="020B0604020202020204" pitchFamily="34" charset="0"/>
+        <a:buChar char="•"/>
+        <a:defRPr sz="1800" kern="1200">
+          <a:solidFill>
+            <a:schemeClr val="tx1"/>
+          </a:solidFill>
+          <a:latin typeface="+mn-lt"/>
+          <a:ea typeface="+mn-ea"/>
+          <a:cs typeface="+mn-cs"/>
+        </a:defRPr>
+      </a:lvl9pPr>
+    </p:bodyStyle>
+    <p:otherStyle>
+      <a:defPPr>
+        <a:defRPr lang="en-US"/>
+      </a:defPPr>
+      <a:lvl1pPr marL="0" algn="l" defTabSz="914400" rtl="0" eaLnBrk="1" latinLnBrk="0" hangingPunct="1">
+        <a:defRPr sz="1800" kern="1200">
+          <a:solidFill>
+            <a:schemeClr val="tx1"/>
+          </a:solidFill>
+          <a:latin typeface="+mn-lt"/>
+          <a:ea typeface="+mn-ea"/>
+          <a:cs typeface="+mn-cs"/>
+        </a:defRPr>
+      </a:lvl1pPr>
+      <a:lvl2pPr marL="457200" algn="l" defTabSz="914400" rtl="0" eaLnBrk="1" latinLnBrk="0" hangingPunct="1">
+        <a:defRPr sz="1800" kern="1200">
+          <a:solidFill>
+            <a:schemeClr val="tx1"/>
+          </a:solidFill>
+          <a:latin typeface="+mn-lt"/>
+          <a:ea typeface="+mn-ea"/>
+          <a:cs typeface="+mn-cs"/>
+        </a:defRPr>
+      </a:lvl2pPr>
+      <a:lvl3pPr marL="914400" algn="l" defTabSz="914400" rtl="0" eaLnBrk="1" latinLnBrk="0" hangingPunct="1">
+        <a:defRPr sz="1800" kern="1200">
+          <a:solidFill>
+            <a:schemeClr val="tx1"/>
+          </a:solidFill>
+          <a:latin typeface="+mn-lt"/>
+          <a:ea typeface="+mn-ea"/>
+          <a:cs typeface="+mn-cs"/>
+        </a:defRPr>
+      </a:lvl3pPr>
+      <a:lvl4pPr marL="1371600" algn="l" defTabSz="914400" rtl="0" eaLnBrk="1" latinLnBrk="0" hangingPunct="1">
+        <a:defRPr sz="1800" kern="1200">
+          <a:solidFill>
+            <a:schemeClr val="tx1"/>
+          </a:solidFill>
+          <a:latin typeface="+mn-lt"/>
+          <a:ea typeface="+mn-ea"/>
+          <a:cs typeface="+mn-cs"/>
+        </a:defRPr>
+      </a:lvl4pPr>
+      <a:lvl5pPr marL="1828800" algn="l" defTabSz="914400" rtl="0" eaLnBrk="1" latinLnBrk="0" hangingPunct="1">
+        <a:defRPr sz="1800" kern="1200">
+          <a:solidFill>
+            <a:schemeClr val="tx1"/>
+          </a:solidFill>
+          <a:latin typeface="+mn-lt"/>
+          <a:ea typeface="+mn-ea"/>
+          <a:cs typeface="+mn-cs"/>
+        </a:defRPr>
+      </a:lvl5pPr>
+      <a:lvl6pPr marL="2286000" algn="l" defTabSz="914400" rtl="0" eaLnBrk="1" latinLnBrk="0" hangingPunct="1">
+        <a:defRPr sz="1800" kern="1200">
+          <a:solidFill>
+            <a:schemeClr val="tx1"/>
+          </a:solidFill>
+          <a:latin typeface="+mn-lt"/>
+          <a:ea typeface="+mn-ea"/>
+          <a:cs typeface="+mn-cs"/>
+        </a:defRPr>
+      </a:lvl6pPr>
+      <a:lvl7pPr marL="2743200" algn="l" defTabSz="914400" rtl="0" eaLnBrk="1" latinLnBrk="0" hangingPunct="1">
+        <a:defRPr sz="1800" kern="1200">
+          <a:solidFill>
+            <a:schemeClr val="tx1"/>
+          </a:solidFill>
+          <a:latin typeface="+mn-lt"/>
+          <a:ea typeface="+mn-ea"/>
+          <a:cs typeface="+mn-cs"/>
+        </a:defRPr>
+      </a:lvl7pPr>
+      <a:lvl8pPr marL="3200400" algn="l" defTabSz="914400" rtl="0" eaLnBrk="1" latinLnBrk="0" hangingPunct="1">
+        <a:defRPr sz="1800" kern="1200">
+          <a:solidFill>
+            <a:schemeClr val="tx1"/>
+          </a:solidFill>
+          <a:latin typeface="+mn-lt"/>
+          <a:ea typeface="+mn-ea"/>
+          <a:cs typeface="+mn-cs"/>
+        </a:defRPr>
+      </a:lvl8pPr>
+      <a:lvl9pPr marL="3657600" algn="l" defTabSz="914400" rtl="0" eaLnBrk="1" latinLnBrk="0" hangingPunct="1">
+        <a:defRPr sz="1800" kern="1200">
+          <a:solidFill>
+            <a:schemeClr val="tx1"/>
+          </a:solidFill>
+          <a:latin typeface="+mn-lt"/>
+          <a:ea typeface="+mn-ea"/>
+          <a:cs typeface="+mn-cs"/>
+        </a:defRPr>
+      </a:lvl9pPr>
+    </p:otherStyle>
+  </p:txStyles>
 </p:sldMaster>
 </file>
 
 <file path=ppt/slides/slide1.xml><?xml version="1.0" encoding="utf-8"?>
-<p:sld xmlns:a="http://schemas.openxmlformats.org/drawingml/2006/main" xmlns:p="http://schemas.openxmlformats.org/presentationml/2006/main" xmlns:r="http://schemas.openxmlformats.org/officeDocument/2006/relationships" xmlns:p14="http://schemas.microsoft.com/office/powerpoint/2010/main" xmlns:p15="http://schemas.microsoft.com/office/powerpoint/2012/main" xmlns:mc="http://schemas.openxmlformats.org/markup-compatibility/2006">
+<p:sld xmlns:a="http://schemas.openxmlformats.org/drawingml/2006/main" xmlns:r="http://schemas.openxmlformats.org/officeDocument/2006/relationships" xmlns:p="http://schemas.openxmlformats.org/presentationml/2006/main">
   <p:cSld>
     <p:spTree>
       <p:nvGrpSpPr>
@@ -3764,15 +4503,22 @@
           </a:ln>
         </p:spPr>
         <p:style>
-          <a:lnRef idx="0"/>
-          <a:fillRef idx="0"/>
-          <a:effectRef idx="0"/>
+          <a:lnRef idx="0">
+            <a:scrgbClr r="0" g="0" b="0"/>
+          </a:lnRef>
+          <a:fillRef idx="0">
+            <a:scrgbClr r="0" g="0" b="0"/>
+          </a:fillRef>
+          <a:effectRef idx="0">
+            <a:scrgbClr r="0" g="0" b="0"/>
+          </a:effectRef>
           <a:fontRef idx="minor"/>
         </p:style>
         <p:txBody>
-          <a:bodyPr lIns="90000" rIns="90000" tIns="45000" bIns="45000" anchor="ctr">
+          <a:bodyPr lIns="90000" tIns="45000" rIns="90000" bIns="45000" anchor="ctr">
             <a:noAutofit/>
           </a:bodyPr>
+          <a:lstStyle/>
           <a:p>
             <a:pPr algn="ctr">
               <a:lnSpc>
@@ -3780,7 +4526,7 @@
               </a:lnSpc>
             </a:pPr>
             <a:r>
-              <a:rPr b="0" lang="en-US" sz="1800" spc="-1" strike="noStrike">
+              <a:rPr lang="en-US" sz="1800" b="0" strike="noStrike" spc="-1">
                 <a:solidFill>
                   <a:srgbClr val="000000"/>
                 </a:solidFill>
@@ -3788,7 +4534,7 @@
               </a:rPr>
               <a:t>Go to the Movies</a:t>
             </a:r>
-            <a:endParaRPr b="0" lang="en-AU" sz="1800" spc="-1" strike="noStrike">
+            <a:endParaRPr lang="en-AU" sz="1800" b="0" strike="noStrike" spc="-1">
               <a:latin typeface="Arial"/>
             </a:endParaRPr>
           </a:p>
@@ -3810,7 +4556,7 @@
           </a:prstGeom>
           <a:ln>
             <a:solidFill>
-              <a:srgbClr val="4472c4"/>
+              <a:srgbClr val="4472C4"/>
             </a:solidFill>
           </a:ln>
         </p:spPr>
@@ -3847,15 +4593,22 @@
           </a:ln>
         </p:spPr>
         <p:style>
-          <a:lnRef idx="0"/>
-          <a:fillRef idx="0"/>
-          <a:effectRef idx="0"/>
+          <a:lnRef idx="0">
+            <a:scrgbClr r="0" g="0" b="0"/>
+          </a:lnRef>
+          <a:fillRef idx="0">
+            <a:scrgbClr r="0" g="0" b="0"/>
+          </a:fillRef>
+          <a:effectRef idx="0">
+            <a:scrgbClr r="0" g="0" b="0"/>
+          </a:effectRef>
           <a:fontRef idx="minor"/>
         </p:style>
         <p:txBody>
-          <a:bodyPr lIns="90000" rIns="90000" tIns="45000" bIns="45000">
+          <a:bodyPr lIns="90000" tIns="45000" rIns="90000" bIns="45000">
             <a:spAutoFit/>
           </a:bodyPr>
+          <a:lstStyle/>
           <a:p>
             <a:pPr>
               <a:lnSpc>
@@ -3863,7 +4616,7 @@
               </a:lnSpc>
             </a:pPr>
             <a:r>
-              <a:rPr b="0" lang="en-US" sz="1800" spc="-1" strike="noStrike">
+              <a:rPr lang="en-US" sz="1800" b="0" strike="noStrike" spc="-1">
                 <a:solidFill>
                   <a:srgbClr val="000000"/>
                 </a:solidFill>
@@ -3871,7 +4624,7 @@
               </a:rPr>
               <a:t>Go to the movies </a:t>
             </a:r>
-            <a:endParaRPr b="0" lang="en-AU" sz="1800" spc="-1" strike="noStrike">
+            <a:endParaRPr lang="en-AU" sz="1800" b="0" strike="noStrike" spc="-1">
               <a:latin typeface="Arial"/>
             </a:endParaRPr>
           </a:p>
@@ -3892,7 +4645,7 @@
             <a:avLst/>
           </a:prstGeom>
           <a:solidFill>
-            <a:srgbClr val="4472c4"/>
+            <a:srgbClr val="4472C4"/>
           </a:solidFill>
           <a:ln>
             <a:solidFill>
@@ -3955,9 +4708,10 @@
           <a:fontRef idx="minor"/>
         </p:style>
         <p:txBody>
-          <a:bodyPr lIns="90000" rIns="90000" tIns="45000" bIns="45000" anchor="ctr">
+          <a:bodyPr lIns="90000" tIns="45000" rIns="90000" bIns="45000" anchor="ctr">
             <a:noAutofit/>
           </a:bodyPr>
+          <a:lstStyle/>
           <a:p>
             <a:pPr algn="ctr">
               <a:lnSpc>
@@ -3965,15 +4719,15 @@
               </a:lnSpc>
             </a:pPr>
             <a:r>
-              <a:rPr b="0" lang="en-US" sz="1800" spc="-1" strike="noStrike">
+              <a:rPr lang="en-US" sz="1800" b="0" strike="noStrike" spc="-1">
                 <a:solidFill>
-                  <a:srgbClr val="ffffff"/>
+                  <a:srgbClr val="FFFFFF"/>
                 </a:solidFill>
                 <a:latin typeface="Calibri"/>
               </a:rPr>
               <a:t>Search By Location</a:t>
             </a:r>
-            <a:endParaRPr b="0" lang="en-AU" sz="1800" spc="-1" strike="noStrike">
+            <a:endParaRPr lang="en-AU" sz="1800" b="0" strike="noStrike" spc="-1">
               <a:latin typeface="Arial"/>
             </a:endParaRPr>
           </a:p>
@@ -4019,9 +4773,10 @@
           <a:fontRef idx="minor"/>
         </p:style>
         <p:txBody>
-          <a:bodyPr lIns="90000" rIns="90000" tIns="45000" bIns="45000" anchor="ctr">
+          <a:bodyPr lIns="90000" tIns="45000" rIns="90000" bIns="45000" anchor="ctr">
             <a:noAutofit/>
           </a:bodyPr>
+          <a:lstStyle/>
           <a:p>
             <a:pPr algn="ctr">
               <a:lnSpc>
@@ -4029,24 +4784,24 @@
               </a:lnSpc>
             </a:pPr>
             <a:r>
-              <a:rPr b="0" lang="en-US" sz="1800" spc="-1" strike="noStrike">
+              <a:rPr lang="en-US" sz="1800" b="0" strike="noStrike" spc="-1">
                 <a:solidFill>
-                  <a:srgbClr val="ffffff"/>
+                  <a:srgbClr val="FFFFFF"/>
                 </a:solidFill>
                 <a:latin typeface="Calibri"/>
               </a:rPr>
               <a:t>Search By Movie </a:t>
             </a:r>
             <a:r>
-              <a:rPr b="0" lang="en-US" sz="1100" spc="-1" strike="noStrike">
+              <a:rPr lang="en-US" sz="1100" b="0" strike="noStrike" spc="-1">
                 <a:solidFill>
-                  <a:srgbClr val="ffffff"/>
+                  <a:srgbClr val="FFFFFF"/>
                 </a:solidFill>
                 <a:latin typeface="Calibri"/>
               </a:rPr>
               <a:t>(radio Button)</a:t>
             </a:r>
-            <a:endParaRPr b="0" lang="en-AU" sz="1100" spc="-1" strike="noStrike">
+            <a:endParaRPr lang="en-AU" sz="1100" b="0" strike="noStrike" spc="-1">
               <a:latin typeface="Arial"/>
             </a:endParaRPr>
           </a:p>
@@ -4092,9 +4847,10 @@
           <a:fontRef idx="minor"/>
         </p:style>
         <p:txBody>
-          <a:bodyPr lIns="90000" rIns="90000" tIns="45000" bIns="45000" anchor="ctr">
+          <a:bodyPr lIns="90000" tIns="45000" rIns="90000" bIns="45000" anchor="ctr">
             <a:noAutofit/>
           </a:bodyPr>
+          <a:lstStyle/>
           <a:p>
             <a:pPr algn="ctr">
               <a:lnSpc>
@@ -4102,15 +4858,15 @@
               </a:lnSpc>
             </a:pPr>
             <a:r>
-              <a:rPr b="0" lang="en-US" sz="1800" spc="-1" strike="noStrike">
+              <a:rPr lang="en-US" sz="1800" b="0" strike="noStrike" spc="-1">
                 <a:solidFill>
-                  <a:srgbClr val="ffffff"/>
+                  <a:srgbClr val="FFFFFF"/>
                 </a:solidFill>
                 <a:latin typeface="Calibri"/>
               </a:rPr>
               <a:t>About US</a:t>
             </a:r>
-            <a:endParaRPr b="0" lang="en-AU" sz="1800" spc="-1" strike="noStrike">
+            <a:endParaRPr lang="en-AU" sz="1800" b="0" strike="noStrike" spc="-1">
               <a:latin typeface="Arial"/>
             </a:endParaRPr>
           </a:p>
@@ -4133,11 +4889,11 @@
             </a:avLst>
           </a:prstGeom>
           <a:solidFill>
-            <a:srgbClr val="5b9bd5"/>
+            <a:srgbClr val="5B9BD5"/>
           </a:solidFill>
           <a:ln>
             <a:solidFill>
-              <a:srgbClr val="43729d"/>
+              <a:srgbClr val="43729D"/>
             </a:solidFill>
           </a:ln>
         </p:spPr>
@@ -4173,7 +4929,7 @@
             </a:avLst>
           </a:prstGeom>
           <a:solidFill>
-            <a:srgbClr val="4472c4"/>
+            <a:srgbClr val="4472C4"/>
           </a:solidFill>
           <a:ln>
             <a:solidFill>
@@ -4213,11 +4969,11 @@
             </a:avLst>
           </a:prstGeom>
           <a:solidFill>
-            <a:srgbClr val="ffffff"/>
+            <a:srgbClr val="FFFFFF"/>
           </a:solidFill>
           <a:ln>
             <a:solidFill>
-              <a:srgbClr val="a5a5a5"/>
+              <a:srgbClr val="A5A5A5"/>
             </a:solidFill>
           </a:ln>
         </p:spPr>
@@ -4254,15 +5010,22 @@
           </a:ln>
         </p:spPr>
         <p:style>
-          <a:lnRef idx="0"/>
-          <a:fillRef idx="0"/>
-          <a:effectRef idx="0"/>
+          <a:lnRef idx="0">
+            <a:scrgbClr r="0" g="0" b="0"/>
+          </a:lnRef>
+          <a:fillRef idx="0">
+            <a:scrgbClr r="0" g="0" b="0"/>
+          </a:fillRef>
+          <a:effectRef idx="0">
+            <a:scrgbClr r="0" g="0" b="0"/>
+          </a:effectRef>
           <a:fontRef idx="minor"/>
         </p:style>
         <p:txBody>
-          <a:bodyPr lIns="90000" rIns="90000" tIns="45000" bIns="45000">
+          <a:bodyPr lIns="90000" tIns="45000" rIns="90000" bIns="45000">
             <a:spAutoFit/>
           </a:bodyPr>
+          <a:lstStyle/>
           <a:p>
             <a:pPr>
               <a:lnSpc>
@@ -4270,7 +5033,7 @@
               </a:lnSpc>
             </a:pPr>
             <a:r>
-              <a:rPr b="0" lang="en-US" sz="1800" spc="-1" strike="noStrike">
+              <a:rPr lang="en-US" sz="1800" b="0" strike="noStrike" spc="-1">
                 <a:solidFill>
                   <a:srgbClr val="000000"/>
                 </a:solidFill>
@@ -4278,7 +5041,7 @@
               </a:rPr>
               <a:t>Search By</a:t>
             </a:r>
-            <a:endParaRPr b="0" lang="en-AU" sz="1800" spc="-1" strike="noStrike">
+            <a:endParaRPr lang="en-AU" sz="1800" b="0" strike="noStrike" spc="-1">
               <a:latin typeface="Arial"/>
             </a:endParaRPr>
           </a:p>
@@ -4304,15 +5067,22 @@
           </a:ln>
         </p:spPr>
         <p:style>
-          <a:lnRef idx="0"/>
-          <a:fillRef idx="0"/>
-          <a:effectRef idx="0"/>
+          <a:lnRef idx="0">
+            <a:scrgbClr r="0" g="0" b="0"/>
+          </a:lnRef>
+          <a:fillRef idx="0">
+            <a:scrgbClr r="0" g="0" b="0"/>
+          </a:fillRef>
+          <a:effectRef idx="0">
+            <a:scrgbClr r="0" g="0" b="0"/>
+          </a:effectRef>
           <a:fontRef idx="minor"/>
         </p:style>
         <p:txBody>
-          <a:bodyPr lIns="90000" rIns="90000" tIns="45000" bIns="45000">
+          <a:bodyPr lIns="90000" tIns="45000" rIns="90000" bIns="45000">
             <a:spAutoFit/>
           </a:bodyPr>
+          <a:lstStyle/>
           <a:p>
             <a:pPr>
               <a:lnSpc>
@@ -4320,7 +5090,7 @@
               </a:lnSpc>
             </a:pPr>
             <a:r>
-              <a:rPr b="0" lang="en-US" sz="1800" spc="-1" strike="noStrike">
+              <a:rPr lang="en-US" sz="1800" b="0" strike="noStrike" spc="-1">
                 <a:solidFill>
                   <a:srgbClr val="000000"/>
                 </a:solidFill>
@@ -4328,7 +5098,7 @@
               </a:rPr>
               <a:t>Recent Searches</a:t>
             </a:r>
-            <a:endParaRPr b="0" lang="en-AU" sz="1800" spc="-1" strike="noStrike">
+            <a:endParaRPr lang="en-AU" sz="1800" b="0" strike="noStrike" spc="-1">
               <a:latin typeface="Arial"/>
             </a:endParaRPr>
           </a:p>
@@ -4351,11 +5121,11 @@
             </a:avLst>
           </a:prstGeom>
           <a:solidFill>
-            <a:srgbClr val="ffffff"/>
+            <a:srgbClr val="FFFFFF"/>
           </a:solidFill>
           <a:ln>
             <a:solidFill>
-              <a:srgbClr val="5b9bd5"/>
+              <a:srgbClr val="5B9BD5"/>
             </a:solidFill>
           </a:ln>
         </p:spPr>
@@ -4389,7 +5159,7 @@
             </a:avLst>
           </a:prstGeom>
           <a:solidFill>
-            <a:srgbClr val="4472c4"/>
+            <a:srgbClr val="4472C4"/>
           </a:solidFill>
           <a:ln>
             <a:solidFill>
@@ -4432,15 +5202,22 @@
           </a:ln>
         </p:spPr>
         <p:style>
-          <a:lnRef idx="0"/>
-          <a:fillRef idx="0"/>
-          <a:effectRef idx="0"/>
+          <a:lnRef idx="0">
+            <a:scrgbClr r="0" g="0" b="0"/>
+          </a:lnRef>
+          <a:fillRef idx="0">
+            <a:scrgbClr r="0" g="0" b="0"/>
+          </a:fillRef>
+          <a:effectRef idx="0">
+            <a:scrgbClr r="0" g="0" b="0"/>
+          </a:effectRef>
           <a:fontRef idx="minor"/>
         </p:style>
         <p:txBody>
-          <a:bodyPr lIns="90000" rIns="90000" tIns="45000" bIns="45000">
+          <a:bodyPr lIns="90000" tIns="45000" rIns="90000" bIns="45000">
             <a:spAutoFit/>
           </a:bodyPr>
+          <a:lstStyle/>
           <a:p>
             <a:pPr>
               <a:lnSpc>
@@ -4448,7 +5225,7 @@
               </a:lnSpc>
             </a:pPr>
             <a:r>
-              <a:rPr b="0" lang="en-US" sz="1800" spc="-1" strike="noStrike">
+              <a:rPr lang="en-US" sz="1800" b="0" strike="noStrike" spc="-1">
                 <a:solidFill>
                   <a:srgbClr val="000000"/>
                 </a:solidFill>
@@ -4456,7 +5233,7 @@
               </a:rPr>
               <a:t>Results</a:t>
             </a:r>
-            <a:endParaRPr b="0" lang="en-AU" sz="1800" spc="-1" strike="noStrike">
+            <a:endParaRPr lang="en-AU" sz="1800" b="0" strike="noStrike" spc="-1">
               <a:latin typeface="Arial"/>
             </a:endParaRPr>
           </a:p>
@@ -4467,7 +5244,7 @@
               </a:lnSpc>
             </a:pPr>
             <a:r>
-              <a:rPr b="0" lang="en-US" sz="1800" spc="-1" strike="noStrike">
+              <a:rPr lang="en-US" sz="1800" b="0" strike="noStrike" spc="-1">
                 <a:solidFill>
                   <a:srgbClr val="000000"/>
                 </a:solidFill>
@@ -4475,7 +5252,7 @@
               </a:rPr>
               <a:t>1.Melboure Hoyts</a:t>
             </a:r>
-            <a:endParaRPr b="0" lang="en-AU" sz="1800" spc="-1" strike="noStrike">
+            <a:endParaRPr lang="en-AU" sz="1800" b="0" strike="noStrike" spc="-1">
               <a:latin typeface="Arial"/>
             </a:endParaRPr>
           </a:p>
@@ -4486,7 +5263,7 @@
               </a:lnSpc>
             </a:pPr>
             <a:r>
-              <a:rPr b="0" lang="en-US" sz="1800" spc="-1" strike="noStrike">
+              <a:rPr lang="en-US" sz="1800" b="0" strike="noStrike" spc="-1">
                 <a:solidFill>
                   <a:srgbClr val="000000"/>
                 </a:solidFill>
@@ -4494,7 +5271,7 @@
               </a:rPr>
               <a:t>2.Box Hill Hoyts </a:t>
             </a:r>
-            <a:endParaRPr b="0" lang="en-AU" sz="1800" spc="-1" strike="noStrike">
+            <a:endParaRPr lang="en-AU" sz="1800" b="0" strike="noStrike" spc="-1">
               <a:latin typeface="Arial"/>
             </a:endParaRPr>
           </a:p>
@@ -4517,11 +5294,11 @@
             </a:avLst>
           </a:prstGeom>
           <a:solidFill>
-            <a:srgbClr val="ffffff"/>
+            <a:srgbClr val="FFFFFF"/>
           </a:solidFill>
           <a:ln>
             <a:solidFill>
-              <a:srgbClr val="4472c4"/>
+              <a:srgbClr val="4472C4"/>
             </a:solidFill>
           </a:ln>
         </p:spPr>
@@ -4555,7 +5332,7 @@
             </a:avLst>
           </a:prstGeom>
           <a:solidFill>
-            <a:srgbClr val="4472c4"/>
+            <a:srgbClr val="4472C4"/>
           </a:solidFill>
           <a:ln>
             <a:solidFill>
@@ -4595,11 +5372,11 @@
             </a:avLst>
           </a:prstGeom>
           <a:solidFill>
-            <a:srgbClr val="ffc000"/>
+            <a:srgbClr val="FFC000"/>
           </a:solidFill>
           <a:ln>
             <a:solidFill>
-              <a:srgbClr val="bc8e00"/>
+              <a:srgbClr val="BC8E00"/>
             </a:solidFill>
           </a:ln>
         </p:spPr>
@@ -4635,11 +5412,11 @@
             </a:avLst>
           </a:prstGeom>
           <a:solidFill>
-            <a:srgbClr val="ffc000"/>
+            <a:srgbClr val="FFC000"/>
           </a:solidFill>
           <a:ln>
             <a:solidFill>
-              <a:srgbClr val="bc8e00"/>
+              <a:srgbClr val="BC8E00"/>
             </a:solidFill>
           </a:ln>
         </p:spPr>
@@ -4660,19 +5437,14 @@
       </p:sp>
     </p:spTree>
   </p:cSld>
-  <mc:AlternateContent>
-    <mc:Choice Requires="p14">
-      <p:transition spd="slow" p14:dur="2000"/>
-    </mc:Choice>
-    <mc:Fallback>
-      <p:transition spd="slow"/>
-    </mc:Fallback>
-  </mc:AlternateContent>
+  <p:clrMapOvr>
+    <a:masterClrMapping/>
+  </p:clrMapOvr>
 </p:sld>
 </file>
 
 <file path=ppt/slides/slide2.xml><?xml version="1.0" encoding="utf-8"?>
-<p:sld xmlns:a="http://schemas.openxmlformats.org/drawingml/2006/main" xmlns:p="http://schemas.openxmlformats.org/presentationml/2006/main" xmlns:r="http://schemas.openxmlformats.org/officeDocument/2006/relationships" xmlns:p14="http://schemas.microsoft.com/office/powerpoint/2010/main" xmlns:p15="http://schemas.microsoft.com/office/powerpoint/2012/main" xmlns:mc="http://schemas.openxmlformats.org/markup-compatibility/2006">
+<p:sld xmlns:a="http://schemas.openxmlformats.org/drawingml/2006/main" xmlns:r="http://schemas.openxmlformats.org/officeDocument/2006/relationships" xmlns:p="http://schemas.openxmlformats.org/presentationml/2006/main">
   <p:cSld>
     <p:spTree>
       <p:nvGrpSpPr>
@@ -4705,7 +5477,7 @@
             </a:avLst>
           </a:prstGeom>
           <a:solidFill>
-            <a:srgbClr val="4472c4"/>
+            <a:srgbClr val="4472C4"/>
           </a:solidFill>
           <a:ln>
             <a:solidFill>
@@ -4745,7 +5517,7 @@
             </a:avLst>
           </a:prstGeom>
           <a:solidFill>
-            <a:srgbClr val="069a2e"/>
+            <a:srgbClr val="069A2E"/>
           </a:solidFill>
           <a:ln>
             <a:solidFill>
@@ -4768,9 +5540,10 @@
           <a:fontRef idx="minor"/>
         </p:style>
         <p:txBody>
-          <a:bodyPr lIns="90000" rIns="90000" tIns="45000" bIns="45000" anchor="ctr">
+          <a:bodyPr lIns="90000" tIns="45000" rIns="90000" bIns="45000" anchor="ctr">
             <a:noAutofit/>
           </a:bodyPr>
+          <a:lstStyle/>
           <a:p>
             <a:pPr algn="ctr">
               <a:lnSpc>
@@ -4778,15 +5551,15 @@
               </a:lnSpc>
             </a:pPr>
             <a:r>
-              <a:rPr b="0" lang="en-US" sz="1800" spc="-1" strike="noStrike">
+              <a:rPr lang="en-US" sz="1800" b="0" strike="noStrike" spc="-1">
                 <a:solidFill>
-                  <a:srgbClr val="ffffff"/>
+                  <a:srgbClr val="FFFFFF"/>
                 </a:solidFill>
                 <a:latin typeface="Calibri"/>
               </a:rPr>
               <a:t>Search By Location</a:t>
             </a:r>
-            <a:endParaRPr b="0" lang="en-AU" sz="1800" spc="-1" strike="noStrike">
+            <a:endParaRPr lang="en-AU" sz="1800" b="0" strike="noStrike" spc="-1">
               <a:latin typeface="Arial"/>
             </a:endParaRPr>
           </a:p>
@@ -4832,9 +5605,10 @@
           <a:fontRef idx="minor"/>
         </p:style>
         <p:txBody>
-          <a:bodyPr lIns="90000" rIns="90000" tIns="45000" bIns="45000" anchor="ctr">
+          <a:bodyPr lIns="90000" tIns="45000" rIns="90000" bIns="45000" anchor="ctr">
             <a:noAutofit/>
           </a:bodyPr>
+          <a:lstStyle/>
           <a:p>
             <a:pPr algn="ctr">
               <a:lnSpc>
@@ -4842,24 +5616,24 @@
               </a:lnSpc>
             </a:pPr>
             <a:r>
-              <a:rPr b="0" lang="en-US" sz="1800" spc="-1" strike="noStrike">
+              <a:rPr lang="en-US" sz="1800" b="0" strike="noStrike" spc="-1">
                 <a:solidFill>
-                  <a:srgbClr val="ffffff"/>
+                  <a:srgbClr val="FFFFFF"/>
                 </a:solidFill>
                 <a:latin typeface="Calibri"/>
               </a:rPr>
               <a:t>Search By Movie </a:t>
             </a:r>
             <a:r>
-              <a:rPr b="0" lang="en-US" sz="1100" spc="-1" strike="noStrike">
+              <a:rPr lang="en-US" sz="1100" b="0" strike="noStrike" spc="-1">
                 <a:solidFill>
-                  <a:srgbClr val="ffffff"/>
+                  <a:srgbClr val="FFFFFF"/>
                 </a:solidFill>
                 <a:latin typeface="Calibri"/>
               </a:rPr>
               <a:t>(radio Button)</a:t>
             </a:r>
-            <a:endParaRPr b="0" lang="en-AU" sz="1100" spc="-1" strike="noStrike">
+            <a:endParaRPr lang="en-AU" sz="1100" b="0" strike="noStrike" spc="-1">
               <a:latin typeface="Arial"/>
             </a:endParaRPr>
           </a:p>
@@ -4905,9 +5679,10 @@
           <a:fontRef idx="minor"/>
         </p:style>
         <p:txBody>
-          <a:bodyPr lIns="90000" rIns="90000" tIns="45000" bIns="45000" anchor="ctr">
+          <a:bodyPr lIns="90000" tIns="45000" rIns="90000" bIns="45000" anchor="ctr">
             <a:noAutofit/>
           </a:bodyPr>
+          <a:lstStyle/>
           <a:p>
             <a:pPr algn="ctr">
               <a:lnSpc>
@@ -4915,15 +5690,15 @@
               </a:lnSpc>
             </a:pPr>
             <a:r>
-              <a:rPr b="0" lang="en-US" sz="1800" spc="-1" strike="noStrike">
+              <a:rPr lang="en-US" sz="1800" b="0" strike="noStrike" spc="-1">
                 <a:solidFill>
-                  <a:srgbClr val="ffffff"/>
+                  <a:srgbClr val="FFFFFF"/>
                 </a:solidFill>
                 <a:latin typeface="Calibri"/>
               </a:rPr>
               <a:t>About US</a:t>
             </a:r>
-            <a:endParaRPr b="0" lang="en-AU" sz="1800" spc="-1" strike="noStrike">
+            <a:endParaRPr lang="en-AU" sz="1800" b="0" strike="noStrike" spc="-1">
               <a:latin typeface="Arial"/>
             </a:endParaRPr>
           </a:p>
@@ -4946,11 +5721,11 @@
             </a:avLst>
           </a:prstGeom>
           <a:solidFill>
-            <a:srgbClr val="ffffff"/>
+            <a:srgbClr val="FFFFFF"/>
           </a:solidFill>
           <a:ln>
             <a:solidFill>
-              <a:srgbClr val="a5a5a5"/>
+              <a:srgbClr val="A5A5A5"/>
             </a:solidFill>
           </a:ln>
         </p:spPr>
@@ -4987,15 +5762,22 @@
           </a:ln>
         </p:spPr>
         <p:style>
-          <a:lnRef idx="0"/>
-          <a:fillRef idx="0"/>
-          <a:effectRef idx="0"/>
+          <a:lnRef idx="0">
+            <a:scrgbClr r="0" g="0" b="0"/>
+          </a:lnRef>
+          <a:fillRef idx="0">
+            <a:scrgbClr r="0" g="0" b="0"/>
+          </a:fillRef>
+          <a:effectRef idx="0">
+            <a:scrgbClr r="0" g="0" b="0"/>
+          </a:effectRef>
           <a:fontRef idx="minor"/>
         </p:style>
         <p:txBody>
-          <a:bodyPr lIns="90000" rIns="90000" tIns="45000" bIns="45000">
+          <a:bodyPr lIns="90000" tIns="45000" rIns="90000" bIns="45000">
             <a:spAutoFit/>
           </a:bodyPr>
+          <a:lstStyle/>
           <a:p>
             <a:pPr>
               <a:lnSpc>
@@ -5003,7 +5785,7 @@
               </a:lnSpc>
             </a:pPr>
             <a:r>
-              <a:rPr b="0" lang="en-US" sz="1800" spc="-1" strike="noStrike">
+              <a:rPr lang="en-US" sz="1800" b="0" strike="noStrike" spc="-1">
                 <a:solidFill>
                   <a:srgbClr val="000000"/>
                 </a:solidFill>
@@ -5011,7 +5793,7 @@
               </a:rPr>
               <a:t>Search</a:t>
             </a:r>
-            <a:endParaRPr b="0" lang="en-AU" sz="1800" spc="-1" strike="noStrike">
+            <a:endParaRPr lang="en-AU" sz="1800" b="0" strike="noStrike" spc="-1">
               <a:latin typeface="Arial"/>
             </a:endParaRPr>
           </a:p>
@@ -5034,11 +5816,11 @@
             </a:avLst>
           </a:prstGeom>
           <a:solidFill>
-            <a:srgbClr val="ffffff"/>
+            <a:srgbClr val="FFFFFF"/>
           </a:solidFill>
           <a:ln>
             <a:solidFill>
-              <a:srgbClr val="5b9bd5"/>
+              <a:srgbClr val="5B9BD5"/>
             </a:solidFill>
           </a:ln>
         </p:spPr>
@@ -5075,15 +5857,22 @@
           </a:ln>
         </p:spPr>
         <p:style>
-          <a:lnRef idx="0"/>
-          <a:fillRef idx="0"/>
-          <a:effectRef idx="0"/>
+          <a:lnRef idx="0">
+            <a:scrgbClr r="0" g="0" b="0"/>
+          </a:lnRef>
+          <a:fillRef idx="0">
+            <a:scrgbClr r="0" g="0" b="0"/>
+          </a:fillRef>
+          <a:effectRef idx="0">
+            <a:scrgbClr r="0" g="0" b="0"/>
+          </a:effectRef>
           <a:fontRef idx="minor"/>
         </p:style>
         <p:txBody>
-          <a:bodyPr lIns="90000" rIns="90000" tIns="45000" bIns="45000">
+          <a:bodyPr lIns="90000" tIns="45000" rIns="90000" bIns="45000">
             <a:spAutoFit/>
           </a:bodyPr>
+          <a:lstStyle/>
           <a:p>
             <a:pPr>
               <a:lnSpc>
@@ -5091,7 +5880,7 @@
               </a:lnSpc>
             </a:pPr>
             <a:r>
-              <a:rPr b="0" lang="en-US" sz="1800" spc="-1" strike="noStrike">
+              <a:rPr lang="en-US" sz="1800" b="0" strike="noStrike" spc="-1">
                 <a:solidFill>
                   <a:srgbClr val="000000"/>
                 </a:solidFill>
@@ -5099,7 +5888,7 @@
               </a:rPr>
               <a:t>Recent Searches</a:t>
             </a:r>
-            <a:endParaRPr b="0" lang="en-AU" sz="1800" spc="-1" strike="noStrike">
+            <a:endParaRPr lang="en-AU" sz="1800" b="0" strike="noStrike" spc="-1">
               <a:latin typeface="Arial"/>
             </a:endParaRPr>
           </a:p>
@@ -5107,7 +5896,7 @@
       </p:sp>
       <p:sp>
         <p:nvSpPr>
-          <p:cNvPr id="109" name=""/>
+          <p:cNvPr id="109" name="Straight Connector 108"/>
           <p:cNvSpPr/>
           <p:nvPr/>
         </p:nvSpPr>
@@ -5123,31 +5912,32 @@
             <a:solidFill>
               <a:srgbClr val="000000"/>
             </a:solidFill>
-            <a:tailEnd len="med" type="triangle" w="med"/>
+            <a:tailEnd type="triangle" w="med" len="med"/>
           </a:ln>
         </p:spPr>
         <p:style>
-          <a:lnRef idx="0"/>
-          <a:fillRef idx="0"/>
-          <a:effectRef idx="0"/>
+          <a:lnRef idx="0">
+            <a:scrgbClr r="0" g="0" b="0"/>
+          </a:lnRef>
+          <a:fillRef idx="0">
+            <a:scrgbClr r="0" g="0" b="0"/>
+          </a:fillRef>
+          <a:effectRef idx="0">
+            <a:scrgbClr r="0" g="0" b="0"/>
+          </a:effectRef>
           <a:fontRef idx="minor"/>
         </p:style>
       </p:sp>
     </p:spTree>
   </p:cSld>
-  <mc:AlternateContent>
-    <mc:Choice Requires="p14">
-      <p:transition spd="slow" p14:dur="2000"/>
-    </mc:Choice>
-    <mc:Fallback>
-      <p:transition spd="slow"/>
-    </mc:Fallback>
-  </mc:AlternateContent>
+  <p:clrMapOvr>
+    <a:masterClrMapping/>
+  </p:clrMapOvr>
 </p:sld>
 </file>
 
 <file path=ppt/slides/slide3.xml><?xml version="1.0" encoding="utf-8"?>
-<p:sld xmlns:a="http://schemas.openxmlformats.org/drawingml/2006/main" xmlns:p="http://schemas.openxmlformats.org/presentationml/2006/main" xmlns:r="http://schemas.openxmlformats.org/officeDocument/2006/relationships" xmlns:p14="http://schemas.microsoft.com/office/powerpoint/2010/main" xmlns:p15="http://schemas.microsoft.com/office/powerpoint/2012/main" xmlns:mc="http://schemas.openxmlformats.org/markup-compatibility/2006">
+<p:sld xmlns:a="http://schemas.openxmlformats.org/drawingml/2006/main" xmlns:r="http://schemas.openxmlformats.org/officeDocument/2006/relationships" xmlns:p="http://schemas.openxmlformats.org/presentationml/2006/main">
   <p:cSld>
     <p:spTree>
       <p:nvGrpSpPr>
@@ -5180,7 +5970,7 @@
             </a:avLst>
           </a:prstGeom>
           <a:solidFill>
-            <a:srgbClr val="4472c4"/>
+            <a:srgbClr val="4472C4"/>
           </a:solidFill>
           <a:ln>
             <a:solidFill>
@@ -5220,7 +6010,7 @@
             </a:avLst>
           </a:prstGeom>
           <a:solidFill>
-            <a:srgbClr val="069a2e"/>
+            <a:srgbClr val="069A2E"/>
           </a:solidFill>
           <a:ln>
             <a:solidFill>
@@ -5243,9 +6033,10 @@
           <a:fontRef idx="minor"/>
         </p:style>
         <p:txBody>
-          <a:bodyPr lIns="90000" rIns="90000" tIns="45000" bIns="45000" anchor="ctr">
+          <a:bodyPr lIns="90000" tIns="45000" rIns="90000" bIns="45000" anchor="ctr">
             <a:noAutofit/>
           </a:bodyPr>
+          <a:lstStyle/>
           <a:p>
             <a:pPr algn="ctr">
               <a:lnSpc>
@@ -5253,15 +6044,15 @@
               </a:lnSpc>
             </a:pPr>
             <a:r>
-              <a:rPr b="0" lang="en-US" sz="1800" spc="-1" strike="noStrike">
+              <a:rPr lang="en-US" sz="1800" b="0" strike="noStrike" spc="-1">
                 <a:solidFill>
-                  <a:srgbClr val="ffffff"/>
+                  <a:srgbClr val="FFFFFF"/>
                 </a:solidFill>
                 <a:latin typeface="Calibri"/>
               </a:rPr>
               <a:t>Search By Location</a:t>
             </a:r>
-            <a:endParaRPr b="0" lang="en-AU" sz="1800" spc="-1" strike="noStrike">
+            <a:endParaRPr lang="en-AU" sz="1800" b="0" strike="noStrike" spc="-1">
               <a:latin typeface="Arial"/>
             </a:endParaRPr>
           </a:p>
@@ -5307,9 +6098,10 @@
           <a:fontRef idx="minor"/>
         </p:style>
         <p:txBody>
-          <a:bodyPr lIns="90000" rIns="90000" tIns="45000" bIns="45000" anchor="ctr">
+          <a:bodyPr lIns="90000" tIns="45000" rIns="90000" bIns="45000" anchor="ctr">
             <a:noAutofit/>
           </a:bodyPr>
+          <a:lstStyle/>
           <a:p>
             <a:pPr algn="ctr">
               <a:lnSpc>
@@ -5317,24 +6109,24 @@
               </a:lnSpc>
             </a:pPr>
             <a:r>
-              <a:rPr b="0" lang="en-US" sz="1800" spc="-1" strike="noStrike">
+              <a:rPr lang="en-US" sz="1800" b="0" strike="noStrike" spc="-1">
                 <a:solidFill>
-                  <a:srgbClr val="ffffff"/>
+                  <a:srgbClr val="FFFFFF"/>
                 </a:solidFill>
                 <a:latin typeface="Calibri"/>
               </a:rPr>
               <a:t>Search By Movie </a:t>
             </a:r>
             <a:r>
-              <a:rPr b="0" lang="en-US" sz="1100" spc="-1" strike="noStrike">
+              <a:rPr lang="en-US" sz="1100" b="0" strike="noStrike" spc="-1">
                 <a:solidFill>
-                  <a:srgbClr val="ffffff"/>
+                  <a:srgbClr val="FFFFFF"/>
                 </a:solidFill>
                 <a:latin typeface="Calibri"/>
               </a:rPr>
               <a:t>(radio Button)</a:t>
             </a:r>
-            <a:endParaRPr b="0" lang="en-AU" sz="1100" spc="-1" strike="noStrike">
+            <a:endParaRPr lang="en-AU" sz="1100" b="0" strike="noStrike" spc="-1">
               <a:latin typeface="Arial"/>
             </a:endParaRPr>
           </a:p>
@@ -5380,9 +6172,10 @@
           <a:fontRef idx="minor"/>
         </p:style>
         <p:txBody>
-          <a:bodyPr lIns="90000" rIns="90000" tIns="45000" bIns="45000" anchor="ctr">
+          <a:bodyPr lIns="90000" tIns="45000" rIns="90000" bIns="45000" anchor="ctr">
             <a:noAutofit/>
           </a:bodyPr>
+          <a:lstStyle/>
           <a:p>
             <a:pPr algn="ctr">
               <a:lnSpc>
@@ -5390,15 +6183,15 @@
               </a:lnSpc>
             </a:pPr>
             <a:r>
-              <a:rPr b="0" lang="en-US" sz="1800" spc="-1" strike="noStrike">
+              <a:rPr lang="en-US" sz="1800" b="0" strike="noStrike" spc="-1">
                 <a:solidFill>
-                  <a:srgbClr val="ffffff"/>
+                  <a:srgbClr val="FFFFFF"/>
                 </a:solidFill>
                 <a:latin typeface="Calibri"/>
               </a:rPr>
               <a:t>About US</a:t>
             </a:r>
-            <a:endParaRPr b="0" lang="en-AU" sz="1800" spc="-1" strike="noStrike">
+            <a:endParaRPr lang="en-AU" sz="1800" b="0" strike="noStrike" spc="-1">
               <a:latin typeface="Arial"/>
             </a:endParaRPr>
           </a:p>
@@ -5421,7 +6214,7 @@
             </a:avLst>
           </a:prstGeom>
           <a:solidFill>
-            <a:srgbClr val="ec9ba4"/>
+            <a:srgbClr val="EC9BA4"/>
           </a:solidFill>
           <a:ln>
             <a:solidFill>
@@ -5464,15 +6257,22 @@
           </a:ln>
         </p:spPr>
         <p:style>
-          <a:lnRef idx="0"/>
-          <a:fillRef idx="0"/>
-          <a:effectRef idx="0"/>
+          <a:lnRef idx="0">
+            <a:scrgbClr r="0" g="0" b="0"/>
+          </a:lnRef>
+          <a:fillRef idx="0">
+            <a:scrgbClr r="0" g="0" b="0"/>
+          </a:fillRef>
+          <a:effectRef idx="0">
+            <a:scrgbClr r="0" g="0" b="0"/>
+          </a:effectRef>
           <a:fontRef idx="minor"/>
         </p:style>
         <p:txBody>
-          <a:bodyPr lIns="90000" rIns="90000" tIns="45000" bIns="45000">
+          <a:bodyPr lIns="90000" tIns="45000" rIns="90000" bIns="45000">
             <a:spAutoFit/>
           </a:bodyPr>
+          <a:lstStyle/>
           <a:p>
             <a:pPr>
               <a:lnSpc>
@@ -5480,7 +6280,7 @@
               </a:lnSpc>
             </a:pPr>
             <a:r>
-              <a:rPr b="0" lang="en-US" sz="1800" spc="-1" strike="noStrike">
+              <a:rPr lang="en-US" sz="1800" b="0" strike="noStrike" spc="-1">
                 <a:solidFill>
                   <a:srgbClr val="000000"/>
                 </a:solidFill>
@@ -5488,7 +6288,7 @@
               </a:rPr>
               <a:t>Results</a:t>
             </a:r>
-            <a:endParaRPr b="0" lang="en-AU" sz="1800" spc="-1" strike="noStrike">
+            <a:endParaRPr lang="en-AU" sz="1800" b="0" strike="noStrike" spc="-1">
               <a:latin typeface="Arial"/>
             </a:endParaRPr>
           </a:p>
@@ -5499,7 +6299,7 @@
               </a:lnSpc>
             </a:pPr>
             <a:r>
-              <a:rPr b="0" lang="en-US" sz="1800" spc="-1" strike="noStrike">
+              <a:rPr lang="en-US" sz="1800" b="0" strike="noStrike" spc="-1">
                 <a:solidFill>
                   <a:srgbClr val="000000"/>
                 </a:solidFill>
@@ -5507,7 +6307,7 @@
               </a:rPr>
               <a:t>1.Melboure Hoyts</a:t>
             </a:r>
-            <a:endParaRPr b="0" lang="en-AU" sz="1800" spc="-1" strike="noStrike">
+            <a:endParaRPr lang="en-AU" sz="1800" b="0" strike="noStrike" spc="-1">
               <a:latin typeface="Arial"/>
             </a:endParaRPr>
           </a:p>
@@ -5518,7 +6318,7 @@
               </a:lnSpc>
             </a:pPr>
             <a:r>
-              <a:rPr b="0" lang="en-US" sz="1800" spc="-1" strike="noStrike">
+              <a:rPr lang="en-US" sz="1800" b="0" strike="noStrike" spc="-1">
                 <a:solidFill>
                   <a:srgbClr val="000000"/>
                 </a:solidFill>
@@ -5526,7 +6326,7 @@
               </a:rPr>
               <a:t>2.Box Hill Hoyts </a:t>
             </a:r>
-            <a:endParaRPr b="0" lang="en-AU" sz="1800" spc="-1" strike="noStrike">
+            <a:endParaRPr lang="en-AU" sz="1800" b="0" strike="noStrike" spc="-1">
               <a:latin typeface="Arial"/>
             </a:endParaRPr>
           </a:p>
@@ -5534,7 +6334,7 @@
       </p:sp>
       <p:sp>
         <p:nvSpPr>
-          <p:cNvPr id="116" name=""/>
+          <p:cNvPr id="116" name="Straight Connector 115"/>
           <p:cNvSpPr/>
           <p:nvPr/>
         </p:nvSpPr>
@@ -5550,19 +6350,25 @@
             <a:solidFill>
               <a:srgbClr val="000000"/>
             </a:solidFill>
-            <a:tailEnd len="med" type="triangle" w="med"/>
+            <a:tailEnd type="triangle" w="med" len="med"/>
           </a:ln>
         </p:spPr>
         <p:style>
-          <a:lnRef idx="0"/>
-          <a:fillRef idx="0"/>
-          <a:effectRef idx="0"/>
+          <a:lnRef idx="0">
+            <a:scrgbClr r="0" g="0" b="0"/>
+          </a:lnRef>
+          <a:fillRef idx="0">
+            <a:scrgbClr r="0" g="0" b="0"/>
+          </a:fillRef>
+          <a:effectRef idx="0">
+            <a:scrgbClr r="0" g="0" b="0"/>
+          </a:effectRef>
           <a:fontRef idx="minor"/>
         </p:style>
       </p:sp>
       <p:sp>
         <p:nvSpPr>
-          <p:cNvPr id="117" name=""/>
+          <p:cNvPr id="117" name="Straight Connector 116"/>
           <p:cNvSpPr/>
           <p:nvPr/>
         </p:nvSpPr>
@@ -5578,31 +6384,32 @@
             <a:solidFill>
               <a:srgbClr val="000000"/>
             </a:solidFill>
-            <a:headEnd len="med" type="triangle" w="med"/>
+            <a:headEnd type="triangle" w="med" len="med"/>
           </a:ln>
         </p:spPr>
         <p:style>
-          <a:lnRef idx="0"/>
-          <a:fillRef idx="0"/>
-          <a:effectRef idx="0"/>
+          <a:lnRef idx="0">
+            <a:scrgbClr r="0" g="0" b="0"/>
+          </a:lnRef>
+          <a:fillRef idx="0">
+            <a:scrgbClr r="0" g="0" b="0"/>
+          </a:fillRef>
+          <a:effectRef idx="0">
+            <a:scrgbClr r="0" g="0" b="0"/>
+          </a:effectRef>
           <a:fontRef idx="minor"/>
         </p:style>
       </p:sp>
     </p:spTree>
   </p:cSld>
-  <mc:AlternateContent>
-    <mc:Choice Requires="p14">
-      <p:transition spd="slow" p14:dur="2000"/>
-    </mc:Choice>
-    <mc:Fallback>
-      <p:transition spd="slow"/>
-    </mc:Fallback>
-  </mc:AlternateContent>
+  <p:clrMapOvr>
+    <a:masterClrMapping/>
+  </p:clrMapOvr>
 </p:sld>
 </file>
 
 <file path=ppt/slides/slide4.xml><?xml version="1.0" encoding="utf-8"?>
-<p:sld xmlns:a="http://schemas.openxmlformats.org/drawingml/2006/main" xmlns:p="http://schemas.openxmlformats.org/presentationml/2006/main" xmlns:r="http://schemas.openxmlformats.org/officeDocument/2006/relationships" xmlns:p14="http://schemas.microsoft.com/office/powerpoint/2010/main" xmlns:p15="http://schemas.microsoft.com/office/powerpoint/2012/main" xmlns:mc="http://schemas.openxmlformats.org/markup-compatibility/2006">
+<p:sld xmlns:a="http://schemas.openxmlformats.org/drawingml/2006/main" xmlns:r="http://schemas.openxmlformats.org/officeDocument/2006/relationships" xmlns:p="http://schemas.openxmlformats.org/presentationml/2006/main">
   <p:cSld>
     <p:spTree>
       <p:nvGrpSpPr>
@@ -5635,7 +6442,7 @@
             </a:avLst>
           </a:prstGeom>
           <a:solidFill>
-            <a:srgbClr val="4472c4"/>
+            <a:srgbClr val="4472C4"/>
           </a:solidFill>
           <a:ln>
             <a:solidFill>
@@ -5698,9 +6505,10 @@
           <a:fontRef idx="minor"/>
         </p:style>
         <p:txBody>
-          <a:bodyPr lIns="90000" rIns="90000" tIns="45000" bIns="45000" anchor="ctr">
+          <a:bodyPr lIns="90000" tIns="45000" rIns="90000" bIns="45000" anchor="ctr">
             <a:noAutofit/>
           </a:bodyPr>
+          <a:lstStyle/>
           <a:p>
             <a:pPr algn="ctr">
               <a:lnSpc>
@@ -5708,24 +6516,24 @@
               </a:lnSpc>
             </a:pPr>
             <a:r>
-              <a:rPr b="0" lang="en-US" sz="1800" spc="-1" strike="noStrike">
+              <a:rPr lang="en-US" sz="1800" b="0" strike="noStrike" spc="-1">
                 <a:solidFill>
-                  <a:srgbClr val="ffffff"/>
+                  <a:srgbClr val="FFFFFF"/>
                 </a:solidFill>
                 <a:latin typeface="Calibri"/>
               </a:rPr>
               <a:t>Search By Movie </a:t>
             </a:r>
             <a:r>
-              <a:rPr b="0" lang="en-US" sz="1100" spc="-1" strike="noStrike">
+              <a:rPr lang="en-US" sz="1100" b="0" strike="noStrike" spc="-1">
                 <a:solidFill>
-                  <a:srgbClr val="ffffff"/>
+                  <a:srgbClr val="FFFFFF"/>
                 </a:solidFill>
                 <a:latin typeface="Calibri"/>
               </a:rPr>
               <a:t>(radio Button)</a:t>
             </a:r>
-            <a:endParaRPr b="0" lang="en-AU" sz="1100" spc="-1" strike="noStrike">
+            <a:endParaRPr lang="en-AU" sz="1100" b="0" strike="noStrike" spc="-1">
               <a:latin typeface="Arial"/>
             </a:endParaRPr>
           </a:p>
@@ -5771,9 +6579,10 @@
           <a:fontRef idx="minor"/>
         </p:style>
         <p:txBody>
-          <a:bodyPr lIns="90000" rIns="90000" tIns="45000" bIns="45000" anchor="ctr">
+          <a:bodyPr lIns="90000" tIns="45000" rIns="90000" bIns="45000" anchor="ctr">
             <a:noAutofit/>
           </a:bodyPr>
+          <a:lstStyle/>
           <a:p>
             <a:pPr algn="ctr">
               <a:lnSpc>
@@ -5781,15 +6590,15 @@
               </a:lnSpc>
             </a:pPr>
             <a:r>
-              <a:rPr b="0" lang="en-US" sz="1800" spc="-1" strike="noStrike">
+              <a:rPr lang="en-US" sz="1800" b="0" strike="noStrike" spc="-1">
                 <a:solidFill>
-                  <a:srgbClr val="ffffff"/>
+                  <a:srgbClr val="FFFFFF"/>
                 </a:solidFill>
                 <a:latin typeface="Calibri"/>
               </a:rPr>
               <a:t>About US</a:t>
             </a:r>
-            <a:endParaRPr b="0" lang="en-AU" sz="1800" spc="-1" strike="noStrike">
+            <a:endParaRPr lang="en-AU" sz="1800" b="0" strike="noStrike" spc="-1">
               <a:latin typeface="Arial"/>
             </a:endParaRPr>
           </a:p>
@@ -5812,7 +6621,7 @@
             </a:avLst>
           </a:prstGeom>
           <a:solidFill>
-            <a:srgbClr val="069a2e"/>
+            <a:srgbClr val="069A2E"/>
           </a:solidFill>
           <a:ln>
             <a:solidFill>
@@ -5835,9 +6644,10 @@
           <a:fontRef idx="minor"/>
         </p:style>
         <p:txBody>
-          <a:bodyPr lIns="90000" rIns="90000" tIns="45000" bIns="45000" anchor="ctr">
+          <a:bodyPr lIns="90000" tIns="45000" rIns="90000" bIns="45000" anchor="ctr">
             <a:noAutofit/>
           </a:bodyPr>
+          <a:lstStyle/>
           <a:p>
             <a:pPr algn="ctr">
               <a:lnSpc>
@@ -5845,15 +6655,15 @@
               </a:lnSpc>
             </a:pPr>
             <a:r>
-              <a:rPr b="0" lang="en-US" sz="1800" spc="-1" strike="noStrike">
+              <a:rPr lang="en-US" sz="1800" b="0" strike="noStrike" spc="-1">
                 <a:solidFill>
-                  <a:srgbClr val="ffffff"/>
+                  <a:srgbClr val="FFFFFF"/>
                 </a:solidFill>
                 <a:latin typeface="Calibri"/>
               </a:rPr>
               <a:t>Search By Location</a:t>
             </a:r>
-            <a:endParaRPr b="0" lang="en-AU" sz="1800" spc="-1" strike="noStrike">
+            <a:endParaRPr lang="en-AU" sz="1800" b="0" strike="noStrike" spc="-1">
               <a:latin typeface="Arial"/>
             </a:endParaRPr>
           </a:p>
@@ -5876,11 +6686,11 @@
             </a:avLst>
           </a:prstGeom>
           <a:solidFill>
-            <a:srgbClr val="ffffff"/>
+            <a:srgbClr val="FFFFFF"/>
           </a:solidFill>
           <a:ln>
             <a:solidFill>
-              <a:srgbClr val="4472c4"/>
+              <a:srgbClr val="4472C4"/>
             </a:solidFill>
           </a:ln>
         </p:spPr>
@@ -5914,7 +6724,7 @@
             </a:avLst>
           </a:prstGeom>
           <a:solidFill>
-            <a:srgbClr val="4472c4"/>
+            <a:srgbClr val="4472C4"/>
           </a:solidFill>
           <a:ln>
             <a:solidFill>
@@ -5954,11 +6764,11 @@
             </a:avLst>
           </a:prstGeom>
           <a:solidFill>
-            <a:srgbClr val="ffc000"/>
+            <a:srgbClr val="FFC000"/>
           </a:solidFill>
           <a:ln>
             <a:solidFill>
-              <a:srgbClr val="bc8e00"/>
+              <a:srgbClr val="BC8E00"/>
             </a:solidFill>
           </a:ln>
         </p:spPr>
@@ -5994,11 +6804,11 @@
             </a:avLst>
           </a:prstGeom>
           <a:solidFill>
-            <a:srgbClr val="ffc000"/>
+            <a:srgbClr val="FFC000"/>
           </a:solidFill>
           <a:ln>
             <a:solidFill>
-              <a:srgbClr val="bc8e00"/>
+              <a:srgbClr val="BC8E00"/>
             </a:solidFill>
           </a:ln>
         </p:spPr>
@@ -6019,7 +6829,7 @@
       </p:sp>
       <p:sp>
         <p:nvSpPr>
-          <p:cNvPr id="126" name=""/>
+          <p:cNvPr id="126" name="Straight Connector 125"/>
           <p:cNvSpPr/>
           <p:nvPr/>
         </p:nvSpPr>
@@ -6035,31 +6845,32 @@
             <a:solidFill>
               <a:srgbClr val="000000"/>
             </a:solidFill>
-            <a:headEnd len="med" type="triangle" w="med"/>
+            <a:headEnd type="triangle" w="med" len="med"/>
           </a:ln>
         </p:spPr>
         <p:style>
-          <a:lnRef idx="0"/>
-          <a:fillRef idx="0"/>
-          <a:effectRef idx="0"/>
+          <a:lnRef idx="0">
+            <a:scrgbClr r="0" g="0" b="0"/>
+          </a:lnRef>
+          <a:fillRef idx="0">
+            <a:scrgbClr r="0" g="0" b="0"/>
+          </a:fillRef>
+          <a:effectRef idx="0">
+            <a:scrgbClr r="0" g="0" b="0"/>
+          </a:effectRef>
           <a:fontRef idx="minor"/>
         </p:style>
       </p:sp>
     </p:spTree>
   </p:cSld>
-  <mc:AlternateContent>
-    <mc:Choice Requires="p14">
-      <p:transition spd="slow" p14:dur="2000"/>
-    </mc:Choice>
-    <mc:Fallback>
-      <p:transition spd="slow"/>
-    </mc:Fallback>
-  </mc:AlternateContent>
+  <p:clrMapOvr>
+    <a:masterClrMapping/>
+  </p:clrMapOvr>
 </p:sld>
 </file>
 
 <file path=ppt/slides/slide5.xml><?xml version="1.0" encoding="utf-8"?>
-<p:sld xmlns:a="http://schemas.openxmlformats.org/drawingml/2006/main" xmlns:p="http://schemas.openxmlformats.org/presentationml/2006/main" xmlns:r="http://schemas.openxmlformats.org/officeDocument/2006/relationships" xmlns:p14="http://schemas.microsoft.com/office/powerpoint/2010/main" xmlns:p15="http://schemas.microsoft.com/office/powerpoint/2012/main" xmlns:mc="http://schemas.openxmlformats.org/markup-compatibility/2006">
+<p:sld xmlns:a="http://schemas.openxmlformats.org/drawingml/2006/main" xmlns:r="http://schemas.openxmlformats.org/officeDocument/2006/relationships" xmlns:p="http://schemas.openxmlformats.org/presentationml/2006/main">
   <p:cSld>
     <p:spTree>
       <p:nvGrpSpPr>
@@ -6092,7 +6903,7 @@
             </a:avLst>
           </a:prstGeom>
           <a:solidFill>
-            <a:srgbClr val="4472c4"/>
+            <a:srgbClr val="4472C4"/>
           </a:solidFill>
           <a:ln>
             <a:solidFill>
@@ -6155,9 +6966,10 @@
           <a:fontRef idx="minor"/>
         </p:style>
         <p:txBody>
-          <a:bodyPr lIns="90000" rIns="90000" tIns="45000" bIns="45000" anchor="ctr">
+          <a:bodyPr lIns="90000" tIns="45000" rIns="90000" bIns="45000" anchor="ctr">
             <a:noAutofit/>
           </a:bodyPr>
+          <a:lstStyle/>
           <a:p>
             <a:pPr algn="ctr">
               <a:lnSpc>
@@ -6165,15 +6977,15 @@
               </a:lnSpc>
             </a:pPr>
             <a:r>
-              <a:rPr b="0" lang="en-US" sz="1800" spc="-1" strike="noStrike">
+              <a:rPr lang="en-US" sz="1800" b="0" strike="noStrike" spc="-1">
                 <a:solidFill>
-                  <a:srgbClr val="ffffff"/>
+                  <a:srgbClr val="FFFFFF"/>
                 </a:solidFill>
                 <a:latin typeface="Calibri"/>
               </a:rPr>
               <a:t>Search By Location</a:t>
             </a:r>
-            <a:endParaRPr b="0" lang="en-AU" sz="1800" spc="-1" strike="noStrike">
+            <a:endParaRPr lang="en-AU" sz="1800" b="0" strike="noStrike" spc="-1">
               <a:latin typeface="Arial"/>
             </a:endParaRPr>
           </a:p>
@@ -6219,9 +7031,10 @@
           <a:fontRef idx="minor"/>
         </p:style>
         <p:txBody>
-          <a:bodyPr lIns="90000" rIns="90000" tIns="45000" bIns="45000" anchor="ctr">
+          <a:bodyPr lIns="90000" tIns="45000" rIns="90000" bIns="45000" anchor="ctr">
             <a:noAutofit/>
           </a:bodyPr>
+          <a:lstStyle/>
           <a:p>
             <a:pPr algn="ctr">
               <a:lnSpc>
@@ -6229,24 +7042,24 @@
               </a:lnSpc>
             </a:pPr>
             <a:r>
-              <a:rPr b="0" lang="en-US" sz="1800" spc="-1" strike="noStrike">
+              <a:rPr lang="en-US" sz="1800" b="0" strike="noStrike" spc="-1">
                 <a:solidFill>
-                  <a:srgbClr val="ffffff"/>
+                  <a:srgbClr val="FFFFFF"/>
                 </a:solidFill>
                 <a:latin typeface="Calibri"/>
               </a:rPr>
               <a:t>Search By Movie </a:t>
             </a:r>
             <a:r>
-              <a:rPr b="0" lang="en-US" sz="1100" spc="-1" strike="noStrike">
+              <a:rPr lang="en-US" sz="1100" b="0" strike="noStrike" spc="-1">
                 <a:solidFill>
-                  <a:srgbClr val="ffffff"/>
+                  <a:srgbClr val="FFFFFF"/>
                 </a:solidFill>
                 <a:latin typeface="Calibri"/>
               </a:rPr>
               <a:t>(radio Button)</a:t>
             </a:r>
-            <a:endParaRPr b="0" lang="en-AU" sz="1100" spc="-1" strike="noStrike">
+            <a:endParaRPr lang="en-AU" sz="1100" b="0" strike="noStrike" spc="-1">
               <a:latin typeface="Arial"/>
             </a:endParaRPr>
           </a:p>
@@ -6269,7 +7082,7 @@
             </a:avLst>
           </a:prstGeom>
           <a:solidFill>
-            <a:srgbClr val="069a2e"/>
+            <a:srgbClr val="069A2E"/>
           </a:solidFill>
           <a:ln>
             <a:solidFill>
@@ -6292,9 +7105,10 @@
           <a:fontRef idx="minor"/>
         </p:style>
         <p:txBody>
-          <a:bodyPr lIns="90000" rIns="90000" tIns="45000" bIns="45000" anchor="ctr">
+          <a:bodyPr lIns="90000" tIns="45000" rIns="90000" bIns="45000" anchor="ctr">
             <a:noAutofit/>
           </a:bodyPr>
+          <a:lstStyle/>
           <a:p>
             <a:pPr algn="ctr">
               <a:lnSpc>
@@ -6302,15 +7116,15 @@
               </a:lnSpc>
             </a:pPr>
             <a:r>
-              <a:rPr b="0" lang="en-US" sz="1800" spc="-1" strike="noStrike">
+              <a:rPr lang="en-US" sz="1800" b="0" strike="noStrike" spc="-1">
                 <a:solidFill>
-                  <a:srgbClr val="ffffff"/>
+                  <a:srgbClr val="FFFFFF"/>
                 </a:solidFill>
                 <a:latin typeface="Calibri"/>
               </a:rPr>
               <a:t>About US</a:t>
             </a:r>
-            <a:endParaRPr b="0" lang="en-AU" sz="1800" spc="-1" strike="noStrike">
+            <a:endParaRPr lang="en-AU" sz="1800" b="0" strike="noStrike" spc="-1">
               <a:latin typeface="Arial"/>
             </a:endParaRPr>
           </a:p>
@@ -6318,7 +7132,7 @@
       </p:sp>
       <p:sp>
         <p:nvSpPr>
-          <p:cNvPr id="131" name=""/>
+          <p:cNvPr id="131" name="Rectangle 130"/>
           <p:cNvSpPr/>
           <p:nvPr/>
         </p:nvSpPr>
@@ -6331,24 +7145,30 @@
             <a:avLst/>
           </a:prstGeom>
           <a:solidFill>
-            <a:srgbClr val="ffffff"/>
+            <a:srgbClr val="FFFFFF"/>
           </a:solidFill>
           <a:ln w="0">
             <a:solidFill>
-              <a:srgbClr val="3465a4"/>
+              <a:srgbClr val="3465A4"/>
             </a:solidFill>
           </a:ln>
         </p:spPr>
         <p:style>
-          <a:lnRef idx="0"/>
-          <a:fillRef idx="0"/>
-          <a:effectRef idx="0"/>
+          <a:lnRef idx="0">
+            <a:scrgbClr r="0" g="0" b="0"/>
+          </a:lnRef>
+          <a:fillRef idx="0">
+            <a:scrgbClr r="0" g="0" b="0"/>
+          </a:fillRef>
+          <a:effectRef idx="0">
+            <a:scrgbClr r="0" g="0" b="0"/>
+          </a:effectRef>
           <a:fontRef idx="minor"/>
         </p:style>
       </p:sp>
       <p:sp>
         <p:nvSpPr>
-          <p:cNvPr id="132" name=""/>
+          <p:cNvPr id="132" name="TextBox 131"/>
           <p:cNvSpPr txBox="1"/>
           <p:nvPr/>
         </p:nvSpPr>
@@ -6366,32 +7186,25 @@
           </a:ln>
         </p:spPr>
         <p:txBody>
-          <a:bodyPr lIns="90000" rIns="90000" tIns="45000" bIns="45000">
+          <a:bodyPr lIns="90000" tIns="45000" rIns="90000" bIns="45000">
             <a:noAutofit/>
           </a:bodyPr>
+          <a:lstStyle/>
           <a:p>
             <a:r>
-              <a:rPr b="0" lang="en-AU" sz="1800" spc="-1" strike="noStrike">
+              <a:rPr lang="en-AU" sz="1800" b="0" strike="noStrike" spc="-1">
                 <a:latin typeface="Arial"/>
               </a:rPr>
               <a:t>We are awesome</a:t>
             </a:r>
-            <a:endParaRPr b="0" lang="en-AU" sz="1800" spc="-1" strike="noStrike">
-              <a:latin typeface="Arial"/>
-            </a:endParaRPr>
           </a:p>
         </p:txBody>
       </p:sp>
     </p:spTree>
   </p:cSld>
-  <mc:AlternateContent>
-    <mc:Choice Requires="p14">
-      <p:transition spd="slow" p14:dur="2000"/>
-    </mc:Choice>
-    <mc:Fallback>
-      <p:transition spd="slow"/>
-    </mc:Fallback>
-  </mc:AlternateContent>
+  <p:clrMapOvr>
+    <a:masterClrMapping/>
+  </p:clrMapOvr>
 </p:sld>
 </file>
 
@@ -6406,34 +7219,34 @@
         <a:sysClr val="window" lastClr="FFFFFF"/>
       </a:lt1>
       <a:dk2>
-        <a:srgbClr val="44546a"/>
+        <a:srgbClr val="44546A"/>
       </a:dk2>
       <a:lt2>
-        <a:srgbClr val="e7e6e6"/>
+        <a:srgbClr val="E7E6E6"/>
       </a:lt2>
       <a:accent1>
-        <a:srgbClr val="4472c4"/>
+        <a:srgbClr val="4472C4"/>
       </a:accent1>
       <a:accent2>
-        <a:srgbClr val="ed7d31"/>
+        <a:srgbClr val="ED7D31"/>
       </a:accent2>
       <a:accent3>
-        <a:srgbClr val="a5a5a5"/>
+        <a:srgbClr val="A5A5A5"/>
       </a:accent3>
       <a:accent4>
-        <a:srgbClr val="ffc000"/>
+        <a:srgbClr val="FFC000"/>
       </a:accent4>
       <a:accent5>
-        <a:srgbClr val="5b9bd5"/>
+        <a:srgbClr val="5B9BD5"/>
       </a:accent5>
       <a:accent6>
-        <a:srgbClr val="70ad47"/>
+        <a:srgbClr val="70AD47"/>
       </a:accent6>
       <a:hlink>
-        <a:srgbClr val="0563c1"/>
+        <a:srgbClr val="0563C1"/>
       </a:hlink>
       <a:folHlink>
-        <a:srgbClr val="954f72"/>
+        <a:srgbClr val="954F72"/>
       </a:folHlink>
     </a:clrScheme>
     <a:fontScheme name="Office">
@@ -6618,6 +7431,8 @@
       </a:bgFillStyleLst>
     </a:fmtScheme>
   </a:themeElements>
+  <a:objectDefaults/>
+  <a:extraClrSchemeLst/>
 </a:theme>
 </file>
 
@@ -6632,34 +7447,34 @@
         <a:sysClr val="window" lastClr="FFFFFF"/>
       </a:lt1>
       <a:dk2>
-        <a:srgbClr val="44546a"/>
+        <a:srgbClr val="44546A"/>
       </a:dk2>
       <a:lt2>
-        <a:srgbClr val="e7e6e6"/>
+        <a:srgbClr val="E7E6E6"/>
       </a:lt2>
       <a:accent1>
-        <a:srgbClr val="4472c4"/>
+        <a:srgbClr val="4472C4"/>
       </a:accent1>
       <a:accent2>
-        <a:srgbClr val="ed7d31"/>
+        <a:srgbClr val="ED7D31"/>
       </a:accent2>
       <a:accent3>
-        <a:srgbClr val="a5a5a5"/>
+        <a:srgbClr val="A5A5A5"/>
       </a:accent3>
       <a:accent4>
-        <a:srgbClr val="ffc000"/>
+        <a:srgbClr val="FFC000"/>
       </a:accent4>
       <a:accent5>
-        <a:srgbClr val="5b9bd5"/>
+        <a:srgbClr val="5B9BD5"/>
       </a:accent5>
       <a:accent6>
-        <a:srgbClr val="70ad47"/>
+        <a:srgbClr val="70AD47"/>
       </a:accent6>
       <a:hlink>
-        <a:srgbClr val="0563c1"/>
+        <a:srgbClr val="0563C1"/>
       </a:hlink>
       <a:folHlink>
-        <a:srgbClr val="954f72"/>
+        <a:srgbClr val="954F72"/>
       </a:folHlink>
     </a:clrScheme>
     <a:fontScheme name="Office">
@@ -6844,5 +7659,7 @@
       </a:bgFillStyleLst>
     </a:fmtScheme>
   </a:themeElements>
+  <a:objectDefaults/>
+  <a:extraClrSchemeLst/>
 </a:theme>
 </file>
--- a/assets/projectDocuments/Design 1.0.pptx
+++ b/assets/projectDocuments/Design 1.0.pptx
@@ -109,6 +109,11 @@
       </a:defRPr>
     </a:lvl9pPr>
   </p:defaultTextStyle>
+  <p:extLst>
+    <p:ext uri="{EFAFB233-063F-42B5-8137-9DF3F51BA10A}">
+      <p15:sldGuideLst xmlns:p15="http://schemas.microsoft.com/office/powerpoint/2012/main"/>
+    </p:ext>
+  </p:extLst>
 </p:presentation>
 </file>
 
@@ -5150,7 +5155,7 @@
         </p:nvSpPr>
         <p:spPr>
           <a:xfrm>
-            <a:off x="5023800" y="1549080"/>
+            <a:off x="5049200" y="1549080"/>
             <a:ext cx="2502360" cy="3898440"/>
           </a:xfrm>
           <a:prstGeom prst="roundRect">
